--- a/DesignPatterns.pptx
+++ b/DesignPatterns.pptx
@@ -19,6 +19,7 @@
     <p:sldId id="267" r:id="rId13"/>
     <p:sldId id="268" r:id="rId14"/>
     <p:sldId id="269" r:id="rId15"/>
+    <p:sldId id="271" r:id="rId16"/>
   </p:sldIdLst>
   <p:sldSz cx="12192000" cy="6858000"/>
   <p:notesSz cx="6858000" cy="9144000"/>
@@ -128,6 +129,7 @@
 <file path=ppt/revisionInfo.xml><?xml version="1.0" encoding="utf-8"?>
 <p1510:revInfo xmlns:a="http://schemas.openxmlformats.org/drawingml/2006/main" xmlns:r="http://schemas.openxmlformats.org/officeDocument/2006/relationships" xmlns:p1510="http://schemas.microsoft.com/office/powerpoint/2015/10/main">
   <p1510:revLst>
+    <p1510:client id="{2B8E2204-9F68-4922-875F-CECA66539EED}" v="1" dt="2023-09-08T09:20:49.879"/>
     <p1510:client id="{AB31B840-5B75-4E75-A826-5505BB4DF856}" v="27" dt="2023-09-08T07:20:25.171"/>
   </p1510:revLst>
 </p1510:revInfo>
@@ -454,6 +456,44 @@
       </pc:sldChg>
     </pc:docChg>
   </pc:docChgLst>
+  <pc:docChgLst>
+    <pc:chgData name="Manaswini Ray" userId="451f23f8-43b4-4daa-9511-0c9fb98bad1c" providerId="ADAL" clId="{2B8E2204-9F68-4922-875F-CECA66539EED}"/>
+    <pc:docChg chg="undo custSel addSld delSld modSld">
+      <pc:chgData name="Manaswini Ray" userId="451f23f8-43b4-4daa-9511-0c9fb98bad1c" providerId="ADAL" clId="{2B8E2204-9F68-4922-875F-CECA66539EED}" dt="2023-09-08T09:20:54.746" v="4" actId="47"/>
+      <pc:docMkLst>
+        <pc:docMk/>
+      </pc:docMkLst>
+      <pc:sldChg chg="addSp delSp mod">
+        <pc:chgData name="Manaswini Ray" userId="451f23f8-43b4-4daa-9511-0c9fb98bad1c" providerId="ADAL" clId="{2B8E2204-9F68-4922-875F-CECA66539EED}" dt="2023-09-08T09:20:34.711" v="1" actId="22"/>
+        <pc:sldMkLst>
+          <pc:docMk/>
+          <pc:sldMk cId="2965911209" sldId="269"/>
+        </pc:sldMkLst>
+        <pc:spChg chg="add del">
+          <ac:chgData name="Manaswini Ray" userId="451f23f8-43b4-4daa-9511-0c9fb98bad1c" providerId="ADAL" clId="{2B8E2204-9F68-4922-875F-CECA66539EED}" dt="2023-09-08T09:20:34.711" v="1" actId="22"/>
+          <ac:spMkLst>
+            <pc:docMk/>
+            <pc:sldMk cId="2965911209" sldId="269"/>
+            <ac:spMk id="5" creationId="{36DBDD49-BA9A-4F69-6387-928B1D00D0FA}"/>
+          </ac:spMkLst>
+        </pc:spChg>
+      </pc:sldChg>
+      <pc:sldChg chg="new del">
+        <pc:chgData name="Manaswini Ray" userId="451f23f8-43b4-4daa-9511-0c9fb98bad1c" providerId="ADAL" clId="{2B8E2204-9F68-4922-875F-CECA66539EED}" dt="2023-09-08T09:20:54.746" v="4" actId="47"/>
+        <pc:sldMkLst>
+          <pc:docMk/>
+          <pc:sldMk cId="3725369857" sldId="270"/>
+        </pc:sldMkLst>
+      </pc:sldChg>
+      <pc:sldChg chg="add">
+        <pc:chgData name="Manaswini Ray" userId="451f23f8-43b4-4daa-9511-0c9fb98bad1c" providerId="ADAL" clId="{2B8E2204-9F68-4922-875F-CECA66539EED}" dt="2023-09-08T09:20:49.879" v="3"/>
+        <pc:sldMkLst>
+          <pc:docMk/>
+          <pc:sldMk cId="4248181221" sldId="271"/>
+        </pc:sldMkLst>
+      </pc:sldChg>
+    </pc:docChg>
+  </pc:docChgLst>
 </pc:chgInfo>
 </file>
 
@@ -606,7 +646,7 @@
           <a:p>
             <a:fld id="{A1AA28CD-13E1-4DEA-B553-BCBE77DAC64A}" type="datetimeFigureOut">
               <a:rPr lang="en-IN" smtClean="0"/>
-              <a:t>07-09-2023</a:t>
+              <a:t>08-09-2023</a:t>
             </a:fld>
             <a:endParaRPr lang="en-IN"/>
           </a:p>
@@ -806,7 +846,7 @@
           <a:p>
             <a:fld id="{A1AA28CD-13E1-4DEA-B553-BCBE77DAC64A}" type="datetimeFigureOut">
               <a:rPr lang="en-IN" smtClean="0"/>
-              <a:t>07-09-2023</a:t>
+              <a:t>08-09-2023</a:t>
             </a:fld>
             <a:endParaRPr lang="en-IN"/>
           </a:p>
@@ -1016,7 +1056,7 @@
           <a:p>
             <a:fld id="{A1AA28CD-13E1-4DEA-B553-BCBE77DAC64A}" type="datetimeFigureOut">
               <a:rPr lang="en-IN" smtClean="0"/>
-              <a:t>07-09-2023</a:t>
+              <a:t>08-09-2023</a:t>
             </a:fld>
             <a:endParaRPr lang="en-IN"/>
           </a:p>
@@ -1216,7 +1256,7 @@
           <a:p>
             <a:fld id="{A1AA28CD-13E1-4DEA-B553-BCBE77DAC64A}" type="datetimeFigureOut">
               <a:rPr lang="en-IN" smtClean="0"/>
-              <a:t>07-09-2023</a:t>
+              <a:t>08-09-2023</a:t>
             </a:fld>
             <a:endParaRPr lang="en-IN"/>
           </a:p>
@@ -1492,7 +1532,7 @@
           <a:p>
             <a:fld id="{A1AA28CD-13E1-4DEA-B553-BCBE77DAC64A}" type="datetimeFigureOut">
               <a:rPr lang="en-IN" smtClean="0"/>
-              <a:t>07-09-2023</a:t>
+              <a:t>08-09-2023</a:t>
             </a:fld>
             <a:endParaRPr lang="en-IN"/>
           </a:p>
@@ -1760,7 +1800,7 @@
           <a:p>
             <a:fld id="{A1AA28CD-13E1-4DEA-B553-BCBE77DAC64A}" type="datetimeFigureOut">
               <a:rPr lang="en-IN" smtClean="0"/>
-              <a:t>07-09-2023</a:t>
+              <a:t>08-09-2023</a:t>
             </a:fld>
             <a:endParaRPr lang="en-IN"/>
           </a:p>
@@ -2175,7 +2215,7 @@
           <a:p>
             <a:fld id="{A1AA28CD-13E1-4DEA-B553-BCBE77DAC64A}" type="datetimeFigureOut">
               <a:rPr lang="en-IN" smtClean="0"/>
-              <a:t>07-09-2023</a:t>
+              <a:t>08-09-2023</a:t>
             </a:fld>
             <a:endParaRPr lang="en-IN"/>
           </a:p>
@@ -2317,7 +2357,7 @@
           <a:p>
             <a:fld id="{A1AA28CD-13E1-4DEA-B553-BCBE77DAC64A}" type="datetimeFigureOut">
               <a:rPr lang="en-IN" smtClean="0"/>
-              <a:t>07-09-2023</a:t>
+              <a:t>08-09-2023</a:t>
             </a:fld>
             <a:endParaRPr lang="en-IN"/>
           </a:p>
@@ -2430,7 +2470,7 @@
           <a:p>
             <a:fld id="{A1AA28CD-13E1-4DEA-B553-BCBE77DAC64A}" type="datetimeFigureOut">
               <a:rPr lang="en-IN" smtClean="0"/>
-              <a:t>07-09-2023</a:t>
+              <a:t>08-09-2023</a:t>
             </a:fld>
             <a:endParaRPr lang="en-IN"/>
           </a:p>
@@ -2743,7 +2783,7 @@
           <a:p>
             <a:fld id="{A1AA28CD-13E1-4DEA-B553-BCBE77DAC64A}" type="datetimeFigureOut">
               <a:rPr lang="en-IN" smtClean="0"/>
-              <a:t>07-09-2023</a:t>
+              <a:t>08-09-2023</a:t>
             </a:fld>
             <a:endParaRPr lang="en-IN"/>
           </a:p>
@@ -3032,7 +3072,7 @@
           <a:p>
             <a:fld id="{A1AA28CD-13E1-4DEA-B553-BCBE77DAC64A}" type="datetimeFigureOut">
               <a:rPr lang="en-IN" smtClean="0"/>
-              <a:t>07-09-2023</a:t>
+              <a:t>08-09-2023</a:t>
             </a:fld>
             <a:endParaRPr lang="en-IN"/>
           </a:p>
@@ -3275,7 +3315,7 @@
           <a:p>
             <a:fld id="{A1AA28CD-13E1-4DEA-B553-BCBE77DAC64A}" type="datetimeFigureOut">
               <a:rPr lang="en-IN" smtClean="0"/>
-              <a:t>07-09-2023</a:t>
+              <a:t>08-09-2023</a:t>
             </a:fld>
             <a:endParaRPr lang="en-IN"/>
           </a:p>
@@ -6201,6 +6241,522 @@
     <p:extLst>
       <p:ext uri="{BB962C8B-B14F-4D97-AF65-F5344CB8AC3E}">
         <p14:creationId xmlns:p14="http://schemas.microsoft.com/office/powerpoint/2010/main" val="2965911209"/>
+      </p:ext>
+    </p:extLst>
+  </p:cSld>
+  <p:clrMapOvr>
+    <a:masterClrMapping/>
+  </p:clrMapOvr>
+</p:sld>
+</file>
+
+<file path=ppt/slides/slide15.xml><?xml version="1.0" encoding="utf-8"?>
+<p:sld xmlns:a="http://schemas.openxmlformats.org/drawingml/2006/main" xmlns:r="http://schemas.openxmlformats.org/officeDocument/2006/relationships" xmlns:p="http://schemas.openxmlformats.org/presentationml/2006/main">
+  <p:cSld>
+    <p:spTree>
+      <p:nvGrpSpPr>
+        <p:cNvPr id="1" name=""/>
+        <p:cNvGrpSpPr/>
+        <p:nvPr/>
+      </p:nvGrpSpPr>
+      <p:grpSpPr>
+        <a:xfrm>
+          <a:off x="0" y="0"/>
+          <a:ext cx="0" cy="0"/>
+          <a:chOff x="0" y="0"/>
+          <a:chExt cx="0" cy="0"/>
+        </a:xfrm>
+      </p:grpSpPr>
+      <p:sp>
+        <p:nvSpPr>
+          <p:cNvPr id="2" name="Title 1">
+            <a:extLst>
+              <a:ext uri="{FF2B5EF4-FFF2-40B4-BE49-F238E27FC236}">
+                <a16:creationId xmlns:a16="http://schemas.microsoft.com/office/drawing/2014/main" id="{1676E944-5F4A-FFAC-30BA-6D1525F5943C}"/>
+              </a:ext>
+            </a:extLst>
+          </p:cNvPr>
+          <p:cNvSpPr txBox="1">
+            <a:spLocks/>
+          </p:cNvSpPr>
+          <p:nvPr/>
+        </p:nvSpPr>
+        <p:spPr>
+          <a:xfrm>
+            <a:off x="496957" y="417445"/>
+            <a:ext cx="10515600" cy="1325563"/>
+          </a:xfrm>
+          <a:prstGeom prst="rect">
+            <a:avLst/>
+          </a:prstGeom>
+        </p:spPr>
+        <p:txBody>
+          <a:bodyPr/>
+          <a:lstStyle>
+            <a:lvl1pPr algn="l" defTabSz="914400" rtl="0" eaLnBrk="1" latinLnBrk="0" hangingPunct="1">
+              <a:lnSpc>
+                <a:spcPct val="90000"/>
+              </a:lnSpc>
+              <a:spcBef>
+                <a:spcPct val="0"/>
+              </a:spcBef>
+              <a:buNone/>
+              <a:defRPr sz="4400" kern="1200">
+                <a:solidFill>
+                  <a:schemeClr val="tx1"/>
+                </a:solidFill>
+                <a:latin typeface="+mj-lt"/>
+                <a:ea typeface="+mj-ea"/>
+                <a:cs typeface="+mj-cs"/>
+              </a:defRPr>
+            </a:lvl1pPr>
+          </a:lstStyle>
+          <a:p>
+            <a:r>
+              <a:rPr lang="en-US" b="1" u="sng" dirty="0" err="1"/>
+              <a:t>FlyWeight</a:t>
+            </a:r>
+            <a:r>
+              <a:rPr lang="en-US" b="1" u="sng" dirty="0"/>
+              <a:t> Design Pattern</a:t>
+            </a:r>
+            <a:endParaRPr lang="en-IN" b="1" u="sng" dirty="0"/>
+          </a:p>
+        </p:txBody>
+      </p:sp>
+      <p:sp>
+        <p:nvSpPr>
+          <p:cNvPr id="3" name="Content Placeholder 2">
+            <a:extLst>
+              <a:ext uri="{FF2B5EF4-FFF2-40B4-BE49-F238E27FC236}">
+                <a16:creationId xmlns:a16="http://schemas.microsoft.com/office/drawing/2014/main" id="{202EAE57-E208-DE26-4A12-AAAB1BFB904F}"/>
+              </a:ext>
+            </a:extLst>
+          </p:cNvPr>
+          <p:cNvSpPr txBox="1">
+            <a:spLocks/>
+          </p:cNvSpPr>
+          <p:nvPr/>
+        </p:nvSpPr>
+        <p:spPr>
+          <a:xfrm>
+            <a:off x="496957" y="1073427"/>
+            <a:ext cx="11280913" cy="5367128"/>
+          </a:xfrm>
+          <a:prstGeom prst="rect">
+            <a:avLst/>
+          </a:prstGeom>
+        </p:spPr>
+        <p:txBody>
+          <a:bodyPr>
+            <a:normAutofit lnSpcReduction="10000"/>
+          </a:bodyPr>
+          <a:lstStyle>
+            <a:lvl1pPr marL="228600" indent="-228600" algn="l" defTabSz="914400" rtl="0" eaLnBrk="1" latinLnBrk="0" hangingPunct="1">
+              <a:lnSpc>
+                <a:spcPct val="90000"/>
+              </a:lnSpc>
+              <a:spcBef>
+                <a:spcPts val="1000"/>
+              </a:spcBef>
+              <a:buFont typeface="Arial" panose="020B0604020202020204" pitchFamily="34" charset="0"/>
+              <a:buChar char="•"/>
+              <a:defRPr sz="2800" kern="1200">
+                <a:solidFill>
+                  <a:schemeClr val="tx1"/>
+                </a:solidFill>
+                <a:latin typeface="+mn-lt"/>
+                <a:ea typeface="+mn-ea"/>
+                <a:cs typeface="+mn-cs"/>
+              </a:defRPr>
+            </a:lvl1pPr>
+            <a:lvl2pPr marL="685800" indent="-228600" algn="l" defTabSz="914400" rtl="0" eaLnBrk="1" latinLnBrk="0" hangingPunct="1">
+              <a:lnSpc>
+                <a:spcPct val="90000"/>
+              </a:lnSpc>
+              <a:spcBef>
+                <a:spcPts val="500"/>
+              </a:spcBef>
+              <a:buFont typeface="Arial" panose="020B0604020202020204" pitchFamily="34" charset="0"/>
+              <a:buChar char="•"/>
+              <a:defRPr sz="2400" kern="1200">
+                <a:solidFill>
+                  <a:schemeClr val="tx1"/>
+                </a:solidFill>
+                <a:latin typeface="+mn-lt"/>
+                <a:ea typeface="+mn-ea"/>
+                <a:cs typeface="+mn-cs"/>
+              </a:defRPr>
+            </a:lvl2pPr>
+            <a:lvl3pPr marL="1143000" indent="-228600" algn="l" defTabSz="914400" rtl="0" eaLnBrk="1" latinLnBrk="0" hangingPunct="1">
+              <a:lnSpc>
+                <a:spcPct val="90000"/>
+              </a:lnSpc>
+              <a:spcBef>
+                <a:spcPts val="500"/>
+              </a:spcBef>
+              <a:buFont typeface="Arial" panose="020B0604020202020204" pitchFamily="34" charset="0"/>
+              <a:buChar char="•"/>
+              <a:defRPr sz="2000" kern="1200">
+                <a:solidFill>
+                  <a:schemeClr val="tx1"/>
+                </a:solidFill>
+                <a:latin typeface="+mn-lt"/>
+                <a:ea typeface="+mn-ea"/>
+                <a:cs typeface="+mn-cs"/>
+              </a:defRPr>
+            </a:lvl3pPr>
+            <a:lvl4pPr marL="1600200" indent="-228600" algn="l" defTabSz="914400" rtl="0" eaLnBrk="1" latinLnBrk="0" hangingPunct="1">
+              <a:lnSpc>
+                <a:spcPct val="90000"/>
+              </a:lnSpc>
+              <a:spcBef>
+                <a:spcPts val="500"/>
+              </a:spcBef>
+              <a:buFont typeface="Arial" panose="020B0604020202020204" pitchFamily="34" charset="0"/>
+              <a:buChar char="•"/>
+              <a:defRPr sz="1800" kern="1200">
+                <a:solidFill>
+                  <a:schemeClr val="tx1"/>
+                </a:solidFill>
+                <a:latin typeface="+mn-lt"/>
+                <a:ea typeface="+mn-ea"/>
+                <a:cs typeface="+mn-cs"/>
+              </a:defRPr>
+            </a:lvl4pPr>
+            <a:lvl5pPr marL="2057400" indent="-228600" algn="l" defTabSz="914400" rtl="0" eaLnBrk="1" latinLnBrk="0" hangingPunct="1">
+              <a:lnSpc>
+                <a:spcPct val="90000"/>
+              </a:lnSpc>
+              <a:spcBef>
+                <a:spcPts val="500"/>
+              </a:spcBef>
+              <a:buFont typeface="Arial" panose="020B0604020202020204" pitchFamily="34" charset="0"/>
+              <a:buChar char="•"/>
+              <a:defRPr sz="1800" kern="1200">
+                <a:solidFill>
+                  <a:schemeClr val="tx1"/>
+                </a:solidFill>
+                <a:latin typeface="+mn-lt"/>
+                <a:ea typeface="+mn-ea"/>
+                <a:cs typeface="+mn-cs"/>
+              </a:defRPr>
+            </a:lvl5pPr>
+            <a:lvl6pPr marL="2514600" indent="-228600" algn="l" defTabSz="914400" rtl="0" eaLnBrk="1" latinLnBrk="0" hangingPunct="1">
+              <a:lnSpc>
+                <a:spcPct val="90000"/>
+              </a:lnSpc>
+              <a:spcBef>
+                <a:spcPts val="500"/>
+              </a:spcBef>
+              <a:buFont typeface="Arial" panose="020B0604020202020204" pitchFamily="34" charset="0"/>
+              <a:buChar char="•"/>
+              <a:defRPr sz="1800" kern="1200">
+                <a:solidFill>
+                  <a:schemeClr val="tx1"/>
+                </a:solidFill>
+                <a:latin typeface="+mn-lt"/>
+                <a:ea typeface="+mn-ea"/>
+                <a:cs typeface="+mn-cs"/>
+              </a:defRPr>
+            </a:lvl6pPr>
+            <a:lvl7pPr marL="2971800" indent="-228600" algn="l" defTabSz="914400" rtl="0" eaLnBrk="1" latinLnBrk="0" hangingPunct="1">
+              <a:lnSpc>
+                <a:spcPct val="90000"/>
+              </a:lnSpc>
+              <a:spcBef>
+                <a:spcPts val="500"/>
+              </a:spcBef>
+              <a:buFont typeface="Arial" panose="020B0604020202020204" pitchFamily="34" charset="0"/>
+              <a:buChar char="•"/>
+              <a:defRPr sz="1800" kern="1200">
+                <a:solidFill>
+                  <a:schemeClr val="tx1"/>
+                </a:solidFill>
+                <a:latin typeface="+mn-lt"/>
+                <a:ea typeface="+mn-ea"/>
+                <a:cs typeface="+mn-cs"/>
+              </a:defRPr>
+            </a:lvl7pPr>
+            <a:lvl8pPr marL="3429000" indent="-228600" algn="l" defTabSz="914400" rtl="0" eaLnBrk="1" latinLnBrk="0" hangingPunct="1">
+              <a:lnSpc>
+                <a:spcPct val="90000"/>
+              </a:lnSpc>
+              <a:spcBef>
+                <a:spcPts val="500"/>
+              </a:spcBef>
+              <a:buFont typeface="Arial" panose="020B0604020202020204" pitchFamily="34" charset="0"/>
+              <a:buChar char="•"/>
+              <a:defRPr sz="1800" kern="1200">
+                <a:solidFill>
+                  <a:schemeClr val="tx1"/>
+                </a:solidFill>
+                <a:latin typeface="+mn-lt"/>
+                <a:ea typeface="+mn-ea"/>
+                <a:cs typeface="+mn-cs"/>
+              </a:defRPr>
+            </a:lvl8pPr>
+            <a:lvl9pPr marL="3886200" indent="-228600" algn="l" defTabSz="914400" rtl="0" eaLnBrk="1" latinLnBrk="0" hangingPunct="1">
+              <a:lnSpc>
+                <a:spcPct val="90000"/>
+              </a:lnSpc>
+              <a:spcBef>
+                <a:spcPts val="500"/>
+              </a:spcBef>
+              <a:buFont typeface="Arial" panose="020B0604020202020204" pitchFamily="34" charset="0"/>
+              <a:buChar char="•"/>
+              <a:defRPr sz="1800" kern="1200">
+                <a:solidFill>
+                  <a:schemeClr val="tx1"/>
+                </a:solidFill>
+                <a:latin typeface="+mn-lt"/>
+                <a:ea typeface="+mn-ea"/>
+                <a:cs typeface="+mn-cs"/>
+              </a:defRPr>
+            </a:lvl9pPr>
+          </a:lstStyle>
+          <a:p>
+            <a:endParaRPr lang="en-US" sz="1600" b="0" i="0" dirty="0">
+              <a:solidFill>
+                <a:srgbClr val="333333"/>
+              </a:solidFill>
+              <a:effectLst/>
+              <a:latin typeface="inter-regular"/>
+            </a:endParaRPr>
+          </a:p>
+          <a:p>
+            <a:r>
+              <a:rPr lang="en-US" sz="2200" dirty="0">
+                <a:solidFill>
+                  <a:srgbClr val="333333"/>
+                </a:solidFill>
+                <a:latin typeface="inter-regular"/>
+              </a:rPr>
+              <a:t>It says </a:t>
+            </a:r>
+            <a:r>
+              <a:rPr lang="en-US" sz="2200" b="0" i="0" dirty="0">
+                <a:solidFill>
+                  <a:srgbClr val="333333"/>
+                </a:solidFill>
+                <a:effectLst/>
+                <a:latin typeface="inter-regular"/>
+              </a:rPr>
+              <a:t>that just </a:t>
+            </a:r>
+            <a:r>
+              <a:rPr lang="en-US" sz="2200" b="1" i="0" dirty="0">
+                <a:solidFill>
+                  <a:srgbClr val="333333"/>
+                </a:solidFill>
+                <a:effectLst/>
+                <a:latin typeface="inter-bold"/>
+              </a:rPr>
+              <a:t>"to reuse already existing similar kind of objects by storing them and create new object when no matching object is found"</a:t>
+            </a:r>
+            <a:r>
+              <a:rPr lang="en-US" sz="2200" b="0" i="0" dirty="0">
+                <a:solidFill>
+                  <a:srgbClr val="333333"/>
+                </a:solidFill>
+                <a:effectLst/>
+                <a:latin typeface="inter-regular"/>
+              </a:rPr>
+              <a:t>.</a:t>
+            </a:r>
+            <a:endParaRPr lang="en-US" sz="2200" b="1" i="0" dirty="0">
+              <a:solidFill>
+                <a:srgbClr val="333333"/>
+              </a:solidFill>
+              <a:effectLst/>
+              <a:latin typeface="inter-bold"/>
+            </a:endParaRPr>
+          </a:p>
+          <a:p>
+            <a:r>
+              <a:rPr lang="en-US" sz="2200" b="1" u="sng" dirty="0">
+                <a:solidFill>
+                  <a:srgbClr val="333333"/>
+                </a:solidFill>
+                <a:latin typeface="inter-regular"/>
+              </a:rPr>
+              <a:t>Advantages</a:t>
+            </a:r>
+            <a:r>
+              <a:rPr lang="en-US" sz="2200" b="1" dirty="0">
+                <a:solidFill>
+                  <a:srgbClr val="333333"/>
+                </a:solidFill>
+                <a:latin typeface="inter-regular"/>
+              </a:rPr>
+              <a:t>:-</a:t>
+            </a:r>
+          </a:p>
+          <a:p>
+            <a:pPr algn="just">
+              <a:buFont typeface="Arial" panose="020B0604020202020204" pitchFamily="34" charset="0"/>
+              <a:buChar char="•"/>
+            </a:pPr>
+            <a:r>
+              <a:rPr lang="en-US" sz="2000" b="0" i="0" dirty="0">
+                <a:solidFill>
+                  <a:srgbClr val="000000"/>
+                </a:solidFill>
+                <a:effectLst/>
+                <a:latin typeface="inter-regular"/>
+              </a:rPr>
+              <a:t>It reduces the number of objects.</a:t>
+            </a:r>
+          </a:p>
+          <a:p>
+            <a:pPr algn="just">
+              <a:buFont typeface="Arial" panose="020B0604020202020204" pitchFamily="34" charset="0"/>
+              <a:buChar char="•"/>
+            </a:pPr>
+            <a:r>
+              <a:rPr lang="en-US" sz="2000" b="0" i="0" dirty="0">
+                <a:solidFill>
+                  <a:srgbClr val="000000"/>
+                </a:solidFill>
+                <a:effectLst/>
+                <a:latin typeface="inter-regular"/>
+              </a:rPr>
+              <a:t>It reduces the amount of memory and storage devices required if the objects are persisted</a:t>
+            </a:r>
+          </a:p>
+          <a:p>
+            <a:pPr marL="0" indent="0">
+              <a:buNone/>
+            </a:pPr>
+            <a:br>
+              <a:rPr lang="en-US" sz="1600" dirty="0"/>
+            </a:br>
+            <a:r>
+              <a:rPr lang="en-US" sz="2200" b="1" u="sng" dirty="0">
+                <a:solidFill>
+                  <a:srgbClr val="000000"/>
+                </a:solidFill>
+                <a:latin typeface="inter-regular"/>
+              </a:rPr>
+              <a:t>Usage</a:t>
+            </a:r>
+            <a:r>
+              <a:rPr lang="en-US" sz="2200" b="1" dirty="0">
+                <a:solidFill>
+                  <a:srgbClr val="000000"/>
+                </a:solidFill>
+                <a:latin typeface="inter-regular"/>
+              </a:rPr>
+              <a:t>:-</a:t>
+            </a:r>
+          </a:p>
+          <a:p>
+            <a:pPr algn="just">
+              <a:buFont typeface="Arial" panose="020B0604020202020204" pitchFamily="34" charset="0"/>
+              <a:buChar char="•"/>
+            </a:pPr>
+            <a:r>
+              <a:rPr lang="en-US" sz="2000" b="0" i="0" dirty="0">
+                <a:solidFill>
+                  <a:srgbClr val="000000"/>
+                </a:solidFill>
+                <a:effectLst/>
+                <a:latin typeface="inter-regular"/>
+              </a:rPr>
+              <a:t>When an application uses number of objects</a:t>
+            </a:r>
+          </a:p>
+          <a:p>
+            <a:pPr algn="just">
+              <a:buFont typeface="Arial" panose="020B0604020202020204" pitchFamily="34" charset="0"/>
+              <a:buChar char="•"/>
+            </a:pPr>
+            <a:r>
+              <a:rPr lang="en-US" sz="2000" b="0" i="0" dirty="0">
+                <a:solidFill>
+                  <a:srgbClr val="000000"/>
+                </a:solidFill>
+                <a:effectLst/>
+                <a:latin typeface="inter-regular"/>
+              </a:rPr>
+              <a:t>When the storage cost is high because of the quantity of objects.</a:t>
+            </a:r>
+          </a:p>
+          <a:p>
+            <a:pPr algn="just">
+              <a:buFont typeface="Arial" panose="020B0604020202020204" pitchFamily="34" charset="0"/>
+              <a:buChar char="•"/>
+            </a:pPr>
+            <a:r>
+              <a:rPr lang="en-US" sz="2000" b="0" i="0" dirty="0">
+                <a:solidFill>
+                  <a:srgbClr val="000000"/>
+                </a:solidFill>
+                <a:effectLst/>
+                <a:latin typeface="inter-regular"/>
+              </a:rPr>
+              <a:t>When the application does not depend on object identity.</a:t>
+            </a:r>
+          </a:p>
+          <a:p>
+            <a:pPr marL="0" indent="0" algn="just">
+              <a:buFont typeface="Arial" panose="020B0604020202020204" pitchFamily="34" charset="0"/>
+              <a:buNone/>
+            </a:pPr>
+            <a:r>
+              <a:rPr lang="en-US" sz="2200" b="1" u="sng" dirty="0">
+                <a:solidFill>
+                  <a:schemeClr val="tx1">
+                    <a:lumMod val="95000"/>
+                    <a:lumOff val="5000"/>
+                  </a:schemeClr>
+                </a:solidFill>
+                <a:latin typeface="Google Sans"/>
+              </a:rPr>
+              <a:t>Real-Time Example</a:t>
+            </a:r>
+            <a:r>
+              <a:rPr lang="en-US" sz="2200" dirty="0">
+                <a:solidFill>
+                  <a:schemeClr val="tx1">
+                    <a:lumMod val="95000"/>
+                    <a:lumOff val="5000"/>
+                  </a:schemeClr>
+                </a:solidFill>
+                <a:latin typeface="Google Sans"/>
+              </a:rPr>
+              <a:t>:-</a:t>
+            </a:r>
+          </a:p>
+          <a:p>
+            <a:r>
+              <a:rPr lang="en-US" sz="2000" b="0" i="0" dirty="0">
+                <a:solidFill>
+                  <a:schemeClr val="tx1">
+                    <a:lumMod val="95000"/>
+                    <a:lumOff val="5000"/>
+                  </a:schemeClr>
+                </a:solidFill>
+                <a:effectLst/>
+                <a:latin typeface="Google Sans"/>
+              </a:rPr>
+              <a:t>Suppose we have a pen which can exist with/without refill. A refill can be of any color thus a pen can be used to create drawings having N number of colors. Here Pen can be flyweight object with refill as extrinsic attribute.</a:t>
+            </a:r>
+            <a:endParaRPr lang="en-IN" sz="2000" dirty="0">
+              <a:solidFill>
+                <a:schemeClr val="tx1">
+                  <a:lumMod val="95000"/>
+                  <a:lumOff val="5000"/>
+                </a:schemeClr>
+              </a:solidFill>
+            </a:endParaRPr>
+          </a:p>
+        </p:txBody>
+      </p:sp>
+    </p:spTree>
+    <p:extLst>
+      <p:ext uri="{BB962C8B-B14F-4D97-AF65-F5344CB8AC3E}">
+        <p14:creationId xmlns:p14="http://schemas.microsoft.com/office/powerpoint/2010/main" val="4248181221"/>
       </p:ext>
     </p:extLst>
   </p:cSld>

--- a/DesignPatterns.pptx
+++ b/DesignPatterns.pptx
@@ -20,6 +20,8 @@
     <p:sldId id="268" r:id="rId14"/>
     <p:sldId id="269" r:id="rId15"/>
     <p:sldId id="271" r:id="rId16"/>
+    <p:sldId id="272" r:id="rId17"/>
+    <p:sldId id="273" r:id="rId18"/>
   </p:sldIdLst>
   <p:sldSz cx="12192000" cy="6858000"/>
   <p:notesSz cx="6858000" cy="9144000"/>
@@ -129,8 +131,7 @@
 <file path=ppt/revisionInfo.xml><?xml version="1.0" encoding="utf-8"?>
 <p1510:revInfo xmlns:a="http://schemas.openxmlformats.org/drawingml/2006/main" xmlns:r="http://schemas.openxmlformats.org/officeDocument/2006/relationships" xmlns:p1510="http://schemas.microsoft.com/office/powerpoint/2015/10/main">
   <p1510:revLst>
-    <p1510:client id="{2B8E2204-9F68-4922-875F-CECA66539EED}" v="1" dt="2023-09-08T09:20:49.879"/>
-    <p1510:client id="{AB31B840-5B75-4E75-A826-5505BB4DF856}" v="27" dt="2023-09-08T07:20:25.171"/>
+    <p1510:client id="{2B8E2204-9F68-4922-875F-CECA66539EED}" v="11" dt="2023-09-11T07:16:55.642"/>
   </p1510:revLst>
 </p1510:revInfo>
 </file>
@@ -458,11 +459,64 @@
   </pc:docChgLst>
   <pc:docChgLst>
     <pc:chgData name="Manaswini Ray" userId="451f23f8-43b4-4daa-9511-0c9fb98bad1c" providerId="ADAL" clId="{2B8E2204-9F68-4922-875F-CECA66539EED}"/>
-    <pc:docChg chg="undo custSel addSld delSld modSld">
-      <pc:chgData name="Manaswini Ray" userId="451f23f8-43b4-4daa-9511-0c9fb98bad1c" providerId="ADAL" clId="{2B8E2204-9F68-4922-875F-CECA66539EED}" dt="2023-09-08T09:20:54.746" v="4" actId="47"/>
+    <pc:docChg chg="undo custSel addSld delSld modSld sldOrd">
+      <pc:chgData name="Manaswini Ray" userId="451f23f8-43b4-4daa-9511-0c9fb98bad1c" providerId="ADAL" clId="{2B8E2204-9F68-4922-875F-CECA66539EED}" dt="2023-09-11T07:18:10.181" v="143" actId="20577"/>
       <pc:docMkLst>
         <pc:docMk/>
       </pc:docMkLst>
+      <pc:sldChg chg="delSp modSp mod">
+        <pc:chgData name="Manaswini Ray" userId="451f23f8-43b4-4daa-9511-0c9fb98bad1c" providerId="ADAL" clId="{2B8E2204-9F68-4922-875F-CECA66539EED}" dt="2023-09-11T07:13:32.329" v="60" actId="113"/>
+        <pc:sldMkLst>
+          <pc:docMk/>
+          <pc:sldMk cId="1265598325" sldId="256"/>
+        </pc:sldMkLst>
+        <pc:spChg chg="mod">
+          <ac:chgData name="Manaswini Ray" userId="451f23f8-43b4-4daa-9511-0c9fb98bad1c" providerId="ADAL" clId="{2B8E2204-9F68-4922-875F-CECA66539EED}" dt="2023-09-11T07:13:32.329" v="60" actId="113"/>
+          <ac:spMkLst>
+            <pc:docMk/>
+            <pc:sldMk cId="1265598325" sldId="256"/>
+            <ac:spMk id="2" creationId="{591DB896-D4F9-FFAE-47E6-661EEBDDB081}"/>
+          </ac:spMkLst>
+        </pc:spChg>
+        <pc:spChg chg="del">
+          <ac:chgData name="Manaswini Ray" userId="451f23f8-43b4-4daa-9511-0c9fb98bad1c" providerId="ADAL" clId="{2B8E2204-9F68-4922-875F-CECA66539EED}" dt="2023-09-11T07:13:03.362" v="58" actId="478"/>
+          <ac:spMkLst>
+            <pc:docMk/>
+            <pc:sldMk cId="1265598325" sldId="256"/>
+            <ac:spMk id="3" creationId="{EB1CBDF1-54A8-E1E2-5A3F-6A19E3A5F3B7}"/>
+          </ac:spMkLst>
+        </pc:spChg>
+      </pc:sldChg>
+      <pc:sldChg chg="modSp mod">
+        <pc:chgData name="Manaswini Ray" userId="451f23f8-43b4-4daa-9511-0c9fb98bad1c" providerId="ADAL" clId="{2B8E2204-9F68-4922-875F-CECA66539EED}" dt="2023-09-11T07:12:45.736" v="46" actId="1076"/>
+        <pc:sldMkLst>
+          <pc:docMk/>
+          <pc:sldMk cId="4290494059" sldId="263"/>
+        </pc:sldMkLst>
+        <pc:spChg chg="mod">
+          <ac:chgData name="Manaswini Ray" userId="451f23f8-43b4-4daa-9511-0c9fb98bad1c" providerId="ADAL" clId="{2B8E2204-9F68-4922-875F-CECA66539EED}" dt="2023-09-11T07:12:45.736" v="46" actId="1076"/>
+          <ac:spMkLst>
+            <pc:docMk/>
+            <pc:sldMk cId="4290494059" sldId="263"/>
+            <ac:spMk id="2" creationId="{D7B28076-1F1D-3EF6-3310-7B24D6692A94}"/>
+          </ac:spMkLst>
+        </pc:spChg>
+      </pc:sldChg>
+      <pc:sldChg chg="modSp mod">
+        <pc:chgData name="Manaswini Ray" userId="451f23f8-43b4-4daa-9511-0c9fb98bad1c" providerId="ADAL" clId="{2B8E2204-9F68-4922-875F-CECA66539EED}" dt="2023-09-11T07:12:56.969" v="57" actId="20577"/>
+        <pc:sldMkLst>
+          <pc:docMk/>
+          <pc:sldMk cId="3793449097" sldId="264"/>
+        </pc:sldMkLst>
+        <pc:spChg chg="mod">
+          <ac:chgData name="Manaswini Ray" userId="451f23f8-43b4-4daa-9511-0c9fb98bad1c" providerId="ADAL" clId="{2B8E2204-9F68-4922-875F-CECA66539EED}" dt="2023-09-11T07:12:56.969" v="57" actId="20577"/>
+          <ac:spMkLst>
+            <pc:docMk/>
+            <pc:sldMk cId="3793449097" sldId="264"/>
+            <ac:spMk id="2" creationId="{C064CB06-36C9-7C91-46B8-EC816005A5AC}"/>
+          </ac:spMkLst>
+        </pc:spChg>
+      </pc:sldChg>
       <pc:sldChg chg="addSp delSp mod">
         <pc:chgData name="Manaswini Ray" userId="451f23f8-43b4-4daa-9511-0c9fb98bad1c" providerId="ADAL" clId="{2B8E2204-9F68-4922-875F-CECA66539EED}" dt="2023-09-08T09:20:34.711" v="1" actId="22"/>
         <pc:sldMkLst>
@@ -491,6 +545,92 @@
           <pc:docMk/>
           <pc:sldMk cId="4248181221" sldId="271"/>
         </pc:sldMkLst>
+      </pc:sldChg>
+      <pc:sldChg chg="addSp modSp new mod ord">
+        <pc:chgData name="Manaswini Ray" userId="451f23f8-43b4-4daa-9511-0c9fb98bad1c" providerId="ADAL" clId="{2B8E2204-9F68-4922-875F-CECA66539EED}" dt="2023-09-11T07:13:44.443" v="62" actId="20577"/>
+        <pc:sldMkLst>
+          <pc:docMk/>
+          <pc:sldMk cId="3668497583" sldId="272"/>
+        </pc:sldMkLst>
+        <pc:spChg chg="add mod">
+          <ac:chgData name="Manaswini Ray" userId="451f23f8-43b4-4daa-9511-0c9fb98bad1c" providerId="ADAL" clId="{2B8E2204-9F68-4922-875F-CECA66539EED}" dt="2023-09-11T07:13:44.443" v="62" actId="20577"/>
+          <ac:spMkLst>
+            <pc:docMk/>
+            <pc:sldMk cId="3668497583" sldId="272"/>
+            <ac:spMk id="2" creationId="{80C39ECA-C214-317A-448C-9D9DAF3D0CF9}"/>
+          </ac:spMkLst>
+        </pc:spChg>
+      </pc:sldChg>
+      <pc:sldChg chg="addSp delSp modSp new mod">
+        <pc:chgData name="Manaswini Ray" userId="451f23f8-43b4-4daa-9511-0c9fb98bad1c" providerId="ADAL" clId="{2B8E2204-9F68-4922-875F-CECA66539EED}" dt="2023-09-11T07:18:10.181" v="143" actId="20577"/>
+        <pc:sldMkLst>
+          <pc:docMk/>
+          <pc:sldMk cId="2002171321" sldId="273"/>
+        </pc:sldMkLst>
+        <pc:spChg chg="add mod">
+          <ac:chgData name="Manaswini Ray" userId="451f23f8-43b4-4daa-9511-0c9fb98bad1c" providerId="ADAL" clId="{2B8E2204-9F68-4922-875F-CECA66539EED}" dt="2023-09-11T07:18:10.181" v="143" actId="20577"/>
+          <ac:spMkLst>
+            <pc:docMk/>
+            <pc:sldMk cId="2002171321" sldId="273"/>
+            <ac:spMk id="2" creationId="{B9B7DB80-A829-2C7A-3D7B-37097E64F335}"/>
+          </ac:spMkLst>
+        </pc:spChg>
+        <pc:spChg chg="add mod">
+          <ac:chgData name="Manaswini Ray" userId="451f23f8-43b4-4daa-9511-0c9fb98bad1c" providerId="ADAL" clId="{2B8E2204-9F68-4922-875F-CECA66539EED}" dt="2023-09-11T07:17:47.793" v="139" actId="1076"/>
+          <ac:spMkLst>
+            <pc:docMk/>
+            <pc:sldMk cId="2002171321" sldId="273"/>
+            <ac:spMk id="3" creationId="{60CC4065-14B9-D932-5254-9E5105ED5ED8}"/>
+          </ac:spMkLst>
+        </pc:spChg>
+        <pc:spChg chg="add del">
+          <ac:chgData name="Manaswini Ray" userId="451f23f8-43b4-4daa-9511-0c9fb98bad1c" providerId="ADAL" clId="{2B8E2204-9F68-4922-875F-CECA66539EED}" dt="2023-09-11T07:16:51.308" v="131" actId="478"/>
+          <ac:spMkLst>
+            <pc:docMk/>
+            <pc:sldMk cId="2002171321" sldId="273"/>
+            <ac:spMk id="4" creationId="{64510C3E-A034-39B7-B456-47BE5209525C}"/>
+          </ac:spMkLst>
+        </pc:spChg>
+        <pc:spChg chg="add del">
+          <ac:chgData name="Manaswini Ray" userId="451f23f8-43b4-4daa-9511-0c9fb98bad1c" providerId="ADAL" clId="{2B8E2204-9F68-4922-875F-CECA66539EED}" dt="2023-09-11T07:16:55.642" v="132" actId="478"/>
+          <ac:spMkLst>
+            <pc:docMk/>
+            <pc:sldMk cId="2002171321" sldId="273"/>
+            <ac:spMk id="5" creationId="{80F4B569-2E44-3951-8B84-597710108BB5}"/>
+          </ac:spMkLst>
+        </pc:spChg>
+        <pc:spChg chg="add">
+          <ac:chgData name="Manaswini Ray" userId="451f23f8-43b4-4daa-9511-0c9fb98bad1c" providerId="ADAL" clId="{2B8E2204-9F68-4922-875F-CECA66539EED}" dt="2023-09-11T07:15:58.969" v="118"/>
+          <ac:spMkLst>
+            <pc:docMk/>
+            <pc:sldMk cId="2002171321" sldId="273"/>
+            <ac:spMk id="6" creationId="{A39B4318-922B-BABB-5EAC-B5C8531C66AF}"/>
+          </ac:spMkLst>
+        </pc:spChg>
+        <pc:spChg chg="add del mod">
+          <ac:chgData name="Manaswini Ray" userId="451f23f8-43b4-4daa-9511-0c9fb98bad1c" providerId="ADAL" clId="{2B8E2204-9F68-4922-875F-CECA66539EED}" dt="2023-09-11T07:16:38.966" v="129" actId="478"/>
+          <ac:spMkLst>
+            <pc:docMk/>
+            <pc:sldMk cId="2002171321" sldId="273"/>
+            <ac:spMk id="7" creationId="{0AF89490-F970-90AE-90C4-D0A221141261}"/>
+          </ac:spMkLst>
+        </pc:spChg>
+        <pc:spChg chg="add del mod">
+          <ac:chgData name="Manaswini Ray" userId="451f23f8-43b4-4daa-9511-0c9fb98bad1c" providerId="ADAL" clId="{2B8E2204-9F68-4922-875F-CECA66539EED}" dt="2023-09-11T07:16:45.372" v="130" actId="478"/>
+          <ac:spMkLst>
+            <pc:docMk/>
+            <pc:sldMk cId="2002171321" sldId="273"/>
+            <ac:spMk id="8" creationId="{E36FAC23-D595-4232-EF69-5CFF50907EDE}"/>
+          </ac:spMkLst>
+        </pc:spChg>
+        <pc:spChg chg="add mod">
+          <ac:chgData name="Manaswini Ray" userId="451f23f8-43b4-4daa-9511-0c9fb98bad1c" providerId="ADAL" clId="{2B8E2204-9F68-4922-875F-CECA66539EED}" dt="2023-09-11T07:16:01.746" v="119"/>
+          <ac:spMkLst>
+            <pc:docMk/>
+            <pc:sldMk cId="2002171321" sldId="273"/>
+            <ac:spMk id="9" creationId="{F13E9F8C-BA68-9D5C-71B8-274D01B0F576}"/>
+          </ac:spMkLst>
+        </pc:spChg>
       </pc:sldChg>
     </pc:docChg>
   </pc:docChgLst>
@@ -646,7 +786,7 @@
           <a:p>
             <a:fld id="{A1AA28CD-13E1-4DEA-B553-BCBE77DAC64A}" type="datetimeFigureOut">
               <a:rPr lang="en-IN" smtClean="0"/>
-              <a:t>08-09-2023</a:t>
+              <a:t>11-09-2023</a:t>
             </a:fld>
             <a:endParaRPr lang="en-IN"/>
           </a:p>
@@ -846,7 +986,7 @@
           <a:p>
             <a:fld id="{A1AA28CD-13E1-4DEA-B553-BCBE77DAC64A}" type="datetimeFigureOut">
               <a:rPr lang="en-IN" smtClean="0"/>
-              <a:t>08-09-2023</a:t>
+              <a:t>11-09-2023</a:t>
             </a:fld>
             <a:endParaRPr lang="en-IN"/>
           </a:p>
@@ -1056,7 +1196,7 @@
           <a:p>
             <a:fld id="{A1AA28CD-13E1-4DEA-B553-BCBE77DAC64A}" type="datetimeFigureOut">
               <a:rPr lang="en-IN" smtClean="0"/>
-              <a:t>08-09-2023</a:t>
+              <a:t>11-09-2023</a:t>
             </a:fld>
             <a:endParaRPr lang="en-IN"/>
           </a:p>
@@ -1256,7 +1396,7 @@
           <a:p>
             <a:fld id="{A1AA28CD-13E1-4DEA-B553-BCBE77DAC64A}" type="datetimeFigureOut">
               <a:rPr lang="en-IN" smtClean="0"/>
-              <a:t>08-09-2023</a:t>
+              <a:t>11-09-2023</a:t>
             </a:fld>
             <a:endParaRPr lang="en-IN"/>
           </a:p>
@@ -1532,7 +1672,7 @@
           <a:p>
             <a:fld id="{A1AA28CD-13E1-4DEA-B553-BCBE77DAC64A}" type="datetimeFigureOut">
               <a:rPr lang="en-IN" smtClean="0"/>
-              <a:t>08-09-2023</a:t>
+              <a:t>11-09-2023</a:t>
             </a:fld>
             <a:endParaRPr lang="en-IN"/>
           </a:p>
@@ -1800,7 +1940,7 @@
           <a:p>
             <a:fld id="{A1AA28CD-13E1-4DEA-B553-BCBE77DAC64A}" type="datetimeFigureOut">
               <a:rPr lang="en-IN" smtClean="0"/>
-              <a:t>08-09-2023</a:t>
+              <a:t>11-09-2023</a:t>
             </a:fld>
             <a:endParaRPr lang="en-IN"/>
           </a:p>
@@ -2215,7 +2355,7 @@
           <a:p>
             <a:fld id="{A1AA28CD-13E1-4DEA-B553-BCBE77DAC64A}" type="datetimeFigureOut">
               <a:rPr lang="en-IN" smtClean="0"/>
-              <a:t>08-09-2023</a:t>
+              <a:t>11-09-2023</a:t>
             </a:fld>
             <a:endParaRPr lang="en-IN"/>
           </a:p>
@@ -2357,7 +2497,7 @@
           <a:p>
             <a:fld id="{A1AA28CD-13E1-4DEA-B553-BCBE77DAC64A}" type="datetimeFigureOut">
               <a:rPr lang="en-IN" smtClean="0"/>
-              <a:t>08-09-2023</a:t>
+              <a:t>11-09-2023</a:t>
             </a:fld>
             <a:endParaRPr lang="en-IN"/>
           </a:p>
@@ -2470,7 +2610,7 @@
           <a:p>
             <a:fld id="{A1AA28CD-13E1-4DEA-B553-BCBE77DAC64A}" type="datetimeFigureOut">
               <a:rPr lang="en-IN" smtClean="0"/>
-              <a:t>08-09-2023</a:t>
+              <a:t>11-09-2023</a:t>
             </a:fld>
             <a:endParaRPr lang="en-IN"/>
           </a:p>
@@ -2783,7 +2923,7 @@
           <a:p>
             <a:fld id="{A1AA28CD-13E1-4DEA-B553-BCBE77DAC64A}" type="datetimeFigureOut">
               <a:rPr lang="en-IN" smtClean="0"/>
-              <a:t>08-09-2023</a:t>
+              <a:t>11-09-2023</a:t>
             </a:fld>
             <a:endParaRPr lang="en-IN"/>
           </a:p>
@@ -3072,7 +3212,7 @@
           <a:p>
             <a:fld id="{A1AA28CD-13E1-4DEA-B553-BCBE77DAC64A}" type="datetimeFigureOut">
               <a:rPr lang="en-IN" smtClean="0"/>
-              <a:t>08-09-2023</a:t>
+              <a:t>11-09-2023</a:t>
             </a:fld>
             <a:endParaRPr lang="en-IN"/>
           </a:p>
@@ -3315,7 +3455,7 @@
           <a:p>
             <a:fld id="{A1AA28CD-13E1-4DEA-B553-BCBE77DAC64A}" type="datetimeFigureOut">
               <a:rPr lang="en-IN" smtClean="0"/>
-              <a:t>08-09-2023</a:t>
+              <a:t>11-09-2023</a:t>
             </a:fld>
             <a:endParaRPr lang="en-IN"/>
           </a:p>
@@ -3797,39 +3937,16 @@
         </p:nvSpPr>
         <p:spPr/>
         <p:txBody>
-          <a:bodyPr/>
+          <a:bodyPr>
+            <a:normAutofit/>
+          </a:bodyPr>
           <a:lstStyle/>
           <a:p>
             <a:r>
-              <a:rPr lang="en-US" dirty="0"/>
+              <a:rPr lang="en-US" sz="7200" b="1" dirty="0"/>
               <a:t>Design Patterns</a:t>
             </a:r>
-            <a:endParaRPr lang="en-IN" dirty="0"/>
-          </a:p>
-        </p:txBody>
-      </p:sp>
-      <p:sp>
-        <p:nvSpPr>
-          <p:cNvPr id="3" name="Subtitle 2">
-            <a:extLst>
-              <a:ext uri="{FF2B5EF4-FFF2-40B4-BE49-F238E27FC236}">
-                <a16:creationId xmlns:a16="http://schemas.microsoft.com/office/drawing/2014/main" id="{EB1CBDF1-54A8-E1E2-5A3F-6A19E3A5F3B7}"/>
-              </a:ext>
-            </a:extLst>
-          </p:cNvPr>
-          <p:cNvSpPr>
-            <a:spLocks noGrp="1"/>
-          </p:cNvSpPr>
-          <p:nvPr>
-            <p:ph type="subTitle" idx="1"/>
-          </p:nvPr>
-        </p:nvSpPr>
-        <p:spPr/>
-        <p:txBody>
-          <a:bodyPr/>
-          <a:lstStyle/>
-          <a:p>
-            <a:endParaRPr lang="en-IN"/>
+            <a:endParaRPr lang="en-IN" sz="7200" b="1" dirty="0"/>
           </a:p>
         </p:txBody>
       </p:sp>
@@ -6766,6 +6883,850 @@
 </p:sld>
 </file>
 
+<file path=ppt/slides/slide16.xml><?xml version="1.0" encoding="utf-8"?>
+<p:sld xmlns:a="http://schemas.openxmlformats.org/drawingml/2006/main" xmlns:r="http://schemas.openxmlformats.org/officeDocument/2006/relationships" xmlns:p="http://schemas.openxmlformats.org/presentationml/2006/main">
+  <p:cSld>
+    <p:spTree>
+      <p:nvGrpSpPr>
+        <p:cNvPr id="1" name=""/>
+        <p:cNvGrpSpPr/>
+        <p:nvPr/>
+      </p:nvGrpSpPr>
+      <p:grpSpPr>
+        <a:xfrm>
+          <a:off x="0" y="0"/>
+          <a:ext cx="0" cy="0"/>
+          <a:chOff x="0" y="0"/>
+          <a:chExt cx="0" cy="0"/>
+        </a:xfrm>
+      </p:grpSpPr>
+      <p:sp>
+        <p:nvSpPr>
+          <p:cNvPr id="2" name="Title 1">
+            <a:extLst>
+              <a:ext uri="{FF2B5EF4-FFF2-40B4-BE49-F238E27FC236}">
+                <a16:creationId xmlns:a16="http://schemas.microsoft.com/office/drawing/2014/main" id="{80C39ECA-C214-317A-448C-9D9DAF3D0CF9}"/>
+              </a:ext>
+            </a:extLst>
+          </p:cNvPr>
+          <p:cNvSpPr txBox="1">
+            <a:spLocks/>
+          </p:cNvSpPr>
+          <p:nvPr/>
+        </p:nvSpPr>
+        <p:spPr>
+          <a:xfrm>
+            <a:off x="1692965" y="2235200"/>
+            <a:ext cx="9144000" cy="2387600"/>
+          </a:xfrm>
+          <a:prstGeom prst="rect">
+            <a:avLst/>
+          </a:prstGeom>
+        </p:spPr>
+        <p:txBody>
+          <a:bodyPr>
+            <a:normAutofit/>
+          </a:bodyPr>
+          <a:lstStyle>
+            <a:lvl1pPr algn="l" defTabSz="914400" rtl="0" eaLnBrk="1" latinLnBrk="0" hangingPunct="1">
+              <a:lnSpc>
+                <a:spcPct val="90000"/>
+              </a:lnSpc>
+              <a:spcBef>
+                <a:spcPct val="0"/>
+              </a:spcBef>
+              <a:buNone/>
+              <a:defRPr sz="4400" kern="1200">
+                <a:solidFill>
+                  <a:schemeClr val="tx1"/>
+                </a:solidFill>
+                <a:latin typeface="+mj-lt"/>
+                <a:ea typeface="+mj-ea"/>
+                <a:cs typeface="+mj-cs"/>
+              </a:defRPr>
+            </a:lvl1pPr>
+          </a:lstStyle>
+          <a:p>
+            <a:pPr algn="ctr"/>
+            <a:r>
+              <a:rPr lang="en-US" sz="8000" b="1" dirty="0"/>
+              <a:t>Behavioral Design Patterns</a:t>
+            </a:r>
+            <a:endParaRPr lang="en-IN" sz="8000" b="1" dirty="0"/>
+          </a:p>
+        </p:txBody>
+      </p:sp>
+    </p:spTree>
+    <p:extLst>
+      <p:ext uri="{BB962C8B-B14F-4D97-AF65-F5344CB8AC3E}">
+        <p14:creationId xmlns:p14="http://schemas.microsoft.com/office/powerpoint/2010/main" val="3668497583"/>
+      </p:ext>
+    </p:extLst>
+  </p:cSld>
+  <p:clrMapOvr>
+    <a:masterClrMapping/>
+  </p:clrMapOvr>
+</p:sld>
+</file>
+
+<file path=ppt/slides/slide17.xml><?xml version="1.0" encoding="utf-8"?>
+<p:sld xmlns:a="http://schemas.openxmlformats.org/drawingml/2006/main" xmlns:r="http://schemas.openxmlformats.org/officeDocument/2006/relationships" xmlns:p="http://schemas.openxmlformats.org/presentationml/2006/main">
+  <p:cSld>
+    <p:spTree>
+      <p:nvGrpSpPr>
+        <p:cNvPr id="1" name=""/>
+        <p:cNvGrpSpPr/>
+        <p:nvPr/>
+      </p:nvGrpSpPr>
+      <p:grpSpPr>
+        <a:xfrm>
+          <a:off x="0" y="0"/>
+          <a:ext cx="0" cy="0"/>
+          <a:chOff x="0" y="0"/>
+          <a:chExt cx="0" cy="0"/>
+        </a:xfrm>
+      </p:grpSpPr>
+      <p:sp>
+        <p:nvSpPr>
+          <p:cNvPr id="2" name="Title 1">
+            <a:extLst>
+              <a:ext uri="{FF2B5EF4-FFF2-40B4-BE49-F238E27FC236}">
+                <a16:creationId xmlns:a16="http://schemas.microsoft.com/office/drawing/2014/main" id="{B9B7DB80-A829-2C7A-3D7B-37097E64F335}"/>
+              </a:ext>
+            </a:extLst>
+          </p:cNvPr>
+          <p:cNvSpPr txBox="1">
+            <a:spLocks/>
+          </p:cNvSpPr>
+          <p:nvPr/>
+        </p:nvSpPr>
+        <p:spPr>
+          <a:xfrm>
+            <a:off x="496957" y="417445"/>
+            <a:ext cx="10515600" cy="1325563"/>
+          </a:xfrm>
+          <a:prstGeom prst="rect">
+            <a:avLst/>
+          </a:prstGeom>
+        </p:spPr>
+        <p:txBody>
+          <a:bodyPr/>
+          <a:lstStyle>
+            <a:lvl1pPr algn="l" defTabSz="914400" rtl="0" eaLnBrk="1" latinLnBrk="0" hangingPunct="1">
+              <a:lnSpc>
+                <a:spcPct val="90000"/>
+              </a:lnSpc>
+              <a:spcBef>
+                <a:spcPct val="0"/>
+              </a:spcBef>
+              <a:buNone/>
+              <a:defRPr sz="4400" kern="1200">
+                <a:solidFill>
+                  <a:schemeClr val="tx1"/>
+                </a:solidFill>
+                <a:latin typeface="+mj-lt"/>
+                <a:ea typeface="+mj-ea"/>
+                <a:cs typeface="+mj-cs"/>
+              </a:defRPr>
+            </a:lvl1pPr>
+          </a:lstStyle>
+          <a:p>
+            <a:r>
+              <a:rPr lang="en-US" b="1" u="sng"/>
+              <a:t>Chain Of </a:t>
+            </a:r>
+            <a:r>
+              <a:rPr lang="en-US" b="1" u="sng" dirty="0"/>
+              <a:t>Responsibility Design Pattern</a:t>
+            </a:r>
+            <a:endParaRPr lang="en-IN" b="1" u="sng" dirty="0"/>
+          </a:p>
+        </p:txBody>
+      </p:sp>
+      <p:sp>
+        <p:nvSpPr>
+          <p:cNvPr id="3" name="Content Placeholder 2">
+            <a:extLst>
+              <a:ext uri="{FF2B5EF4-FFF2-40B4-BE49-F238E27FC236}">
+                <a16:creationId xmlns:a16="http://schemas.microsoft.com/office/drawing/2014/main" id="{60CC4065-14B9-D932-5254-9E5105ED5ED8}"/>
+              </a:ext>
+            </a:extLst>
+          </p:cNvPr>
+          <p:cNvSpPr txBox="1">
+            <a:spLocks/>
+          </p:cNvSpPr>
+          <p:nvPr/>
+        </p:nvSpPr>
+        <p:spPr>
+          <a:xfrm>
+            <a:off x="496957" y="1073427"/>
+            <a:ext cx="11280913" cy="5367128"/>
+          </a:xfrm>
+          <a:prstGeom prst="rect">
+            <a:avLst/>
+          </a:prstGeom>
+        </p:spPr>
+        <p:txBody>
+          <a:bodyPr>
+            <a:normAutofit fontScale="92500" lnSpcReduction="20000"/>
+          </a:bodyPr>
+          <a:lstStyle>
+            <a:lvl1pPr marL="228600" indent="-228600" algn="l" defTabSz="914400" rtl="0" eaLnBrk="1" latinLnBrk="0" hangingPunct="1">
+              <a:lnSpc>
+                <a:spcPct val="90000"/>
+              </a:lnSpc>
+              <a:spcBef>
+                <a:spcPts val="1000"/>
+              </a:spcBef>
+              <a:buFont typeface="Arial" panose="020B0604020202020204" pitchFamily="34" charset="0"/>
+              <a:buChar char="•"/>
+              <a:defRPr sz="2800" kern="1200">
+                <a:solidFill>
+                  <a:schemeClr val="tx1"/>
+                </a:solidFill>
+                <a:latin typeface="+mn-lt"/>
+                <a:ea typeface="+mn-ea"/>
+                <a:cs typeface="+mn-cs"/>
+              </a:defRPr>
+            </a:lvl1pPr>
+            <a:lvl2pPr marL="685800" indent="-228600" algn="l" defTabSz="914400" rtl="0" eaLnBrk="1" latinLnBrk="0" hangingPunct="1">
+              <a:lnSpc>
+                <a:spcPct val="90000"/>
+              </a:lnSpc>
+              <a:spcBef>
+                <a:spcPts val="500"/>
+              </a:spcBef>
+              <a:buFont typeface="Arial" panose="020B0604020202020204" pitchFamily="34" charset="0"/>
+              <a:buChar char="•"/>
+              <a:defRPr sz="2400" kern="1200">
+                <a:solidFill>
+                  <a:schemeClr val="tx1"/>
+                </a:solidFill>
+                <a:latin typeface="+mn-lt"/>
+                <a:ea typeface="+mn-ea"/>
+                <a:cs typeface="+mn-cs"/>
+              </a:defRPr>
+            </a:lvl2pPr>
+            <a:lvl3pPr marL="1143000" indent="-228600" algn="l" defTabSz="914400" rtl="0" eaLnBrk="1" latinLnBrk="0" hangingPunct="1">
+              <a:lnSpc>
+                <a:spcPct val="90000"/>
+              </a:lnSpc>
+              <a:spcBef>
+                <a:spcPts val="500"/>
+              </a:spcBef>
+              <a:buFont typeface="Arial" panose="020B0604020202020204" pitchFamily="34" charset="0"/>
+              <a:buChar char="•"/>
+              <a:defRPr sz="2000" kern="1200">
+                <a:solidFill>
+                  <a:schemeClr val="tx1"/>
+                </a:solidFill>
+                <a:latin typeface="+mn-lt"/>
+                <a:ea typeface="+mn-ea"/>
+                <a:cs typeface="+mn-cs"/>
+              </a:defRPr>
+            </a:lvl3pPr>
+            <a:lvl4pPr marL="1600200" indent="-228600" algn="l" defTabSz="914400" rtl="0" eaLnBrk="1" latinLnBrk="0" hangingPunct="1">
+              <a:lnSpc>
+                <a:spcPct val="90000"/>
+              </a:lnSpc>
+              <a:spcBef>
+                <a:spcPts val="500"/>
+              </a:spcBef>
+              <a:buFont typeface="Arial" panose="020B0604020202020204" pitchFamily="34" charset="0"/>
+              <a:buChar char="•"/>
+              <a:defRPr sz="1800" kern="1200">
+                <a:solidFill>
+                  <a:schemeClr val="tx1"/>
+                </a:solidFill>
+                <a:latin typeface="+mn-lt"/>
+                <a:ea typeface="+mn-ea"/>
+                <a:cs typeface="+mn-cs"/>
+              </a:defRPr>
+            </a:lvl4pPr>
+            <a:lvl5pPr marL="2057400" indent="-228600" algn="l" defTabSz="914400" rtl="0" eaLnBrk="1" latinLnBrk="0" hangingPunct="1">
+              <a:lnSpc>
+                <a:spcPct val="90000"/>
+              </a:lnSpc>
+              <a:spcBef>
+                <a:spcPts val="500"/>
+              </a:spcBef>
+              <a:buFont typeface="Arial" panose="020B0604020202020204" pitchFamily="34" charset="0"/>
+              <a:buChar char="•"/>
+              <a:defRPr sz="1800" kern="1200">
+                <a:solidFill>
+                  <a:schemeClr val="tx1"/>
+                </a:solidFill>
+                <a:latin typeface="+mn-lt"/>
+                <a:ea typeface="+mn-ea"/>
+                <a:cs typeface="+mn-cs"/>
+              </a:defRPr>
+            </a:lvl5pPr>
+            <a:lvl6pPr marL="2514600" indent="-228600" algn="l" defTabSz="914400" rtl="0" eaLnBrk="1" latinLnBrk="0" hangingPunct="1">
+              <a:lnSpc>
+                <a:spcPct val="90000"/>
+              </a:lnSpc>
+              <a:spcBef>
+                <a:spcPts val="500"/>
+              </a:spcBef>
+              <a:buFont typeface="Arial" panose="020B0604020202020204" pitchFamily="34" charset="0"/>
+              <a:buChar char="•"/>
+              <a:defRPr sz="1800" kern="1200">
+                <a:solidFill>
+                  <a:schemeClr val="tx1"/>
+                </a:solidFill>
+                <a:latin typeface="+mn-lt"/>
+                <a:ea typeface="+mn-ea"/>
+                <a:cs typeface="+mn-cs"/>
+              </a:defRPr>
+            </a:lvl6pPr>
+            <a:lvl7pPr marL="2971800" indent="-228600" algn="l" defTabSz="914400" rtl="0" eaLnBrk="1" latinLnBrk="0" hangingPunct="1">
+              <a:lnSpc>
+                <a:spcPct val="90000"/>
+              </a:lnSpc>
+              <a:spcBef>
+                <a:spcPts val="500"/>
+              </a:spcBef>
+              <a:buFont typeface="Arial" panose="020B0604020202020204" pitchFamily="34" charset="0"/>
+              <a:buChar char="•"/>
+              <a:defRPr sz="1800" kern="1200">
+                <a:solidFill>
+                  <a:schemeClr val="tx1"/>
+                </a:solidFill>
+                <a:latin typeface="+mn-lt"/>
+                <a:ea typeface="+mn-ea"/>
+                <a:cs typeface="+mn-cs"/>
+              </a:defRPr>
+            </a:lvl7pPr>
+            <a:lvl8pPr marL="3429000" indent="-228600" algn="l" defTabSz="914400" rtl="0" eaLnBrk="1" latinLnBrk="0" hangingPunct="1">
+              <a:lnSpc>
+                <a:spcPct val="90000"/>
+              </a:lnSpc>
+              <a:spcBef>
+                <a:spcPts val="500"/>
+              </a:spcBef>
+              <a:buFont typeface="Arial" panose="020B0604020202020204" pitchFamily="34" charset="0"/>
+              <a:buChar char="•"/>
+              <a:defRPr sz="1800" kern="1200">
+                <a:solidFill>
+                  <a:schemeClr val="tx1"/>
+                </a:solidFill>
+                <a:latin typeface="+mn-lt"/>
+                <a:ea typeface="+mn-ea"/>
+                <a:cs typeface="+mn-cs"/>
+              </a:defRPr>
+            </a:lvl8pPr>
+            <a:lvl9pPr marL="3886200" indent="-228600" algn="l" defTabSz="914400" rtl="0" eaLnBrk="1" latinLnBrk="0" hangingPunct="1">
+              <a:lnSpc>
+                <a:spcPct val="90000"/>
+              </a:lnSpc>
+              <a:spcBef>
+                <a:spcPts val="500"/>
+              </a:spcBef>
+              <a:buFont typeface="Arial" panose="020B0604020202020204" pitchFamily="34" charset="0"/>
+              <a:buChar char="•"/>
+              <a:defRPr sz="1800" kern="1200">
+                <a:solidFill>
+                  <a:schemeClr val="tx1"/>
+                </a:solidFill>
+                <a:latin typeface="+mn-lt"/>
+                <a:ea typeface="+mn-ea"/>
+                <a:cs typeface="+mn-cs"/>
+              </a:defRPr>
+            </a:lvl9pPr>
+          </a:lstStyle>
+          <a:p>
+            <a:endParaRPr lang="en-US" sz="1600" b="0" i="0" dirty="0">
+              <a:solidFill>
+                <a:srgbClr val="333333"/>
+              </a:solidFill>
+              <a:effectLst/>
+              <a:latin typeface="inter-regular"/>
+            </a:endParaRPr>
+          </a:p>
+          <a:p>
+            <a:r>
+              <a:rPr lang="en-US" sz="2200" dirty="0">
+                <a:solidFill>
+                  <a:srgbClr val="333333"/>
+                </a:solidFill>
+                <a:latin typeface="inter-regular"/>
+              </a:rPr>
+              <a:t>It says </a:t>
+            </a:r>
+            <a:r>
+              <a:rPr lang="en-US" sz="2200" b="0" i="0" dirty="0">
+                <a:solidFill>
+                  <a:srgbClr val="333333"/>
+                </a:solidFill>
+                <a:effectLst/>
+                <a:latin typeface="inter-regular"/>
+              </a:rPr>
+              <a:t>that just </a:t>
+            </a:r>
+            <a:r>
+              <a:rPr lang="en-US" sz="2200" b="1" i="0" dirty="0">
+                <a:solidFill>
+                  <a:srgbClr val="333333"/>
+                </a:solidFill>
+                <a:effectLst/>
+                <a:latin typeface="inter-bold"/>
+              </a:rPr>
+              <a:t> "</a:t>
+            </a:r>
+            <a:r>
+              <a:rPr lang="en-US" sz="2200" b="1" dirty="0">
+                <a:solidFill>
+                  <a:srgbClr val="333333"/>
+                </a:solidFill>
+                <a:latin typeface="inter-bold"/>
+              </a:rPr>
+              <a:t>a</a:t>
+            </a:r>
+            <a:r>
+              <a:rPr lang="en-US" sz="2200" b="1" i="0" dirty="0">
+                <a:solidFill>
+                  <a:srgbClr val="333333"/>
+                </a:solidFill>
+                <a:effectLst/>
+                <a:latin typeface="inter-bold"/>
+              </a:rPr>
+              <a:t>void coupling the sender of a request to its receiver by giving multiple objects a chance to handle the request".</a:t>
+            </a:r>
+            <a:r>
+              <a:rPr lang="en-US" sz="2200" b="0" i="0" dirty="0">
+                <a:solidFill>
+                  <a:srgbClr val="333333"/>
+                </a:solidFill>
+                <a:effectLst/>
+                <a:latin typeface="inter-regular"/>
+              </a:rPr>
+              <a:t> </a:t>
+            </a:r>
+          </a:p>
+          <a:p>
+            <a:pPr marL="0" indent="0">
+              <a:buNone/>
+            </a:pPr>
+            <a:r>
+              <a:rPr lang="en-US" sz="2200" b="1" u="sng" dirty="0">
+                <a:solidFill>
+                  <a:srgbClr val="333333"/>
+                </a:solidFill>
+                <a:latin typeface="inter-regular"/>
+              </a:rPr>
+              <a:t>Advantages</a:t>
+            </a:r>
+            <a:r>
+              <a:rPr lang="en-US" sz="2200" b="1" dirty="0">
+                <a:solidFill>
+                  <a:srgbClr val="333333"/>
+                </a:solidFill>
+                <a:latin typeface="inter-regular"/>
+              </a:rPr>
+              <a:t>:-</a:t>
+            </a:r>
+          </a:p>
+          <a:p>
+            <a:pPr algn="just">
+              <a:buFont typeface="Arial" panose="020B0604020202020204" pitchFamily="34" charset="0"/>
+              <a:buChar char="•"/>
+            </a:pPr>
+            <a:r>
+              <a:rPr lang="en-US" sz="2400" b="0" i="0" dirty="0">
+                <a:solidFill>
+                  <a:srgbClr val="000000"/>
+                </a:solidFill>
+                <a:effectLst/>
+                <a:latin typeface="inter-regular"/>
+              </a:rPr>
+              <a:t>It reduces the coupling.</a:t>
+            </a:r>
+          </a:p>
+          <a:p>
+            <a:pPr algn="just">
+              <a:buFont typeface="Arial" panose="020B0604020202020204" pitchFamily="34" charset="0"/>
+              <a:buChar char="•"/>
+            </a:pPr>
+            <a:r>
+              <a:rPr lang="en-US" sz="2400" b="0" i="0" dirty="0">
+                <a:solidFill>
+                  <a:srgbClr val="000000"/>
+                </a:solidFill>
+                <a:effectLst/>
+                <a:latin typeface="inter-regular"/>
+              </a:rPr>
+              <a:t>It adds flexibility while assigning the responsibilities to objects.</a:t>
+            </a:r>
+          </a:p>
+          <a:p>
+            <a:pPr algn="just">
+              <a:buFont typeface="Arial" panose="020B0604020202020204" pitchFamily="34" charset="0"/>
+              <a:buChar char="•"/>
+            </a:pPr>
+            <a:r>
+              <a:rPr lang="en-US" sz="2400" b="0" i="0" dirty="0">
+                <a:solidFill>
+                  <a:srgbClr val="000000"/>
+                </a:solidFill>
+                <a:effectLst/>
+                <a:latin typeface="inter-regular"/>
+              </a:rPr>
+              <a:t>It allows a set of classes to act as one; events produced in one class can be sent to other handler classes with the help of composition.</a:t>
+            </a:r>
+            <a:endParaRPr lang="en-US" sz="2000" b="0" i="0" dirty="0">
+              <a:solidFill>
+                <a:srgbClr val="000000"/>
+              </a:solidFill>
+              <a:effectLst/>
+              <a:latin typeface="inter-regular"/>
+            </a:endParaRPr>
+          </a:p>
+          <a:p>
+            <a:pPr marL="0" indent="0">
+              <a:buNone/>
+            </a:pPr>
+            <a:br>
+              <a:rPr lang="en-US" sz="1600" dirty="0"/>
+            </a:br>
+            <a:r>
+              <a:rPr lang="en-US" sz="2200" b="1" u="sng" dirty="0">
+                <a:solidFill>
+                  <a:srgbClr val="000000"/>
+                </a:solidFill>
+                <a:latin typeface="inter-regular"/>
+              </a:rPr>
+              <a:t>Usage</a:t>
+            </a:r>
+            <a:r>
+              <a:rPr lang="en-US" sz="2200" b="1" dirty="0">
+                <a:solidFill>
+                  <a:srgbClr val="000000"/>
+                </a:solidFill>
+                <a:latin typeface="inter-regular"/>
+              </a:rPr>
+              <a:t>:-</a:t>
+            </a:r>
+          </a:p>
+          <a:p>
+            <a:pPr algn="just">
+              <a:buFont typeface="Arial" panose="020B0604020202020204" pitchFamily="34" charset="0"/>
+              <a:buChar char="•"/>
+            </a:pPr>
+            <a:r>
+              <a:rPr lang="en-US" sz="2400" b="0" i="0" dirty="0">
+                <a:solidFill>
+                  <a:srgbClr val="000000"/>
+                </a:solidFill>
+                <a:effectLst/>
+                <a:latin typeface="inter-regular"/>
+              </a:rPr>
+              <a:t>When more than one object can handle a request and the handler is unknown.</a:t>
+            </a:r>
+          </a:p>
+          <a:p>
+            <a:pPr algn="just">
+              <a:buFont typeface="Arial" panose="020B0604020202020204" pitchFamily="34" charset="0"/>
+              <a:buChar char="•"/>
+            </a:pPr>
+            <a:r>
+              <a:rPr lang="en-US" sz="2400" b="0" i="0" dirty="0">
+                <a:solidFill>
+                  <a:srgbClr val="000000"/>
+                </a:solidFill>
+                <a:effectLst/>
+                <a:latin typeface="inter-regular"/>
+              </a:rPr>
+              <a:t>When the group of objects that can handle the request must be specified in dynamic way.</a:t>
+            </a:r>
+            <a:br>
+              <a:rPr lang="en-US" sz="2400" dirty="0"/>
+            </a:br>
+            <a:endParaRPr lang="en-US" sz="2400" b="0" i="0" dirty="0">
+              <a:solidFill>
+                <a:srgbClr val="000000"/>
+              </a:solidFill>
+              <a:effectLst/>
+              <a:latin typeface="inter-regular"/>
+            </a:endParaRPr>
+          </a:p>
+          <a:p>
+            <a:pPr marL="0" indent="0" algn="just">
+              <a:buFont typeface="Arial" panose="020B0604020202020204" pitchFamily="34" charset="0"/>
+              <a:buNone/>
+            </a:pPr>
+            <a:r>
+              <a:rPr lang="en-US" sz="2200" b="1" u="sng" dirty="0">
+                <a:solidFill>
+                  <a:schemeClr val="tx1">
+                    <a:lumMod val="95000"/>
+                    <a:lumOff val="5000"/>
+                  </a:schemeClr>
+                </a:solidFill>
+                <a:latin typeface="Google Sans"/>
+              </a:rPr>
+              <a:t>Real-Time Example</a:t>
+            </a:r>
+            <a:r>
+              <a:rPr lang="en-US" sz="2200" dirty="0">
+                <a:solidFill>
+                  <a:schemeClr val="tx1">
+                    <a:lumMod val="95000"/>
+                    <a:lumOff val="5000"/>
+                  </a:schemeClr>
+                </a:solidFill>
+                <a:latin typeface="Google Sans"/>
+              </a:rPr>
+              <a:t>:-</a:t>
+            </a:r>
+          </a:p>
+          <a:p>
+            <a:r>
+              <a:rPr lang="en-US" sz="2400" b="0" i="0" dirty="0">
+                <a:solidFill>
+                  <a:schemeClr val="tx1">
+                    <a:lumMod val="95000"/>
+                    <a:lumOff val="5000"/>
+                  </a:schemeClr>
+                </a:solidFill>
+                <a:effectLst/>
+                <a:latin typeface="Google Sans"/>
+              </a:rPr>
+              <a:t>ATM Dispense machine. The user enters the amount to be dispensed and the machine dispense amount in terms of defined currency bills such as 50$, 20$, 10$ etc. If the user enters an amount that is not multiples of 10, it throws error</a:t>
+            </a:r>
+            <a:endParaRPr lang="en-IN" sz="2400" dirty="0">
+              <a:solidFill>
+                <a:schemeClr val="tx1">
+                  <a:lumMod val="95000"/>
+                  <a:lumOff val="5000"/>
+                </a:schemeClr>
+              </a:solidFill>
+            </a:endParaRPr>
+          </a:p>
+        </p:txBody>
+      </p:sp>
+      <p:sp>
+        <p:nvSpPr>
+          <p:cNvPr id="6" name="Rectangle 3">
+            <a:extLst>
+              <a:ext uri="{FF2B5EF4-FFF2-40B4-BE49-F238E27FC236}">
+                <a16:creationId xmlns:a16="http://schemas.microsoft.com/office/drawing/2014/main" id="{A39B4318-922B-BABB-5EAC-B5C8531C66AF}"/>
+              </a:ext>
+            </a:extLst>
+          </p:cNvPr>
+          <p:cNvSpPr>
+            <a:spLocks noChangeArrowheads="1"/>
+          </p:cNvSpPr>
+          <p:nvPr/>
+        </p:nvSpPr>
+        <p:spPr bwMode="auto">
+          <a:xfrm>
+            <a:off x="0" y="15875"/>
+            <a:ext cx="12192000" cy="0"/>
+          </a:xfrm>
+          <a:prstGeom prst="rect">
+            <a:avLst/>
+          </a:prstGeom>
+          <a:noFill/>
+          <a:ln>
+            <a:noFill/>
+          </a:ln>
+          <a:effectLst/>
+          <a:extLst>
+            <a:ext uri="{909E8E84-426E-40DD-AFC4-6F175D3DCCD1}">
+              <a14:hiddenFill xmlns:a14="http://schemas.microsoft.com/office/drawing/2010/main">
+                <a:solidFill>
+                  <a:schemeClr val="accent1"/>
+                </a:solidFill>
+              </a14:hiddenFill>
+            </a:ext>
+            <a:ext uri="{91240B29-F687-4F45-9708-019B960494DF}">
+              <a14:hiddenLine xmlns:a14="http://schemas.microsoft.com/office/drawing/2010/main" w="9525">
+                <a:solidFill>
+                  <a:schemeClr val="tx1"/>
+                </a:solidFill>
+                <a:miter lim="800000"/>
+                <a:headEnd/>
+                <a:tailEnd/>
+              </a14:hiddenLine>
+            </a:ext>
+            <a:ext uri="{AF507438-7753-43E0-B8FC-AC1667EBCBE1}">
+              <a14:hiddenEffects xmlns:a14="http://schemas.microsoft.com/office/drawing/2010/main">
+                <a:effectLst>
+                  <a:outerShdw dist="35921" dir="2700000" algn="ctr" rotWithShape="0">
+                    <a:schemeClr val="bg2"/>
+                  </a:outerShdw>
+                </a:effectLst>
+              </a14:hiddenEffects>
+            </a:ext>
+          </a:extLst>
+        </p:spPr>
+        <p:txBody>
+          <a:bodyPr vert="horz" wrap="none" lIns="91440" tIns="45720" rIns="91440" bIns="45720" numCol="1" anchor="ctr" anchorCtr="0" compatLnSpc="1">
+            <a:prstTxWarp prst="textNoShape">
+              <a:avLst/>
+            </a:prstTxWarp>
+            <a:spAutoFit/>
+          </a:bodyPr>
+          <a:lstStyle/>
+          <a:p>
+            <a:pPr marL="0" marR="0" lvl="0" indent="0" algn="l" defTabSz="914400" rtl="0" eaLnBrk="0" fontAlgn="base" latinLnBrk="0" hangingPunct="0">
+              <a:lnSpc>
+                <a:spcPct val="100000"/>
+              </a:lnSpc>
+              <a:spcBef>
+                <a:spcPct val="0"/>
+              </a:spcBef>
+              <a:spcAft>
+                <a:spcPct val="0"/>
+              </a:spcAft>
+              <a:buClrTx/>
+              <a:buSzTx/>
+              <a:buFontTx/>
+              <a:buNone/>
+              <a:tabLst/>
+            </a:pPr>
+            <a:br>
+              <a:rPr kumimoji="0" lang="en-US" altLang="en-US" sz="800" b="0" i="0" u="none" strike="noStrike" cap="none" normalizeH="0" baseline="0">
+                <a:ln>
+                  <a:noFill/>
+                </a:ln>
+                <a:solidFill>
+                  <a:schemeClr val="tx1"/>
+                </a:solidFill>
+                <a:effectLst/>
+              </a:rPr>
+            </a:br>
+            <a:endParaRPr kumimoji="0" lang="en-US" altLang="en-US" sz="1800" b="0" i="0" u="none" strike="noStrike" cap="none" normalizeH="0" baseline="0">
+              <a:ln>
+                <a:noFill/>
+              </a:ln>
+              <a:solidFill>
+                <a:schemeClr val="tx1"/>
+              </a:solidFill>
+              <a:effectLst/>
+              <a:latin typeface="Arial" panose="020B0604020202020204" pitchFamily="34" charset="0"/>
+            </a:endParaRPr>
+          </a:p>
+        </p:txBody>
+      </p:sp>
+      <p:sp>
+        <p:nvSpPr>
+          <p:cNvPr id="9" name="Rectangle 6">
+            <a:extLst>
+              <a:ext uri="{FF2B5EF4-FFF2-40B4-BE49-F238E27FC236}">
+                <a16:creationId xmlns:a16="http://schemas.microsoft.com/office/drawing/2014/main" id="{F13E9F8C-BA68-9D5C-71B8-274D01B0F576}"/>
+              </a:ext>
+            </a:extLst>
+          </p:cNvPr>
+          <p:cNvSpPr>
+            <a:spLocks noChangeArrowheads="1"/>
+          </p:cNvSpPr>
+          <p:nvPr/>
+        </p:nvSpPr>
+        <p:spPr bwMode="auto">
+          <a:xfrm>
+            <a:off x="152400" y="168275"/>
+            <a:ext cx="12192000" cy="0"/>
+          </a:xfrm>
+          <a:prstGeom prst="rect">
+            <a:avLst/>
+          </a:prstGeom>
+          <a:noFill/>
+          <a:ln>
+            <a:noFill/>
+          </a:ln>
+          <a:effectLst/>
+          <a:extLst>
+            <a:ext uri="{909E8E84-426E-40DD-AFC4-6F175D3DCCD1}">
+              <a14:hiddenFill xmlns:a14="http://schemas.microsoft.com/office/drawing/2010/main">
+                <a:solidFill>
+                  <a:schemeClr val="accent1"/>
+                </a:solidFill>
+              </a14:hiddenFill>
+            </a:ext>
+            <a:ext uri="{91240B29-F687-4F45-9708-019B960494DF}">
+              <a14:hiddenLine xmlns:a14="http://schemas.microsoft.com/office/drawing/2010/main" w="9525">
+                <a:solidFill>
+                  <a:schemeClr val="tx1"/>
+                </a:solidFill>
+                <a:miter lim="800000"/>
+                <a:headEnd/>
+                <a:tailEnd/>
+              </a14:hiddenLine>
+            </a:ext>
+            <a:ext uri="{AF507438-7753-43E0-B8FC-AC1667EBCBE1}">
+              <a14:hiddenEffects xmlns:a14="http://schemas.microsoft.com/office/drawing/2010/main">
+                <a:effectLst>
+                  <a:outerShdw dist="35921" dir="2700000" algn="ctr" rotWithShape="0">
+                    <a:schemeClr val="bg2"/>
+                  </a:outerShdw>
+                </a:effectLst>
+              </a14:hiddenEffects>
+            </a:ext>
+          </a:extLst>
+        </p:spPr>
+        <p:txBody>
+          <a:bodyPr vert="horz" wrap="none" lIns="91440" tIns="45720" rIns="91440" bIns="45720" numCol="1" anchor="ctr" anchorCtr="0" compatLnSpc="1">
+            <a:prstTxWarp prst="textNoShape">
+              <a:avLst/>
+            </a:prstTxWarp>
+            <a:spAutoFit/>
+          </a:bodyPr>
+          <a:lstStyle/>
+          <a:p>
+            <a:pPr marL="0" marR="0" lvl="0" indent="0" algn="l" defTabSz="914400" rtl="0" eaLnBrk="0" fontAlgn="base" latinLnBrk="0" hangingPunct="0">
+              <a:lnSpc>
+                <a:spcPct val="100000"/>
+              </a:lnSpc>
+              <a:spcBef>
+                <a:spcPct val="0"/>
+              </a:spcBef>
+              <a:spcAft>
+                <a:spcPct val="0"/>
+              </a:spcAft>
+              <a:buClrTx/>
+              <a:buSzTx/>
+              <a:buFontTx/>
+              <a:buNone/>
+              <a:tabLst/>
+            </a:pPr>
+            <a:br>
+              <a:rPr kumimoji="0" lang="en-US" altLang="en-US" sz="800" b="0" i="0" u="none" strike="noStrike" cap="none" normalizeH="0" baseline="0">
+                <a:ln>
+                  <a:noFill/>
+                </a:ln>
+                <a:solidFill>
+                  <a:schemeClr val="tx1"/>
+                </a:solidFill>
+                <a:effectLst/>
+              </a:rPr>
+            </a:br>
+            <a:endParaRPr kumimoji="0" lang="en-US" altLang="en-US" sz="1800" b="0" i="0" u="none" strike="noStrike" cap="none" normalizeH="0" baseline="0">
+              <a:ln>
+                <a:noFill/>
+              </a:ln>
+              <a:solidFill>
+                <a:schemeClr val="tx1"/>
+              </a:solidFill>
+              <a:effectLst/>
+              <a:latin typeface="Arial" panose="020B0604020202020204" pitchFamily="34" charset="0"/>
+            </a:endParaRPr>
+          </a:p>
+        </p:txBody>
+      </p:sp>
+    </p:spTree>
+    <p:extLst>
+      <p:ext uri="{BB962C8B-B14F-4D97-AF65-F5344CB8AC3E}">
+        <p14:creationId xmlns:p14="http://schemas.microsoft.com/office/powerpoint/2010/main" val="2002171321"/>
+      </p:ext>
+    </p:extLst>
+  </p:cSld>
+  <p:clrMapOvr>
+    <a:masterClrMapping/>
+  </p:clrMapOvr>
+</p:sld>
+</file>
+
 <file path=ppt/slides/slide2.xml><?xml version="1.0" encoding="utf-8"?>
 <p:sld xmlns:a="http://schemas.openxmlformats.org/drawingml/2006/main" xmlns:r="http://schemas.openxmlformats.org/officeDocument/2006/relationships" xmlns:p="http://schemas.openxmlformats.org/presentationml/2006/main">
   <p:cSld>
@@ -6807,14 +7768,21 @@
         </p:spPr>
         <p:txBody>
           <a:bodyPr>
-            <a:normAutofit/>
+            <a:normAutofit fontScale="90000"/>
           </a:bodyPr>
           <a:lstStyle/>
           <a:p>
             <a:pPr algn="ctr"/>
             <a:r>
               <a:rPr lang="en-US" sz="8000" b="1" dirty="0"/>
-              <a:t>Creational Patterns</a:t>
+              <a:t>Creational Design</a:t>
+            </a:r>
+            <a:br>
+              <a:rPr lang="en-US" sz="8000" b="1" dirty="0"/>
+            </a:br>
+            <a:r>
+              <a:rPr lang="en-US" sz="8000" b="1" dirty="0"/>
+              <a:t> Patterns</a:t>
             </a:r>
             <a:endParaRPr lang="en-IN" sz="8000" b="1" dirty="0"/>
           </a:p>
@@ -8670,7 +9638,12 @@
             <p:ph type="ctrTitle"/>
           </p:nvPr>
         </p:nvSpPr>
-        <p:spPr/>
+        <p:spPr>
+          <a:xfrm>
+            <a:off x="1524000" y="2056642"/>
+            <a:ext cx="9144000" cy="2387600"/>
+          </a:xfrm>
+        </p:spPr>
         <p:txBody>
           <a:bodyPr>
             <a:normAutofit/>
@@ -8679,7 +9652,7 @@
           <a:p>
             <a:r>
               <a:rPr lang="en-US" sz="8000" b="1" dirty="0"/>
-              <a:t>Structural Patterns</a:t>
+              <a:t>Structural Design Patterns</a:t>
             </a:r>
             <a:endParaRPr lang="en-IN" sz="8000" b="1" dirty="0"/>
           </a:p>

--- a/DesignPatterns.pptx
+++ b/DesignPatterns.pptx
@@ -22,6 +22,7 @@
     <p:sldId id="271" r:id="rId16"/>
     <p:sldId id="272" r:id="rId17"/>
     <p:sldId id="273" r:id="rId18"/>
+    <p:sldId id="274" r:id="rId19"/>
   </p:sldIdLst>
   <p:sldSz cx="12192000" cy="6858000"/>
   <p:notesSz cx="6858000" cy="9144000"/>
@@ -131,7 +132,7 @@
 <file path=ppt/revisionInfo.xml><?xml version="1.0" encoding="utf-8"?>
 <p1510:revInfo xmlns:a="http://schemas.openxmlformats.org/drawingml/2006/main" xmlns:r="http://schemas.openxmlformats.org/officeDocument/2006/relationships" xmlns:p1510="http://schemas.microsoft.com/office/powerpoint/2015/10/main">
   <p1510:revLst>
-    <p1510:client id="{2B8E2204-9F68-4922-875F-CECA66539EED}" v="11" dt="2023-09-11T07:16:55.642"/>
+    <p1510:client id="{2B8E2204-9F68-4922-875F-CECA66539EED}" v="15" dt="2023-09-11T10:17:35.130"/>
   </p1510:revLst>
 </p1510:revInfo>
 </file>
@@ -460,7 +461,7 @@
   <pc:docChgLst>
     <pc:chgData name="Manaswini Ray" userId="451f23f8-43b4-4daa-9511-0c9fb98bad1c" providerId="ADAL" clId="{2B8E2204-9F68-4922-875F-CECA66539EED}"/>
     <pc:docChg chg="undo custSel addSld delSld modSld sldOrd">
-      <pc:chgData name="Manaswini Ray" userId="451f23f8-43b4-4daa-9511-0c9fb98bad1c" providerId="ADAL" clId="{2B8E2204-9F68-4922-875F-CECA66539EED}" dt="2023-09-11T07:18:10.181" v="143" actId="20577"/>
+      <pc:chgData name="Manaswini Ray" userId="451f23f8-43b4-4daa-9511-0c9fb98bad1c" providerId="ADAL" clId="{2B8E2204-9F68-4922-875F-CECA66539EED}" dt="2023-09-11T10:21:17.822" v="343" actId="255"/>
       <pc:docMkLst>
         <pc:docMk/>
       </pc:docMkLst>
@@ -562,7 +563,7 @@
         </pc:spChg>
       </pc:sldChg>
       <pc:sldChg chg="addSp delSp modSp new mod">
-        <pc:chgData name="Manaswini Ray" userId="451f23f8-43b4-4daa-9511-0c9fb98bad1c" providerId="ADAL" clId="{2B8E2204-9F68-4922-875F-CECA66539EED}" dt="2023-09-11T07:18:10.181" v="143" actId="20577"/>
+        <pc:chgData name="Manaswini Ray" userId="451f23f8-43b4-4daa-9511-0c9fb98bad1c" providerId="ADAL" clId="{2B8E2204-9F68-4922-875F-CECA66539EED}" dt="2023-09-11T10:17:23.906" v="147" actId="478"/>
         <pc:sldMkLst>
           <pc:docMk/>
           <pc:sldMk cId="2002171321" sldId="273"/>
@@ -623,12 +624,35 @@
             <ac:spMk id="8" creationId="{E36FAC23-D595-4232-EF69-5CFF50907EDE}"/>
           </ac:spMkLst>
         </pc:spChg>
-        <pc:spChg chg="add mod">
-          <ac:chgData name="Manaswini Ray" userId="451f23f8-43b4-4daa-9511-0c9fb98bad1c" providerId="ADAL" clId="{2B8E2204-9F68-4922-875F-CECA66539EED}" dt="2023-09-11T07:16:01.746" v="119"/>
+        <pc:spChg chg="add del mod">
+          <ac:chgData name="Manaswini Ray" userId="451f23f8-43b4-4daa-9511-0c9fb98bad1c" providerId="ADAL" clId="{2B8E2204-9F68-4922-875F-CECA66539EED}" dt="2023-09-11T10:17:23.906" v="147" actId="478"/>
           <ac:spMkLst>
             <pc:docMk/>
             <pc:sldMk cId="2002171321" sldId="273"/>
             <ac:spMk id="9" creationId="{F13E9F8C-BA68-9D5C-71B8-274D01B0F576}"/>
+          </ac:spMkLst>
+        </pc:spChg>
+      </pc:sldChg>
+      <pc:sldChg chg="addSp modSp new mod">
+        <pc:chgData name="Manaswini Ray" userId="451f23f8-43b4-4daa-9511-0c9fb98bad1c" providerId="ADAL" clId="{2B8E2204-9F68-4922-875F-CECA66539EED}" dt="2023-09-11T10:21:17.822" v="343" actId="255"/>
+        <pc:sldMkLst>
+          <pc:docMk/>
+          <pc:sldMk cId="513856149" sldId="274"/>
+        </pc:sldMkLst>
+        <pc:spChg chg="add mod">
+          <ac:chgData name="Manaswini Ray" userId="451f23f8-43b4-4daa-9511-0c9fb98bad1c" providerId="ADAL" clId="{2B8E2204-9F68-4922-875F-CECA66539EED}" dt="2023-09-11T10:17:41.588" v="160" actId="20577"/>
+          <ac:spMkLst>
+            <pc:docMk/>
+            <pc:sldMk cId="513856149" sldId="274"/>
+            <ac:spMk id="2" creationId="{194B9969-F769-E48D-4C9C-9AD5761CDDBB}"/>
+          </ac:spMkLst>
+        </pc:spChg>
+        <pc:spChg chg="add mod">
+          <ac:chgData name="Manaswini Ray" userId="451f23f8-43b4-4daa-9511-0c9fb98bad1c" providerId="ADAL" clId="{2B8E2204-9F68-4922-875F-CECA66539EED}" dt="2023-09-11T10:21:17.822" v="343" actId="255"/>
+          <ac:spMkLst>
+            <pc:docMk/>
+            <pc:sldMk cId="513856149" sldId="274"/>
+            <ac:spMk id="3" creationId="{B767E31B-1284-E7F2-9B31-9C1573F329BF}"/>
           </ac:spMkLst>
         </pc:spChg>
       </pc:sldChg>
@@ -7609,107 +7633,484 @@
           </a:p>
         </p:txBody>
       </p:sp>
+    </p:spTree>
+    <p:extLst>
+      <p:ext uri="{BB962C8B-B14F-4D97-AF65-F5344CB8AC3E}">
+        <p14:creationId xmlns:p14="http://schemas.microsoft.com/office/powerpoint/2010/main" val="2002171321"/>
+      </p:ext>
+    </p:extLst>
+  </p:cSld>
+  <p:clrMapOvr>
+    <a:masterClrMapping/>
+  </p:clrMapOvr>
+</p:sld>
+</file>
+
+<file path=ppt/slides/slide18.xml><?xml version="1.0" encoding="utf-8"?>
+<p:sld xmlns:a="http://schemas.openxmlformats.org/drawingml/2006/main" xmlns:r="http://schemas.openxmlformats.org/officeDocument/2006/relationships" xmlns:p="http://schemas.openxmlformats.org/presentationml/2006/main">
+  <p:cSld>
+    <p:spTree>
+      <p:nvGrpSpPr>
+        <p:cNvPr id="1" name=""/>
+        <p:cNvGrpSpPr/>
+        <p:nvPr/>
+      </p:nvGrpSpPr>
+      <p:grpSpPr>
+        <a:xfrm>
+          <a:off x="0" y="0"/>
+          <a:ext cx="0" cy="0"/>
+          <a:chOff x="0" y="0"/>
+          <a:chExt cx="0" cy="0"/>
+        </a:xfrm>
+      </p:grpSpPr>
       <p:sp>
         <p:nvSpPr>
-          <p:cNvPr id="9" name="Rectangle 6">
+          <p:cNvPr id="2" name="Title 1">
             <a:extLst>
               <a:ext uri="{FF2B5EF4-FFF2-40B4-BE49-F238E27FC236}">
-                <a16:creationId xmlns:a16="http://schemas.microsoft.com/office/drawing/2014/main" id="{F13E9F8C-BA68-9D5C-71B8-274D01B0F576}"/>
+                <a16:creationId xmlns:a16="http://schemas.microsoft.com/office/drawing/2014/main" id="{194B9969-F769-E48D-4C9C-9AD5761CDDBB}"/>
               </a:ext>
             </a:extLst>
           </p:cNvPr>
-          <p:cNvSpPr>
-            <a:spLocks noChangeArrowheads="1"/>
+          <p:cNvSpPr txBox="1">
+            <a:spLocks/>
           </p:cNvSpPr>
           <p:nvPr/>
         </p:nvSpPr>
-        <p:spPr bwMode="auto">
+        <p:spPr>
           <a:xfrm>
-            <a:off x="152400" y="168275"/>
-            <a:ext cx="12192000" cy="0"/>
+            <a:off x="496957" y="417445"/>
+            <a:ext cx="10515600" cy="1325563"/>
           </a:xfrm>
           <a:prstGeom prst="rect">
             <a:avLst/>
           </a:prstGeom>
-          <a:noFill/>
-          <a:ln>
-            <a:noFill/>
-          </a:ln>
-          <a:effectLst/>
-          <a:extLst>
-            <a:ext uri="{909E8E84-426E-40DD-AFC4-6F175D3DCCD1}">
-              <a14:hiddenFill xmlns:a14="http://schemas.microsoft.com/office/drawing/2010/main">
-                <a:solidFill>
-                  <a:schemeClr val="accent1"/>
-                </a:solidFill>
-              </a14:hiddenFill>
-            </a:ext>
-            <a:ext uri="{91240B29-F687-4F45-9708-019B960494DF}">
-              <a14:hiddenLine xmlns:a14="http://schemas.microsoft.com/office/drawing/2010/main" w="9525">
-                <a:solidFill>
-                  <a:schemeClr val="tx1"/>
-                </a:solidFill>
-                <a:miter lim="800000"/>
-                <a:headEnd/>
-                <a:tailEnd/>
-              </a14:hiddenLine>
-            </a:ext>
-            <a:ext uri="{AF507438-7753-43E0-B8FC-AC1667EBCBE1}">
-              <a14:hiddenEffects xmlns:a14="http://schemas.microsoft.com/office/drawing/2010/main">
-                <a:effectLst>
-                  <a:outerShdw dist="35921" dir="2700000" algn="ctr" rotWithShape="0">
-                    <a:schemeClr val="bg2"/>
-                  </a:outerShdw>
-                </a:effectLst>
-              </a14:hiddenEffects>
-            </a:ext>
-          </a:extLst>
         </p:spPr>
         <p:txBody>
-          <a:bodyPr vert="horz" wrap="none" lIns="91440" tIns="45720" rIns="91440" bIns="45720" numCol="1" anchor="ctr" anchorCtr="0" compatLnSpc="1">
-            <a:prstTxWarp prst="textNoShape">
-              <a:avLst/>
-            </a:prstTxWarp>
-            <a:spAutoFit/>
-          </a:bodyPr>
-          <a:lstStyle/>
-          <a:p>
-            <a:pPr marL="0" marR="0" lvl="0" indent="0" algn="l" defTabSz="914400" rtl="0" eaLnBrk="0" fontAlgn="base" latinLnBrk="0" hangingPunct="0">
+          <a:bodyPr/>
+          <a:lstStyle>
+            <a:lvl1pPr algn="l" defTabSz="914400" rtl="0" eaLnBrk="1" latinLnBrk="0" hangingPunct="1">
               <a:lnSpc>
-                <a:spcPct val="100000"/>
+                <a:spcPct val="90000"/>
               </a:lnSpc>
               <a:spcBef>
                 <a:spcPct val="0"/>
               </a:spcBef>
-              <a:spcAft>
-                <a:spcPct val="0"/>
-              </a:spcAft>
-              <a:buClrTx/>
-              <a:buSzTx/>
-              <a:buFontTx/>
-              <a:buNone/>
-              <a:tabLst/>
+              <a:buNone/>
+              <a:defRPr sz="4400" kern="1200">
+                <a:solidFill>
+                  <a:schemeClr val="tx1"/>
+                </a:solidFill>
+                <a:latin typeface="+mj-lt"/>
+                <a:ea typeface="+mj-ea"/>
+                <a:cs typeface="+mj-cs"/>
+              </a:defRPr>
+            </a:lvl1pPr>
+          </a:lstStyle>
+          <a:p>
+            <a:r>
+              <a:rPr lang="en-US" b="1" u="sng" dirty="0"/>
+              <a:t>State Design Pattern</a:t>
+            </a:r>
+            <a:endParaRPr lang="en-IN" b="1" u="sng" dirty="0"/>
+          </a:p>
+        </p:txBody>
+      </p:sp>
+      <p:sp>
+        <p:nvSpPr>
+          <p:cNvPr id="3" name="Content Placeholder 2">
+            <a:extLst>
+              <a:ext uri="{FF2B5EF4-FFF2-40B4-BE49-F238E27FC236}">
+                <a16:creationId xmlns:a16="http://schemas.microsoft.com/office/drawing/2014/main" id="{B767E31B-1284-E7F2-9B31-9C1573F329BF}"/>
+              </a:ext>
+            </a:extLst>
+          </p:cNvPr>
+          <p:cNvSpPr txBox="1">
+            <a:spLocks/>
+          </p:cNvSpPr>
+          <p:nvPr/>
+        </p:nvSpPr>
+        <p:spPr>
+          <a:xfrm>
+            <a:off x="455543" y="1073427"/>
+            <a:ext cx="11280913" cy="5367128"/>
+          </a:xfrm>
+          <a:prstGeom prst="rect">
+            <a:avLst/>
+          </a:prstGeom>
+        </p:spPr>
+        <p:txBody>
+          <a:bodyPr>
+            <a:normAutofit lnSpcReduction="10000"/>
+          </a:bodyPr>
+          <a:lstStyle>
+            <a:lvl1pPr marL="228600" indent="-228600" algn="l" defTabSz="914400" rtl="0" eaLnBrk="1" latinLnBrk="0" hangingPunct="1">
+              <a:lnSpc>
+                <a:spcPct val="90000"/>
+              </a:lnSpc>
+              <a:spcBef>
+                <a:spcPts val="1000"/>
+              </a:spcBef>
+              <a:buFont typeface="Arial" panose="020B0604020202020204" pitchFamily="34" charset="0"/>
+              <a:buChar char="•"/>
+              <a:defRPr sz="2800" kern="1200">
+                <a:solidFill>
+                  <a:schemeClr val="tx1"/>
+                </a:solidFill>
+                <a:latin typeface="+mn-lt"/>
+                <a:ea typeface="+mn-ea"/>
+                <a:cs typeface="+mn-cs"/>
+              </a:defRPr>
+            </a:lvl1pPr>
+            <a:lvl2pPr marL="685800" indent="-228600" algn="l" defTabSz="914400" rtl="0" eaLnBrk="1" latinLnBrk="0" hangingPunct="1">
+              <a:lnSpc>
+                <a:spcPct val="90000"/>
+              </a:lnSpc>
+              <a:spcBef>
+                <a:spcPts val="500"/>
+              </a:spcBef>
+              <a:buFont typeface="Arial" panose="020B0604020202020204" pitchFamily="34" charset="0"/>
+              <a:buChar char="•"/>
+              <a:defRPr sz="2400" kern="1200">
+                <a:solidFill>
+                  <a:schemeClr val="tx1"/>
+                </a:solidFill>
+                <a:latin typeface="+mn-lt"/>
+                <a:ea typeface="+mn-ea"/>
+                <a:cs typeface="+mn-cs"/>
+              </a:defRPr>
+            </a:lvl2pPr>
+            <a:lvl3pPr marL="1143000" indent="-228600" algn="l" defTabSz="914400" rtl="0" eaLnBrk="1" latinLnBrk="0" hangingPunct="1">
+              <a:lnSpc>
+                <a:spcPct val="90000"/>
+              </a:lnSpc>
+              <a:spcBef>
+                <a:spcPts val="500"/>
+              </a:spcBef>
+              <a:buFont typeface="Arial" panose="020B0604020202020204" pitchFamily="34" charset="0"/>
+              <a:buChar char="•"/>
+              <a:defRPr sz="2000" kern="1200">
+                <a:solidFill>
+                  <a:schemeClr val="tx1"/>
+                </a:solidFill>
+                <a:latin typeface="+mn-lt"/>
+                <a:ea typeface="+mn-ea"/>
+                <a:cs typeface="+mn-cs"/>
+              </a:defRPr>
+            </a:lvl3pPr>
+            <a:lvl4pPr marL="1600200" indent="-228600" algn="l" defTabSz="914400" rtl="0" eaLnBrk="1" latinLnBrk="0" hangingPunct="1">
+              <a:lnSpc>
+                <a:spcPct val="90000"/>
+              </a:lnSpc>
+              <a:spcBef>
+                <a:spcPts val="500"/>
+              </a:spcBef>
+              <a:buFont typeface="Arial" panose="020B0604020202020204" pitchFamily="34" charset="0"/>
+              <a:buChar char="•"/>
+              <a:defRPr sz="1800" kern="1200">
+                <a:solidFill>
+                  <a:schemeClr val="tx1"/>
+                </a:solidFill>
+                <a:latin typeface="+mn-lt"/>
+                <a:ea typeface="+mn-ea"/>
+                <a:cs typeface="+mn-cs"/>
+              </a:defRPr>
+            </a:lvl4pPr>
+            <a:lvl5pPr marL="2057400" indent="-228600" algn="l" defTabSz="914400" rtl="0" eaLnBrk="1" latinLnBrk="0" hangingPunct="1">
+              <a:lnSpc>
+                <a:spcPct val="90000"/>
+              </a:lnSpc>
+              <a:spcBef>
+                <a:spcPts val="500"/>
+              </a:spcBef>
+              <a:buFont typeface="Arial" panose="020B0604020202020204" pitchFamily="34" charset="0"/>
+              <a:buChar char="•"/>
+              <a:defRPr sz="1800" kern="1200">
+                <a:solidFill>
+                  <a:schemeClr val="tx1"/>
+                </a:solidFill>
+                <a:latin typeface="+mn-lt"/>
+                <a:ea typeface="+mn-ea"/>
+                <a:cs typeface="+mn-cs"/>
+              </a:defRPr>
+            </a:lvl5pPr>
+            <a:lvl6pPr marL="2514600" indent="-228600" algn="l" defTabSz="914400" rtl="0" eaLnBrk="1" latinLnBrk="0" hangingPunct="1">
+              <a:lnSpc>
+                <a:spcPct val="90000"/>
+              </a:lnSpc>
+              <a:spcBef>
+                <a:spcPts val="500"/>
+              </a:spcBef>
+              <a:buFont typeface="Arial" panose="020B0604020202020204" pitchFamily="34" charset="0"/>
+              <a:buChar char="•"/>
+              <a:defRPr sz="1800" kern="1200">
+                <a:solidFill>
+                  <a:schemeClr val="tx1"/>
+                </a:solidFill>
+                <a:latin typeface="+mn-lt"/>
+                <a:ea typeface="+mn-ea"/>
+                <a:cs typeface="+mn-cs"/>
+              </a:defRPr>
+            </a:lvl6pPr>
+            <a:lvl7pPr marL="2971800" indent="-228600" algn="l" defTabSz="914400" rtl="0" eaLnBrk="1" latinLnBrk="0" hangingPunct="1">
+              <a:lnSpc>
+                <a:spcPct val="90000"/>
+              </a:lnSpc>
+              <a:spcBef>
+                <a:spcPts val="500"/>
+              </a:spcBef>
+              <a:buFont typeface="Arial" panose="020B0604020202020204" pitchFamily="34" charset="0"/>
+              <a:buChar char="•"/>
+              <a:defRPr sz="1800" kern="1200">
+                <a:solidFill>
+                  <a:schemeClr val="tx1"/>
+                </a:solidFill>
+                <a:latin typeface="+mn-lt"/>
+                <a:ea typeface="+mn-ea"/>
+                <a:cs typeface="+mn-cs"/>
+              </a:defRPr>
+            </a:lvl7pPr>
+            <a:lvl8pPr marL="3429000" indent="-228600" algn="l" defTabSz="914400" rtl="0" eaLnBrk="1" latinLnBrk="0" hangingPunct="1">
+              <a:lnSpc>
+                <a:spcPct val="90000"/>
+              </a:lnSpc>
+              <a:spcBef>
+                <a:spcPts val="500"/>
+              </a:spcBef>
+              <a:buFont typeface="Arial" panose="020B0604020202020204" pitchFamily="34" charset="0"/>
+              <a:buChar char="•"/>
+              <a:defRPr sz="1800" kern="1200">
+                <a:solidFill>
+                  <a:schemeClr val="tx1"/>
+                </a:solidFill>
+                <a:latin typeface="+mn-lt"/>
+                <a:ea typeface="+mn-ea"/>
+                <a:cs typeface="+mn-cs"/>
+              </a:defRPr>
+            </a:lvl8pPr>
+            <a:lvl9pPr marL="3886200" indent="-228600" algn="l" defTabSz="914400" rtl="0" eaLnBrk="1" latinLnBrk="0" hangingPunct="1">
+              <a:lnSpc>
+                <a:spcPct val="90000"/>
+              </a:lnSpc>
+              <a:spcBef>
+                <a:spcPts val="500"/>
+              </a:spcBef>
+              <a:buFont typeface="Arial" panose="020B0604020202020204" pitchFamily="34" charset="0"/>
+              <a:buChar char="•"/>
+              <a:defRPr sz="1800" kern="1200">
+                <a:solidFill>
+                  <a:schemeClr val="tx1"/>
+                </a:solidFill>
+                <a:latin typeface="+mn-lt"/>
+                <a:ea typeface="+mn-ea"/>
+                <a:cs typeface="+mn-cs"/>
+              </a:defRPr>
+            </a:lvl9pPr>
+          </a:lstStyle>
+          <a:p>
+            <a:endParaRPr lang="en-US" sz="1600" b="0" i="0" dirty="0">
+              <a:solidFill>
+                <a:srgbClr val="333333"/>
+              </a:solidFill>
+              <a:effectLst/>
+              <a:latin typeface="inter-regular"/>
+            </a:endParaRPr>
+          </a:p>
+          <a:p>
+            <a:r>
+              <a:rPr lang="en-US" sz="2400" dirty="0">
+                <a:solidFill>
+                  <a:srgbClr val="333333"/>
+                </a:solidFill>
+                <a:latin typeface="inter-regular"/>
+              </a:rPr>
+              <a:t>In this</a:t>
+            </a:r>
+            <a:r>
+              <a:rPr lang="en-US" sz="2400" b="1" i="0" dirty="0">
+                <a:solidFill>
+                  <a:srgbClr val="333333"/>
+                </a:solidFill>
+                <a:effectLst/>
+                <a:latin typeface="inter-bold"/>
+              </a:rPr>
+              <a:t> </a:t>
+            </a:r>
+            <a:r>
+              <a:rPr lang="en-US" sz="2400" b="1" i="0" dirty="0">
+                <a:solidFill>
+                  <a:srgbClr val="333333"/>
+                </a:solidFill>
+                <a:effectLst/>
+                <a:latin typeface="inter-regular"/>
+              </a:rPr>
+              <a:t>we create objects which represent various states and a context object whose behavior varies as its state object changes.</a:t>
+            </a:r>
+          </a:p>
+          <a:p>
+            <a:pPr marL="0" indent="0">
+              <a:buNone/>
+            </a:pPr>
+            <a:r>
+              <a:rPr lang="en-US" sz="2200" b="1" u="sng" dirty="0">
+                <a:solidFill>
+                  <a:srgbClr val="333333"/>
+                </a:solidFill>
+                <a:latin typeface="inter-regular"/>
+              </a:rPr>
+              <a:t>Advantages</a:t>
+            </a:r>
+            <a:r>
+              <a:rPr lang="en-US" sz="2200" b="1" dirty="0">
+                <a:solidFill>
+                  <a:srgbClr val="333333"/>
+                </a:solidFill>
+                <a:latin typeface="inter-regular"/>
+              </a:rPr>
+              <a:t>:-</a:t>
+            </a:r>
+          </a:p>
+          <a:p>
+            <a:pPr algn="just">
+              <a:buFont typeface="Arial" panose="020B0604020202020204" pitchFamily="34" charset="0"/>
+              <a:buChar char="•"/>
+            </a:pPr>
+            <a:r>
+              <a:rPr lang="en-US" sz="2400" b="0" i="0" dirty="0">
+                <a:solidFill>
+                  <a:srgbClr val="000000"/>
+                </a:solidFill>
+                <a:effectLst/>
+                <a:latin typeface="inter-regular"/>
+              </a:rPr>
+              <a:t>It keeps the state-specific behavior.</a:t>
+            </a:r>
+          </a:p>
+          <a:p>
+            <a:pPr algn="just">
+              <a:buFont typeface="Arial" panose="020B0604020202020204" pitchFamily="34" charset="0"/>
+              <a:buChar char="•"/>
+            </a:pPr>
+            <a:r>
+              <a:rPr lang="en-US" sz="2400" b="0" i="0" dirty="0">
+                <a:solidFill>
+                  <a:srgbClr val="000000"/>
+                </a:solidFill>
+                <a:effectLst/>
+                <a:latin typeface="inter-regular"/>
+              </a:rPr>
+              <a:t>It makes any state transitions explicit.</a:t>
+            </a:r>
+          </a:p>
+          <a:p>
+            <a:pPr marL="0" indent="0">
+              <a:buNone/>
             </a:pPr>
             <a:br>
-              <a:rPr kumimoji="0" lang="en-US" altLang="en-US" sz="800" b="0" i="0" u="none" strike="noStrike" cap="none" normalizeH="0" baseline="0">
-                <a:ln>
-                  <a:noFill/>
-                </a:ln>
-                <a:solidFill>
-                  <a:schemeClr val="tx1"/>
-                </a:solidFill>
-                <a:effectLst/>
-              </a:rPr>
+              <a:rPr lang="en-US" sz="1600" dirty="0"/>
             </a:br>
-            <a:endParaRPr kumimoji="0" lang="en-US" altLang="en-US" sz="1800" b="0" i="0" u="none" strike="noStrike" cap="none" normalizeH="0" baseline="0">
-              <a:ln>
-                <a:noFill/>
-              </a:ln>
+            <a:r>
+              <a:rPr lang="en-US" sz="2200" b="1" u="sng" dirty="0">
+                <a:solidFill>
+                  <a:srgbClr val="000000"/>
+                </a:solidFill>
+                <a:latin typeface="inter-regular"/>
+              </a:rPr>
+              <a:t>Usage</a:t>
+            </a:r>
+            <a:r>
+              <a:rPr lang="en-US" sz="2200" b="1" dirty="0">
+                <a:solidFill>
+                  <a:srgbClr val="000000"/>
+                </a:solidFill>
+                <a:latin typeface="inter-regular"/>
+              </a:rPr>
+              <a:t>:-</a:t>
+            </a:r>
+          </a:p>
+          <a:p>
+            <a:pPr algn="just">
+              <a:buFont typeface="Arial" panose="020B0604020202020204" pitchFamily="34" charset="0"/>
+              <a:buChar char="•"/>
+            </a:pPr>
+            <a:r>
+              <a:rPr lang="en-US" sz="2400" b="0" i="0" dirty="0">
+                <a:solidFill>
+                  <a:srgbClr val="000000"/>
+                </a:solidFill>
+                <a:effectLst/>
+                <a:latin typeface="inter-regular"/>
+              </a:rPr>
+              <a:t>When the behavior of object depends on its state and it must be able to change its behavior at runtime according to the new state.</a:t>
+            </a:r>
+          </a:p>
+          <a:p>
+            <a:pPr algn="just">
+              <a:buFont typeface="Arial" panose="020B0604020202020204" pitchFamily="34" charset="0"/>
+              <a:buChar char="•"/>
+            </a:pPr>
+            <a:r>
+              <a:rPr lang="en-US" sz="2400" b="0" i="0" dirty="0">
+                <a:solidFill>
+                  <a:srgbClr val="000000"/>
+                </a:solidFill>
+                <a:effectLst/>
+                <a:latin typeface="inter-regular"/>
+              </a:rPr>
+              <a:t>It is used when the operations have large, multipart conditional statements that depend on the state of an object.</a:t>
+            </a:r>
+          </a:p>
+          <a:p>
+            <a:pPr marL="0" indent="0" algn="just">
+              <a:buFont typeface="Arial" panose="020B0604020202020204" pitchFamily="34" charset="0"/>
+              <a:buNone/>
+            </a:pPr>
+            <a:r>
+              <a:rPr lang="en-US" sz="2200" b="1" u="sng" dirty="0">
+                <a:solidFill>
+                  <a:schemeClr val="tx1">
+                    <a:lumMod val="95000"/>
+                    <a:lumOff val="5000"/>
+                  </a:schemeClr>
+                </a:solidFill>
+                <a:latin typeface="Google Sans"/>
+              </a:rPr>
+              <a:t>Real-Time Example</a:t>
+            </a:r>
+            <a:r>
+              <a:rPr lang="en-US" sz="2200" dirty="0">
+                <a:solidFill>
+                  <a:schemeClr val="tx1">
+                    <a:lumMod val="95000"/>
+                    <a:lumOff val="5000"/>
+                  </a:schemeClr>
+                </a:solidFill>
+                <a:latin typeface="Google Sans"/>
+              </a:rPr>
+              <a:t>:-</a:t>
+            </a:r>
+          </a:p>
+          <a:p>
+            <a:r>
+              <a:rPr lang="en-US" sz="2200" b="0" i="0" dirty="0">
+                <a:solidFill>
+                  <a:schemeClr val="tx1">
+                    <a:lumMod val="95000"/>
+                    <a:lumOff val="5000"/>
+                  </a:schemeClr>
+                </a:solidFill>
+                <a:effectLst/>
+                <a:latin typeface="Google Sans"/>
+              </a:rPr>
+              <a:t>Vending Machine, the status can be money inserted, not inserted, money paid, change generated.</a:t>
+            </a:r>
+            <a:endParaRPr lang="en-IN" sz="2200" dirty="0">
               <a:solidFill>
-                <a:schemeClr val="tx1"/>
+                <a:schemeClr val="tx1">
+                  <a:lumMod val="95000"/>
+                  <a:lumOff val="5000"/>
+                </a:schemeClr>
               </a:solidFill>
-              <a:effectLst/>
-              <a:latin typeface="Arial" panose="020B0604020202020204" pitchFamily="34" charset="0"/>
             </a:endParaRPr>
           </a:p>
         </p:txBody>
@@ -7717,7 +8118,7 @@
     </p:spTree>
     <p:extLst>
       <p:ext uri="{BB962C8B-B14F-4D97-AF65-F5344CB8AC3E}">
-        <p14:creationId xmlns:p14="http://schemas.microsoft.com/office/powerpoint/2010/main" val="2002171321"/>
+        <p14:creationId xmlns:p14="http://schemas.microsoft.com/office/powerpoint/2010/main" val="513856149"/>
       </p:ext>
     </p:extLst>
   </p:cSld>

--- a/DesignPatterns.pptx
+++ b/DesignPatterns.pptx
@@ -23,6 +23,8 @@
     <p:sldId id="272" r:id="rId17"/>
     <p:sldId id="273" r:id="rId18"/>
     <p:sldId id="274" r:id="rId19"/>
+    <p:sldId id="275" r:id="rId20"/>
+    <p:sldId id="276" r:id="rId21"/>
   </p:sldIdLst>
   <p:sldSz cx="12192000" cy="6858000"/>
   <p:notesSz cx="6858000" cy="9144000"/>
@@ -132,7 +134,7 @@
 <file path=ppt/revisionInfo.xml><?xml version="1.0" encoding="utf-8"?>
 <p1510:revInfo xmlns:a="http://schemas.openxmlformats.org/drawingml/2006/main" xmlns:r="http://schemas.openxmlformats.org/officeDocument/2006/relationships" xmlns:p1510="http://schemas.microsoft.com/office/powerpoint/2015/10/main">
   <p1510:revLst>
-    <p1510:client id="{2B8E2204-9F68-4922-875F-CECA66539EED}" v="15" dt="2023-09-11T10:17:35.130"/>
+    <p1510:client id="{2B8E2204-9F68-4922-875F-CECA66539EED}" v="17" dt="2023-09-12T12:55:40.564"/>
   </p1510:revLst>
 </p1510:revInfo>
 </file>
@@ -461,7 +463,7 @@
   <pc:docChgLst>
     <pc:chgData name="Manaswini Ray" userId="451f23f8-43b4-4daa-9511-0c9fb98bad1c" providerId="ADAL" clId="{2B8E2204-9F68-4922-875F-CECA66539EED}"/>
     <pc:docChg chg="undo custSel addSld delSld modSld sldOrd">
-      <pc:chgData name="Manaswini Ray" userId="451f23f8-43b4-4daa-9511-0c9fb98bad1c" providerId="ADAL" clId="{2B8E2204-9F68-4922-875F-CECA66539EED}" dt="2023-09-11T10:21:17.822" v="343" actId="255"/>
+      <pc:chgData name="Manaswini Ray" userId="451f23f8-43b4-4daa-9511-0c9fb98bad1c" providerId="ADAL" clId="{2B8E2204-9F68-4922-875F-CECA66539EED}" dt="2023-09-12T12:58:08.248" v="498" actId="20577"/>
       <pc:docMkLst>
         <pc:docMk/>
       </pc:docMkLst>
@@ -656,6 +658,52 @@
           </ac:spMkLst>
         </pc:spChg>
       </pc:sldChg>
+      <pc:sldChg chg="addSp modSp new mod">
+        <pc:chgData name="Manaswini Ray" userId="451f23f8-43b4-4daa-9511-0c9fb98bad1c" providerId="ADAL" clId="{2B8E2204-9F68-4922-875F-CECA66539EED}" dt="2023-09-12T12:55:27.312" v="451" actId="20577"/>
+        <pc:sldMkLst>
+          <pc:docMk/>
+          <pc:sldMk cId="3144306577" sldId="275"/>
+        </pc:sldMkLst>
+        <pc:spChg chg="add mod">
+          <ac:chgData name="Manaswini Ray" userId="451f23f8-43b4-4daa-9511-0c9fb98bad1c" providerId="ADAL" clId="{2B8E2204-9F68-4922-875F-CECA66539EED}" dt="2023-09-12T12:50:33.389" v="353" actId="20577"/>
+          <ac:spMkLst>
+            <pc:docMk/>
+            <pc:sldMk cId="3144306577" sldId="275"/>
+            <ac:spMk id="2" creationId="{D0A647EF-A14D-22A2-05CE-E360F4695FAB}"/>
+          </ac:spMkLst>
+        </pc:spChg>
+        <pc:spChg chg="add mod">
+          <ac:chgData name="Manaswini Ray" userId="451f23f8-43b4-4daa-9511-0c9fb98bad1c" providerId="ADAL" clId="{2B8E2204-9F68-4922-875F-CECA66539EED}" dt="2023-09-12T12:55:27.312" v="451" actId="20577"/>
+          <ac:spMkLst>
+            <pc:docMk/>
+            <pc:sldMk cId="3144306577" sldId="275"/>
+            <ac:spMk id="3" creationId="{1B645101-3296-CC1B-C762-0095E4A03BF2}"/>
+          </ac:spMkLst>
+        </pc:spChg>
+      </pc:sldChg>
+      <pc:sldChg chg="addSp modSp new mod">
+        <pc:chgData name="Manaswini Ray" userId="451f23f8-43b4-4daa-9511-0c9fb98bad1c" providerId="ADAL" clId="{2B8E2204-9F68-4922-875F-CECA66539EED}" dt="2023-09-12T12:58:08.248" v="498" actId="20577"/>
+        <pc:sldMkLst>
+          <pc:docMk/>
+          <pc:sldMk cId="3248968357" sldId="276"/>
+        </pc:sldMkLst>
+        <pc:spChg chg="add mod">
+          <ac:chgData name="Manaswini Ray" userId="451f23f8-43b4-4daa-9511-0c9fb98bad1c" providerId="ADAL" clId="{2B8E2204-9F68-4922-875F-CECA66539EED}" dt="2023-09-12T12:55:49.578" v="460" actId="20577"/>
+          <ac:spMkLst>
+            <pc:docMk/>
+            <pc:sldMk cId="3248968357" sldId="276"/>
+            <ac:spMk id="2" creationId="{BEAB6B45-53D6-8E80-2E10-3DC32A89C689}"/>
+          </ac:spMkLst>
+        </pc:spChg>
+        <pc:spChg chg="add mod">
+          <ac:chgData name="Manaswini Ray" userId="451f23f8-43b4-4daa-9511-0c9fb98bad1c" providerId="ADAL" clId="{2B8E2204-9F68-4922-875F-CECA66539EED}" dt="2023-09-12T12:58:08.248" v="498" actId="20577"/>
+          <ac:spMkLst>
+            <pc:docMk/>
+            <pc:sldMk cId="3248968357" sldId="276"/>
+            <ac:spMk id="3" creationId="{CBE139B2-E54A-CAE9-FC23-8021BF6C7F45}"/>
+          </ac:spMkLst>
+        </pc:spChg>
+      </pc:sldChg>
     </pc:docChg>
   </pc:docChgLst>
 </pc:chgInfo>
@@ -810,7 +858,7 @@
           <a:p>
             <a:fld id="{A1AA28CD-13E1-4DEA-B553-BCBE77DAC64A}" type="datetimeFigureOut">
               <a:rPr lang="en-IN" smtClean="0"/>
-              <a:t>11-09-2023</a:t>
+              <a:t>12-09-2023</a:t>
             </a:fld>
             <a:endParaRPr lang="en-IN"/>
           </a:p>
@@ -1010,7 +1058,7 @@
           <a:p>
             <a:fld id="{A1AA28CD-13E1-4DEA-B553-BCBE77DAC64A}" type="datetimeFigureOut">
               <a:rPr lang="en-IN" smtClean="0"/>
-              <a:t>11-09-2023</a:t>
+              <a:t>12-09-2023</a:t>
             </a:fld>
             <a:endParaRPr lang="en-IN"/>
           </a:p>
@@ -1220,7 +1268,7 @@
           <a:p>
             <a:fld id="{A1AA28CD-13E1-4DEA-B553-BCBE77DAC64A}" type="datetimeFigureOut">
               <a:rPr lang="en-IN" smtClean="0"/>
-              <a:t>11-09-2023</a:t>
+              <a:t>12-09-2023</a:t>
             </a:fld>
             <a:endParaRPr lang="en-IN"/>
           </a:p>
@@ -1420,7 +1468,7 @@
           <a:p>
             <a:fld id="{A1AA28CD-13E1-4DEA-B553-BCBE77DAC64A}" type="datetimeFigureOut">
               <a:rPr lang="en-IN" smtClean="0"/>
-              <a:t>11-09-2023</a:t>
+              <a:t>12-09-2023</a:t>
             </a:fld>
             <a:endParaRPr lang="en-IN"/>
           </a:p>
@@ -1696,7 +1744,7 @@
           <a:p>
             <a:fld id="{A1AA28CD-13E1-4DEA-B553-BCBE77DAC64A}" type="datetimeFigureOut">
               <a:rPr lang="en-IN" smtClean="0"/>
-              <a:t>11-09-2023</a:t>
+              <a:t>12-09-2023</a:t>
             </a:fld>
             <a:endParaRPr lang="en-IN"/>
           </a:p>
@@ -1964,7 +2012,7 @@
           <a:p>
             <a:fld id="{A1AA28CD-13E1-4DEA-B553-BCBE77DAC64A}" type="datetimeFigureOut">
               <a:rPr lang="en-IN" smtClean="0"/>
-              <a:t>11-09-2023</a:t>
+              <a:t>12-09-2023</a:t>
             </a:fld>
             <a:endParaRPr lang="en-IN"/>
           </a:p>
@@ -2379,7 +2427,7 @@
           <a:p>
             <a:fld id="{A1AA28CD-13E1-4DEA-B553-BCBE77DAC64A}" type="datetimeFigureOut">
               <a:rPr lang="en-IN" smtClean="0"/>
-              <a:t>11-09-2023</a:t>
+              <a:t>12-09-2023</a:t>
             </a:fld>
             <a:endParaRPr lang="en-IN"/>
           </a:p>
@@ -2521,7 +2569,7 @@
           <a:p>
             <a:fld id="{A1AA28CD-13E1-4DEA-B553-BCBE77DAC64A}" type="datetimeFigureOut">
               <a:rPr lang="en-IN" smtClean="0"/>
-              <a:t>11-09-2023</a:t>
+              <a:t>12-09-2023</a:t>
             </a:fld>
             <a:endParaRPr lang="en-IN"/>
           </a:p>
@@ -2634,7 +2682,7 @@
           <a:p>
             <a:fld id="{A1AA28CD-13E1-4DEA-B553-BCBE77DAC64A}" type="datetimeFigureOut">
               <a:rPr lang="en-IN" smtClean="0"/>
-              <a:t>11-09-2023</a:t>
+              <a:t>12-09-2023</a:t>
             </a:fld>
             <a:endParaRPr lang="en-IN"/>
           </a:p>
@@ -2947,7 +2995,7 @@
           <a:p>
             <a:fld id="{A1AA28CD-13E1-4DEA-B553-BCBE77DAC64A}" type="datetimeFigureOut">
               <a:rPr lang="en-IN" smtClean="0"/>
-              <a:t>11-09-2023</a:t>
+              <a:t>12-09-2023</a:t>
             </a:fld>
             <a:endParaRPr lang="en-IN"/>
           </a:p>
@@ -3236,7 +3284,7 @@
           <a:p>
             <a:fld id="{A1AA28CD-13E1-4DEA-B553-BCBE77DAC64A}" type="datetimeFigureOut">
               <a:rPr lang="en-IN" smtClean="0"/>
-              <a:t>11-09-2023</a:t>
+              <a:t>12-09-2023</a:t>
             </a:fld>
             <a:endParaRPr lang="en-IN"/>
           </a:p>
@@ -3479,7 +3527,7 @@
           <a:p>
             <a:fld id="{A1AA28CD-13E1-4DEA-B553-BCBE77DAC64A}" type="datetimeFigureOut">
               <a:rPr lang="en-IN" smtClean="0"/>
-              <a:t>11-09-2023</a:t>
+              <a:t>12-09-2023</a:t>
             </a:fld>
             <a:endParaRPr lang="en-IN"/>
           </a:p>
@@ -8128,6 +8176,485 @@
 </p:sld>
 </file>
 
+<file path=ppt/slides/slide19.xml><?xml version="1.0" encoding="utf-8"?>
+<p:sld xmlns:a="http://schemas.openxmlformats.org/drawingml/2006/main" xmlns:r="http://schemas.openxmlformats.org/officeDocument/2006/relationships" xmlns:p="http://schemas.openxmlformats.org/presentationml/2006/main">
+  <p:cSld>
+    <p:spTree>
+      <p:nvGrpSpPr>
+        <p:cNvPr id="1" name=""/>
+        <p:cNvGrpSpPr/>
+        <p:nvPr/>
+      </p:nvGrpSpPr>
+      <p:grpSpPr>
+        <a:xfrm>
+          <a:off x="0" y="0"/>
+          <a:ext cx="0" cy="0"/>
+          <a:chOff x="0" y="0"/>
+          <a:chExt cx="0" cy="0"/>
+        </a:xfrm>
+      </p:grpSpPr>
+      <p:sp>
+        <p:nvSpPr>
+          <p:cNvPr id="2" name="Title 1">
+            <a:extLst>
+              <a:ext uri="{FF2B5EF4-FFF2-40B4-BE49-F238E27FC236}">
+                <a16:creationId xmlns:a16="http://schemas.microsoft.com/office/drawing/2014/main" id="{D0A647EF-A14D-22A2-05CE-E360F4695FAB}"/>
+              </a:ext>
+            </a:extLst>
+          </p:cNvPr>
+          <p:cNvSpPr txBox="1">
+            <a:spLocks/>
+          </p:cNvSpPr>
+          <p:nvPr/>
+        </p:nvSpPr>
+        <p:spPr>
+          <a:xfrm>
+            <a:off x="496957" y="417445"/>
+            <a:ext cx="10515600" cy="1325563"/>
+          </a:xfrm>
+          <a:prstGeom prst="rect">
+            <a:avLst/>
+          </a:prstGeom>
+        </p:spPr>
+        <p:txBody>
+          <a:bodyPr/>
+          <a:lstStyle>
+            <a:lvl1pPr algn="l" defTabSz="914400" rtl="0" eaLnBrk="1" latinLnBrk="0" hangingPunct="1">
+              <a:lnSpc>
+                <a:spcPct val="90000"/>
+              </a:lnSpc>
+              <a:spcBef>
+                <a:spcPct val="0"/>
+              </a:spcBef>
+              <a:buNone/>
+              <a:defRPr sz="4400" kern="1200">
+                <a:solidFill>
+                  <a:schemeClr val="tx1"/>
+                </a:solidFill>
+                <a:latin typeface="+mj-lt"/>
+                <a:ea typeface="+mj-ea"/>
+                <a:cs typeface="+mj-cs"/>
+              </a:defRPr>
+            </a:lvl1pPr>
+          </a:lstStyle>
+          <a:p>
+            <a:r>
+              <a:rPr lang="en-US" b="1" u="sng" dirty="0"/>
+              <a:t>Template Design Pattern</a:t>
+            </a:r>
+            <a:endParaRPr lang="en-IN" b="1" u="sng" dirty="0"/>
+          </a:p>
+        </p:txBody>
+      </p:sp>
+      <p:sp>
+        <p:nvSpPr>
+          <p:cNvPr id="3" name="Content Placeholder 2">
+            <a:extLst>
+              <a:ext uri="{FF2B5EF4-FFF2-40B4-BE49-F238E27FC236}">
+                <a16:creationId xmlns:a16="http://schemas.microsoft.com/office/drawing/2014/main" id="{1B645101-3296-CC1B-C762-0095E4A03BF2}"/>
+              </a:ext>
+            </a:extLst>
+          </p:cNvPr>
+          <p:cNvSpPr txBox="1">
+            <a:spLocks/>
+          </p:cNvSpPr>
+          <p:nvPr/>
+        </p:nvSpPr>
+        <p:spPr>
+          <a:xfrm>
+            <a:off x="455543" y="1073427"/>
+            <a:ext cx="11280913" cy="5367128"/>
+          </a:xfrm>
+          <a:prstGeom prst="rect">
+            <a:avLst/>
+          </a:prstGeom>
+        </p:spPr>
+        <p:txBody>
+          <a:bodyPr>
+            <a:normAutofit/>
+          </a:bodyPr>
+          <a:lstStyle>
+            <a:lvl1pPr marL="228600" indent="-228600" algn="l" defTabSz="914400" rtl="0" eaLnBrk="1" latinLnBrk="0" hangingPunct="1">
+              <a:lnSpc>
+                <a:spcPct val="90000"/>
+              </a:lnSpc>
+              <a:spcBef>
+                <a:spcPts val="1000"/>
+              </a:spcBef>
+              <a:buFont typeface="Arial" panose="020B0604020202020204" pitchFamily="34" charset="0"/>
+              <a:buChar char="•"/>
+              <a:defRPr sz="2800" kern="1200">
+                <a:solidFill>
+                  <a:schemeClr val="tx1"/>
+                </a:solidFill>
+                <a:latin typeface="+mn-lt"/>
+                <a:ea typeface="+mn-ea"/>
+                <a:cs typeface="+mn-cs"/>
+              </a:defRPr>
+            </a:lvl1pPr>
+            <a:lvl2pPr marL="685800" indent="-228600" algn="l" defTabSz="914400" rtl="0" eaLnBrk="1" latinLnBrk="0" hangingPunct="1">
+              <a:lnSpc>
+                <a:spcPct val="90000"/>
+              </a:lnSpc>
+              <a:spcBef>
+                <a:spcPts val="500"/>
+              </a:spcBef>
+              <a:buFont typeface="Arial" panose="020B0604020202020204" pitchFamily="34" charset="0"/>
+              <a:buChar char="•"/>
+              <a:defRPr sz="2400" kern="1200">
+                <a:solidFill>
+                  <a:schemeClr val="tx1"/>
+                </a:solidFill>
+                <a:latin typeface="+mn-lt"/>
+                <a:ea typeface="+mn-ea"/>
+                <a:cs typeface="+mn-cs"/>
+              </a:defRPr>
+            </a:lvl2pPr>
+            <a:lvl3pPr marL="1143000" indent="-228600" algn="l" defTabSz="914400" rtl="0" eaLnBrk="1" latinLnBrk="0" hangingPunct="1">
+              <a:lnSpc>
+                <a:spcPct val="90000"/>
+              </a:lnSpc>
+              <a:spcBef>
+                <a:spcPts val="500"/>
+              </a:spcBef>
+              <a:buFont typeface="Arial" panose="020B0604020202020204" pitchFamily="34" charset="0"/>
+              <a:buChar char="•"/>
+              <a:defRPr sz="2000" kern="1200">
+                <a:solidFill>
+                  <a:schemeClr val="tx1"/>
+                </a:solidFill>
+                <a:latin typeface="+mn-lt"/>
+                <a:ea typeface="+mn-ea"/>
+                <a:cs typeface="+mn-cs"/>
+              </a:defRPr>
+            </a:lvl3pPr>
+            <a:lvl4pPr marL="1600200" indent="-228600" algn="l" defTabSz="914400" rtl="0" eaLnBrk="1" latinLnBrk="0" hangingPunct="1">
+              <a:lnSpc>
+                <a:spcPct val="90000"/>
+              </a:lnSpc>
+              <a:spcBef>
+                <a:spcPts val="500"/>
+              </a:spcBef>
+              <a:buFont typeface="Arial" panose="020B0604020202020204" pitchFamily="34" charset="0"/>
+              <a:buChar char="•"/>
+              <a:defRPr sz="1800" kern="1200">
+                <a:solidFill>
+                  <a:schemeClr val="tx1"/>
+                </a:solidFill>
+                <a:latin typeface="+mn-lt"/>
+                <a:ea typeface="+mn-ea"/>
+                <a:cs typeface="+mn-cs"/>
+              </a:defRPr>
+            </a:lvl4pPr>
+            <a:lvl5pPr marL="2057400" indent="-228600" algn="l" defTabSz="914400" rtl="0" eaLnBrk="1" latinLnBrk="0" hangingPunct="1">
+              <a:lnSpc>
+                <a:spcPct val="90000"/>
+              </a:lnSpc>
+              <a:spcBef>
+                <a:spcPts val="500"/>
+              </a:spcBef>
+              <a:buFont typeface="Arial" panose="020B0604020202020204" pitchFamily="34" charset="0"/>
+              <a:buChar char="•"/>
+              <a:defRPr sz="1800" kern="1200">
+                <a:solidFill>
+                  <a:schemeClr val="tx1"/>
+                </a:solidFill>
+                <a:latin typeface="+mn-lt"/>
+                <a:ea typeface="+mn-ea"/>
+                <a:cs typeface="+mn-cs"/>
+              </a:defRPr>
+            </a:lvl5pPr>
+            <a:lvl6pPr marL="2514600" indent="-228600" algn="l" defTabSz="914400" rtl="0" eaLnBrk="1" latinLnBrk="0" hangingPunct="1">
+              <a:lnSpc>
+                <a:spcPct val="90000"/>
+              </a:lnSpc>
+              <a:spcBef>
+                <a:spcPts val="500"/>
+              </a:spcBef>
+              <a:buFont typeface="Arial" panose="020B0604020202020204" pitchFamily="34" charset="0"/>
+              <a:buChar char="•"/>
+              <a:defRPr sz="1800" kern="1200">
+                <a:solidFill>
+                  <a:schemeClr val="tx1"/>
+                </a:solidFill>
+                <a:latin typeface="+mn-lt"/>
+                <a:ea typeface="+mn-ea"/>
+                <a:cs typeface="+mn-cs"/>
+              </a:defRPr>
+            </a:lvl6pPr>
+            <a:lvl7pPr marL="2971800" indent="-228600" algn="l" defTabSz="914400" rtl="0" eaLnBrk="1" latinLnBrk="0" hangingPunct="1">
+              <a:lnSpc>
+                <a:spcPct val="90000"/>
+              </a:lnSpc>
+              <a:spcBef>
+                <a:spcPts val="500"/>
+              </a:spcBef>
+              <a:buFont typeface="Arial" panose="020B0604020202020204" pitchFamily="34" charset="0"/>
+              <a:buChar char="•"/>
+              <a:defRPr sz="1800" kern="1200">
+                <a:solidFill>
+                  <a:schemeClr val="tx1"/>
+                </a:solidFill>
+                <a:latin typeface="+mn-lt"/>
+                <a:ea typeface="+mn-ea"/>
+                <a:cs typeface="+mn-cs"/>
+              </a:defRPr>
+            </a:lvl7pPr>
+            <a:lvl8pPr marL="3429000" indent="-228600" algn="l" defTabSz="914400" rtl="0" eaLnBrk="1" latinLnBrk="0" hangingPunct="1">
+              <a:lnSpc>
+                <a:spcPct val="90000"/>
+              </a:lnSpc>
+              <a:spcBef>
+                <a:spcPts val="500"/>
+              </a:spcBef>
+              <a:buFont typeface="Arial" panose="020B0604020202020204" pitchFamily="34" charset="0"/>
+              <a:buChar char="•"/>
+              <a:defRPr sz="1800" kern="1200">
+                <a:solidFill>
+                  <a:schemeClr val="tx1"/>
+                </a:solidFill>
+                <a:latin typeface="+mn-lt"/>
+                <a:ea typeface="+mn-ea"/>
+                <a:cs typeface="+mn-cs"/>
+              </a:defRPr>
+            </a:lvl8pPr>
+            <a:lvl9pPr marL="3886200" indent="-228600" algn="l" defTabSz="914400" rtl="0" eaLnBrk="1" latinLnBrk="0" hangingPunct="1">
+              <a:lnSpc>
+                <a:spcPct val="90000"/>
+              </a:lnSpc>
+              <a:spcBef>
+                <a:spcPts val="500"/>
+              </a:spcBef>
+              <a:buFont typeface="Arial" panose="020B0604020202020204" pitchFamily="34" charset="0"/>
+              <a:buChar char="•"/>
+              <a:defRPr sz="1800" kern="1200">
+                <a:solidFill>
+                  <a:schemeClr val="tx1"/>
+                </a:solidFill>
+                <a:latin typeface="+mn-lt"/>
+                <a:ea typeface="+mn-ea"/>
+                <a:cs typeface="+mn-cs"/>
+              </a:defRPr>
+            </a:lvl9pPr>
+          </a:lstStyle>
+          <a:p>
+            <a:endParaRPr lang="en-US" sz="1600" b="0" i="0" dirty="0">
+              <a:solidFill>
+                <a:srgbClr val="333333"/>
+              </a:solidFill>
+              <a:effectLst/>
+              <a:latin typeface="inter-regular"/>
+            </a:endParaRPr>
+          </a:p>
+          <a:p>
+            <a:r>
+              <a:rPr lang="en-US" sz="2400" dirty="0">
+                <a:solidFill>
+                  <a:srgbClr val="333333"/>
+                </a:solidFill>
+                <a:latin typeface="inter-regular"/>
+              </a:rPr>
+              <a:t>In this</a:t>
+            </a:r>
+            <a:r>
+              <a:rPr lang="en-US" sz="2400" b="1" i="0" dirty="0">
+                <a:solidFill>
+                  <a:srgbClr val="333333"/>
+                </a:solidFill>
+                <a:effectLst/>
+                <a:latin typeface="inter-bold"/>
+              </a:rPr>
+              <a:t> </a:t>
+            </a:r>
+            <a:r>
+              <a:rPr lang="en-US" sz="2200" b="1" i="0" dirty="0">
+                <a:solidFill>
+                  <a:srgbClr val="333333"/>
+                </a:solidFill>
+                <a:effectLst/>
+                <a:latin typeface="inter-regular"/>
+              </a:rPr>
+              <a:t>"just define the skeleton of a function in an operation, deferring some steps to its subclasses".</a:t>
+            </a:r>
+          </a:p>
+          <a:p>
+            <a:pPr marL="0" indent="0">
+              <a:buNone/>
+            </a:pPr>
+            <a:r>
+              <a:rPr lang="en-US" sz="2200" b="1" u="sng" dirty="0">
+                <a:solidFill>
+                  <a:srgbClr val="333333"/>
+                </a:solidFill>
+                <a:latin typeface="inter-regular"/>
+              </a:rPr>
+              <a:t>Advantages</a:t>
+            </a:r>
+            <a:r>
+              <a:rPr lang="en-US" sz="2200" b="1" dirty="0">
+                <a:solidFill>
+                  <a:srgbClr val="333333"/>
+                </a:solidFill>
+                <a:latin typeface="inter-regular"/>
+              </a:rPr>
+              <a:t>:-</a:t>
+            </a:r>
+          </a:p>
+          <a:p>
+            <a:pPr algn="just">
+              <a:buFont typeface="Arial" panose="020B0604020202020204" pitchFamily="34" charset="0"/>
+              <a:buChar char="•"/>
+            </a:pPr>
+            <a:r>
+              <a:rPr lang="en-US" sz="2400" b="0" i="0" dirty="0">
+                <a:solidFill>
+                  <a:srgbClr val="000000"/>
+                </a:solidFill>
+                <a:effectLst/>
+                <a:latin typeface="inter-regular"/>
+              </a:rPr>
+              <a:t>It used for re-using the code.</a:t>
+            </a:r>
+          </a:p>
+          <a:p>
+            <a:pPr marL="0" indent="0">
+              <a:buNone/>
+            </a:pPr>
+            <a:br>
+              <a:rPr lang="en-US" sz="1600" dirty="0"/>
+            </a:br>
+            <a:r>
+              <a:rPr lang="en-US" sz="2200" b="1" u="sng" dirty="0">
+                <a:solidFill>
+                  <a:srgbClr val="000000"/>
+                </a:solidFill>
+                <a:latin typeface="inter-regular"/>
+              </a:rPr>
+              <a:t>Usage</a:t>
+            </a:r>
+            <a:r>
+              <a:rPr lang="en-US" sz="2200" b="1" dirty="0">
+                <a:solidFill>
+                  <a:srgbClr val="000000"/>
+                </a:solidFill>
+                <a:latin typeface="inter-regular"/>
+              </a:rPr>
+              <a:t>:-</a:t>
+            </a:r>
+          </a:p>
+          <a:p>
+            <a:pPr algn="just">
+              <a:buFont typeface="Arial" panose="020B0604020202020204" pitchFamily="34" charset="0"/>
+              <a:buChar char="•"/>
+            </a:pPr>
+            <a:r>
+              <a:rPr lang="en-US" sz="2200" b="0" i="0" dirty="0">
+                <a:solidFill>
+                  <a:srgbClr val="000000"/>
+                </a:solidFill>
+                <a:effectLst/>
+                <a:latin typeface="inter-regular"/>
+              </a:rPr>
+              <a:t>It is used when the common behavior among sub-classes should be moved to a single common class by avoiding the duplication.</a:t>
+            </a:r>
+          </a:p>
+          <a:p>
+            <a:pPr algn="just">
+              <a:buFont typeface="Arial" panose="020B0604020202020204" pitchFamily="34" charset="0"/>
+              <a:buChar char="•"/>
+            </a:pPr>
+            <a:r>
+              <a:rPr lang="en-US" sz="2200" b="0" i="0" dirty="0">
+                <a:solidFill>
+                  <a:schemeClr val="tx1">
+                    <a:lumMod val="95000"/>
+                    <a:lumOff val="5000"/>
+                  </a:schemeClr>
+                </a:solidFill>
+                <a:effectLst/>
+                <a:latin typeface="Google Sans"/>
+              </a:rPr>
+              <a:t>When to define an algorithm as a skeleton of operations and leave the details to be implemented by the child classes. The overall structure and sequence of the algorithm are preserved by the parent class.</a:t>
+            </a:r>
+            <a:endParaRPr lang="en-US" sz="2200" b="0" i="0" dirty="0">
+              <a:solidFill>
+                <a:schemeClr val="tx1">
+                  <a:lumMod val="95000"/>
+                  <a:lumOff val="5000"/>
+                </a:schemeClr>
+              </a:solidFill>
+              <a:effectLst/>
+              <a:latin typeface="inter-regular"/>
+            </a:endParaRPr>
+          </a:p>
+          <a:p>
+            <a:pPr marL="0" indent="0" algn="just">
+              <a:buFont typeface="Arial" panose="020B0604020202020204" pitchFamily="34" charset="0"/>
+              <a:buNone/>
+            </a:pPr>
+            <a:r>
+              <a:rPr lang="en-US" sz="2200" b="1" u="sng" dirty="0">
+                <a:solidFill>
+                  <a:schemeClr val="tx1">
+                    <a:lumMod val="95000"/>
+                    <a:lumOff val="5000"/>
+                  </a:schemeClr>
+                </a:solidFill>
+                <a:latin typeface="Google Sans"/>
+              </a:rPr>
+              <a:t>Real-Time Example</a:t>
+            </a:r>
+            <a:r>
+              <a:rPr lang="en-US" sz="2200" dirty="0">
+                <a:solidFill>
+                  <a:schemeClr val="tx1">
+                    <a:lumMod val="95000"/>
+                    <a:lumOff val="5000"/>
+                  </a:schemeClr>
+                </a:solidFill>
+                <a:latin typeface="Google Sans"/>
+              </a:rPr>
+              <a:t>:-</a:t>
+            </a:r>
+          </a:p>
+          <a:p>
+            <a:r>
+              <a:rPr lang="en-US" sz="2200" b="0" i="0" dirty="0">
+                <a:solidFill>
+                  <a:schemeClr val="tx1">
+                    <a:lumMod val="95000"/>
+                    <a:lumOff val="5000"/>
+                  </a:schemeClr>
+                </a:solidFill>
+                <a:effectLst/>
+                <a:latin typeface="Google Sans"/>
+              </a:rPr>
+              <a:t>Building a house, making a coffee.</a:t>
+            </a:r>
+            <a:endParaRPr lang="en-IN" sz="2200" dirty="0">
+              <a:solidFill>
+                <a:schemeClr val="tx1">
+                  <a:lumMod val="95000"/>
+                  <a:lumOff val="5000"/>
+                </a:schemeClr>
+              </a:solidFill>
+            </a:endParaRPr>
+          </a:p>
+        </p:txBody>
+      </p:sp>
+    </p:spTree>
+    <p:extLst>
+      <p:ext uri="{BB962C8B-B14F-4D97-AF65-F5344CB8AC3E}">
+        <p14:creationId xmlns:p14="http://schemas.microsoft.com/office/powerpoint/2010/main" val="3144306577"/>
+      </p:ext>
+    </p:extLst>
+  </p:cSld>
+  <p:clrMapOvr>
+    <a:masterClrMapping/>
+  </p:clrMapOvr>
+</p:sld>
+</file>
+
 <file path=ppt/slides/slide2.xml><?xml version="1.0" encoding="utf-8"?>
 <p:sld xmlns:a="http://schemas.openxmlformats.org/drawingml/2006/main" xmlns:r="http://schemas.openxmlformats.org/officeDocument/2006/relationships" xmlns:p="http://schemas.openxmlformats.org/presentationml/2006/main">
   <p:cSld>
@@ -8193,6 +8720,546 @@
     <p:extLst>
       <p:ext uri="{BB962C8B-B14F-4D97-AF65-F5344CB8AC3E}">
         <p14:creationId xmlns:p14="http://schemas.microsoft.com/office/powerpoint/2010/main" val="3793449097"/>
+      </p:ext>
+    </p:extLst>
+  </p:cSld>
+  <p:clrMapOvr>
+    <a:masterClrMapping/>
+  </p:clrMapOvr>
+</p:sld>
+</file>
+
+<file path=ppt/slides/slide20.xml><?xml version="1.0" encoding="utf-8"?>
+<p:sld xmlns:a="http://schemas.openxmlformats.org/drawingml/2006/main" xmlns:r="http://schemas.openxmlformats.org/officeDocument/2006/relationships" xmlns:p="http://schemas.openxmlformats.org/presentationml/2006/main">
+  <p:cSld>
+    <p:spTree>
+      <p:nvGrpSpPr>
+        <p:cNvPr id="1" name=""/>
+        <p:cNvGrpSpPr/>
+        <p:nvPr/>
+      </p:nvGrpSpPr>
+      <p:grpSpPr>
+        <a:xfrm>
+          <a:off x="0" y="0"/>
+          <a:ext cx="0" cy="0"/>
+          <a:chOff x="0" y="0"/>
+          <a:chExt cx="0" cy="0"/>
+        </a:xfrm>
+      </p:grpSpPr>
+      <p:sp>
+        <p:nvSpPr>
+          <p:cNvPr id="2" name="Title 1">
+            <a:extLst>
+              <a:ext uri="{FF2B5EF4-FFF2-40B4-BE49-F238E27FC236}">
+                <a16:creationId xmlns:a16="http://schemas.microsoft.com/office/drawing/2014/main" id="{BEAB6B45-53D6-8E80-2E10-3DC32A89C689}"/>
+              </a:ext>
+            </a:extLst>
+          </p:cNvPr>
+          <p:cNvSpPr txBox="1">
+            <a:spLocks/>
+          </p:cNvSpPr>
+          <p:nvPr/>
+        </p:nvSpPr>
+        <p:spPr>
+          <a:xfrm>
+            <a:off x="496957" y="417445"/>
+            <a:ext cx="10515600" cy="1325563"/>
+          </a:xfrm>
+          <a:prstGeom prst="rect">
+            <a:avLst/>
+          </a:prstGeom>
+        </p:spPr>
+        <p:txBody>
+          <a:bodyPr/>
+          <a:lstStyle>
+            <a:lvl1pPr algn="l" defTabSz="914400" rtl="0" eaLnBrk="1" latinLnBrk="0" hangingPunct="1">
+              <a:lnSpc>
+                <a:spcPct val="90000"/>
+              </a:lnSpc>
+              <a:spcBef>
+                <a:spcPct val="0"/>
+              </a:spcBef>
+              <a:buNone/>
+              <a:defRPr sz="4400" kern="1200">
+                <a:solidFill>
+                  <a:schemeClr val="tx1"/>
+                </a:solidFill>
+                <a:latin typeface="+mj-lt"/>
+                <a:ea typeface="+mj-ea"/>
+                <a:cs typeface="+mj-cs"/>
+              </a:defRPr>
+            </a:lvl1pPr>
+          </a:lstStyle>
+          <a:p>
+            <a:r>
+              <a:rPr lang="en-US" b="1" u="sng" dirty="0"/>
+              <a:t>Command Design Pattern</a:t>
+            </a:r>
+            <a:endParaRPr lang="en-IN" b="1" u="sng" dirty="0"/>
+          </a:p>
+        </p:txBody>
+      </p:sp>
+      <p:sp>
+        <p:nvSpPr>
+          <p:cNvPr id="3" name="Content Placeholder 2">
+            <a:extLst>
+              <a:ext uri="{FF2B5EF4-FFF2-40B4-BE49-F238E27FC236}">
+                <a16:creationId xmlns:a16="http://schemas.microsoft.com/office/drawing/2014/main" id="{CBE139B2-E54A-CAE9-FC23-8021BF6C7F45}"/>
+              </a:ext>
+            </a:extLst>
+          </p:cNvPr>
+          <p:cNvSpPr txBox="1">
+            <a:spLocks/>
+          </p:cNvSpPr>
+          <p:nvPr/>
+        </p:nvSpPr>
+        <p:spPr>
+          <a:xfrm>
+            <a:off x="455543" y="1073427"/>
+            <a:ext cx="11280913" cy="5367128"/>
+          </a:xfrm>
+          <a:prstGeom prst="rect">
+            <a:avLst/>
+          </a:prstGeom>
+        </p:spPr>
+        <p:txBody>
+          <a:bodyPr>
+            <a:normAutofit lnSpcReduction="10000"/>
+          </a:bodyPr>
+          <a:lstStyle>
+            <a:lvl1pPr marL="228600" indent="-228600" algn="l" defTabSz="914400" rtl="0" eaLnBrk="1" latinLnBrk="0" hangingPunct="1">
+              <a:lnSpc>
+                <a:spcPct val="90000"/>
+              </a:lnSpc>
+              <a:spcBef>
+                <a:spcPts val="1000"/>
+              </a:spcBef>
+              <a:buFont typeface="Arial" panose="020B0604020202020204" pitchFamily="34" charset="0"/>
+              <a:buChar char="•"/>
+              <a:defRPr sz="2800" kern="1200">
+                <a:solidFill>
+                  <a:schemeClr val="tx1"/>
+                </a:solidFill>
+                <a:latin typeface="+mn-lt"/>
+                <a:ea typeface="+mn-ea"/>
+                <a:cs typeface="+mn-cs"/>
+              </a:defRPr>
+            </a:lvl1pPr>
+            <a:lvl2pPr marL="685800" indent="-228600" algn="l" defTabSz="914400" rtl="0" eaLnBrk="1" latinLnBrk="0" hangingPunct="1">
+              <a:lnSpc>
+                <a:spcPct val="90000"/>
+              </a:lnSpc>
+              <a:spcBef>
+                <a:spcPts val="500"/>
+              </a:spcBef>
+              <a:buFont typeface="Arial" panose="020B0604020202020204" pitchFamily="34" charset="0"/>
+              <a:buChar char="•"/>
+              <a:defRPr sz="2400" kern="1200">
+                <a:solidFill>
+                  <a:schemeClr val="tx1"/>
+                </a:solidFill>
+                <a:latin typeface="+mn-lt"/>
+                <a:ea typeface="+mn-ea"/>
+                <a:cs typeface="+mn-cs"/>
+              </a:defRPr>
+            </a:lvl2pPr>
+            <a:lvl3pPr marL="1143000" indent="-228600" algn="l" defTabSz="914400" rtl="0" eaLnBrk="1" latinLnBrk="0" hangingPunct="1">
+              <a:lnSpc>
+                <a:spcPct val="90000"/>
+              </a:lnSpc>
+              <a:spcBef>
+                <a:spcPts val="500"/>
+              </a:spcBef>
+              <a:buFont typeface="Arial" panose="020B0604020202020204" pitchFamily="34" charset="0"/>
+              <a:buChar char="•"/>
+              <a:defRPr sz="2000" kern="1200">
+                <a:solidFill>
+                  <a:schemeClr val="tx1"/>
+                </a:solidFill>
+                <a:latin typeface="+mn-lt"/>
+                <a:ea typeface="+mn-ea"/>
+                <a:cs typeface="+mn-cs"/>
+              </a:defRPr>
+            </a:lvl3pPr>
+            <a:lvl4pPr marL="1600200" indent="-228600" algn="l" defTabSz="914400" rtl="0" eaLnBrk="1" latinLnBrk="0" hangingPunct="1">
+              <a:lnSpc>
+                <a:spcPct val="90000"/>
+              </a:lnSpc>
+              <a:spcBef>
+                <a:spcPts val="500"/>
+              </a:spcBef>
+              <a:buFont typeface="Arial" panose="020B0604020202020204" pitchFamily="34" charset="0"/>
+              <a:buChar char="•"/>
+              <a:defRPr sz="1800" kern="1200">
+                <a:solidFill>
+                  <a:schemeClr val="tx1"/>
+                </a:solidFill>
+                <a:latin typeface="+mn-lt"/>
+                <a:ea typeface="+mn-ea"/>
+                <a:cs typeface="+mn-cs"/>
+              </a:defRPr>
+            </a:lvl4pPr>
+            <a:lvl5pPr marL="2057400" indent="-228600" algn="l" defTabSz="914400" rtl="0" eaLnBrk="1" latinLnBrk="0" hangingPunct="1">
+              <a:lnSpc>
+                <a:spcPct val="90000"/>
+              </a:lnSpc>
+              <a:spcBef>
+                <a:spcPts val="500"/>
+              </a:spcBef>
+              <a:buFont typeface="Arial" panose="020B0604020202020204" pitchFamily="34" charset="0"/>
+              <a:buChar char="•"/>
+              <a:defRPr sz="1800" kern="1200">
+                <a:solidFill>
+                  <a:schemeClr val="tx1"/>
+                </a:solidFill>
+                <a:latin typeface="+mn-lt"/>
+                <a:ea typeface="+mn-ea"/>
+                <a:cs typeface="+mn-cs"/>
+              </a:defRPr>
+            </a:lvl5pPr>
+            <a:lvl6pPr marL="2514600" indent="-228600" algn="l" defTabSz="914400" rtl="0" eaLnBrk="1" latinLnBrk="0" hangingPunct="1">
+              <a:lnSpc>
+                <a:spcPct val="90000"/>
+              </a:lnSpc>
+              <a:spcBef>
+                <a:spcPts val="500"/>
+              </a:spcBef>
+              <a:buFont typeface="Arial" panose="020B0604020202020204" pitchFamily="34" charset="0"/>
+              <a:buChar char="•"/>
+              <a:defRPr sz="1800" kern="1200">
+                <a:solidFill>
+                  <a:schemeClr val="tx1"/>
+                </a:solidFill>
+                <a:latin typeface="+mn-lt"/>
+                <a:ea typeface="+mn-ea"/>
+                <a:cs typeface="+mn-cs"/>
+              </a:defRPr>
+            </a:lvl6pPr>
+            <a:lvl7pPr marL="2971800" indent="-228600" algn="l" defTabSz="914400" rtl="0" eaLnBrk="1" latinLnBrk="0" hangingPunct="1">
+              <a:lnSpc>
+                <a:spcPct val="90000"/>
+              </a:lnSpc>
+              <a:spcBef>
+                <a:spcPts val="500"/>
+              </a:spcBef>
+              <a:buFont typeface="Arial" panose="020B0604020202020204" pitchFamily="34" charset="0"/>
+              <a:buChar char="•"/>
+              <a:defRPr sz="1800" kern="1200">
+                <a:solidFill>
+                  <a:schemeClr val="tx1"/>
+                </a:solidFill>
+                <a:latin typeface="+mn-lt"/>
+                <a:ea typeface="+mn-ea"/>
+                <a:cs typeface="+mn-cs"/>
+              </a:defRPr>
+            </a:lvl7pPr>
+            <a:lvl8pPr marL="3429000" indent="-228600" algn="l" defTabSz="914400" rtl="0" eaLnBrk="1" latinLnBrk="0" hangingPunct="1">
+              <a:lnSpc>
+                <a:spcPct val="90000"/>
+              </a:lnSpc>
+              <a:spcBef>
+                <a:spcPts val="500"/>
+              </a:spcBef>
+              <a:buFont typeface="Arial" panose="020B0604020202020204" pitchFamily="34" charset="0"/>
+              <a:buChar char="•"/>
+              <a:defRPr sz="1800" kern="1200">
+                <a:solidFill>
+                  <a:schemeClr val="tx1"/>
+                </a:solidFill>
+                <a:latin typeface="+mn-lt"/>
+                <a:ea typeface="+mn-ea"/>
+                <a:cs typeface="+mn-cs"/>
+              </a:defRPr>
+            </a:lvl8pPr>
+            <a:lvl9pPr marL="3886200" indent="-228600" algn="l" defTabSz="914400" rtl="0" eaLnBrk="1" latinLnBrk="0" hangingPunct="1">
+              <a:lnSpc>
+                <a:spcPct val="90000"/>
+              </a:lnSpc>
+              <a:spcBef>
+                <a:spcPts val="500"/>
+              </a:spcBef>
+              <a:buFont typeface="Arial" panose="020B0604020202020204" pitchFamily="34" charset="0"/>
+              <a:buChar char="•"/>
+              <a:defRPr sz="1800" kern="1200">
+                <a:solidFill>
+                  <a:schemeClr val="tx1"/>
+                </a:solidFill>
+                <a:latin typeface="+mn-lt"/>
+                <a:ea typeface="+mn-ea"/>
+                <a:cs typeface="+mn-cs"/>
+              </a:defRPr>
+            </a:lvl9pPr>
+          </a:lstStyle>
+          <a:p>
+            <a:endParaRPr lang="en-US" sz="1600" b="0" i="0" dirty="0">
+              <a:solidFill>
+                <a:srgbClr val="333333"/>
+              </a:solidFill>
+              <a:effectLst/>
+              <a:latin typeface="inter-regular"/>
+            </a:endParaRPr>
+          </a:p>
+          <a:p>
+            <a:r>
+              <a:rPr lang="en-US" sz="2400" dirty="0">
+                <a:solidFill>
+                  <a:srgbClr val="333333"/>
+                </a:solidFill>
+                <a:latin typeface="inter-regular"/>
+              </a:rPr>
+              <a:t>In this</a:t>
+            </a:r>
+            <a:r>
+              <a:rPr lang="en-US" sz="2400" b="1" i="0" dirty="0">
+                <a:solidFill>
+                  <a:srgbClr val="333333"/>
+                </a:solidFill>
+                <a:effectLst/>
+                <a:latin typeface="inter-bold"/>
+              </a:rPr>
+              <a:t> </a:t>
+            </a:r>
+            <a:r>
+              <a:rPr lang="en-US" sz="2200" b="1" i="0" dirty="0">
+                <a:solidFill>
+                  <a:schemeClr val="tx1">
+                    <a:lumMod val="95000"/>
+                    <a:lumOff val="5000"/>
+                  </a:schemeClr>
+                </a:solidFill>
+                <a:effectLst/>
+                <a:latin typeface="inter-regular"/>
+              </a:rPr>
+              <a:t>"</a:t>
+            </a:r>
+            <a:r>
+              <a:rPr lang="en-US" sz="2200" b="1" i="1" dirty="0">
+                <a:solidFill>
+                  <a:schemeClr val="tx1">
+                    <a:lumMod val="95000"/>
+                    <a:lumOff val="5000"/>
+                  </a:schemeClr>
+                </a:solidFill>
+                <a:effectLst/>
+                <a:latin typeface="inter-regular"/>
+              </a:rPr>
+              <a:t>encapsulate a request under an object as a command and pass it to invoker object. Invoker object looks for the appropriate object which can handle this command and pass the command to the corresponding object and that object executes the command</a:t>
+            </a:r>
+            <a:r>
+              <a:rPr lang="en-US" sz="2200" b="1" i="0" dirty="0">
+                <a:solidFill>
+                  <a:schemeClr val="tx1">
+                    <a:lumMod val="95000"/>
+                    <a:lumOff val="5000"/>
+                  </a:schemeClr>
+                </a:solidFill>
+                <a:effectLst/>
+                <a:latin typeface="inter-regular"/>
+              </a:rPr>
+              <a:t>".</a:t>
+            </a:r>
+          </a:p>
+          <a:p>
+            <a:pPr marL="0" indent="0">
+              <a:buNone/>
+            </a:pPr>
+            <a:r>
+              <a:rPr lang="en-US" sz="2200" b="1" u="sng" dirty="0">
+                <a:solidFill>
+                  <a:srgbClr val="333333"/>
+                </a:solidFill>
+                <a:latin typeface="inter-regular"/>
+              </a:rPr>
+              <a:t>Advantages</a:t>
+            </a:r>
+            <a:r>
+              <a:rPr lang="en-US" sz="2200" b="1" dirty="0">
+                <a:solidFill>
+                  <a:srgbClr val="333333"/>
+                </a:solidFill>
+                <a:latin typeface="inter-regular"/>
+              </a:rPr>
+              <a:t>:-</a:t>
+            </a:r>
+          </a:p>
+          <a:p>
+            <a:pPr algn="just">
+              <a:buFont typeface="Arial" panose="020B0604020202020204" pitchFamily="34" charset="0"/>
+              <a:buChar char="•"/>
+            </a:pPr>
+            <a:r>
+              <a:rPr lang="en-US" sz="2200" b="0" i="0" dirty="0">
+                <a:solidFill>
+                  <a:srgbClr val="000000"/>
+                </a:solidFill>
+                <a:effectLst/>
+                <a:latin typeface="inter-regular"/>
+              </a:rPr>
+              <a:t>It separates the object that invokes the operation from the object that actually performs the operation.</a:t>
+            </a:r>
+          </a:p>
+          <a:p>
+            <a:pPr algn="just">
+              <a:buFont typeface="Arial" panose="020B0604020202020204" pitchFamily="34" charset="0"/>
+              <a:buChar char="•"/>
+            </a:pPr>
+            <a:r>
+              <a:rPr lang="en-US" sz="2200" b="0" i="0" dirty="0">
+                <a:solidFill>
+                  <a:srgbClr val="000000"/>
+                </a:solidFill>
+                <a:effectLst/>
+                <a:latin typeface="inter-regular"/>
+              </a:rPr>
+              <a:t>It makes easy to add new commands, because existing classes remain unchanged.</a:t>
+            </a:r>
+          </a:p>
+          <a:p>
+            <a:pPr marL="0" indent="0">
+              <a:buNone/>
+            </a:pPr>
+            <a:br>
+              <a:rPr lang="en-US" sz="1600" dirty="0"/>
+            </a:br>
+            <a:r>
+              <a:rPr lang="en-US" sz="2200" b="1" u="sng" dirty="0">
+                <a:solidFill>
+                  <a:srgbClr val="000000"/>
+                </a:solidFill>
+                <a:latin typeface="inter-regular"/>
+              </a:rPr>
+              <a:t>Usage</a:t>
+            </a:r>
+            <a:r>
+              <a:rPr lang="en-US" sz="2200" b="1" dirty="0">
+                <a:solidFill>
+                  <a:srgbClr val="000000"/>
+                </a:solidFill>
+                <a:latin typeface="inter-regular"/>
+              </a:rPr>
+              <a:t>:-</a:t>
+            </a:r>
+          </a:p>
+          <a:p>
+            <a:pPr algn="just">
+              <a:buFont typeface="Arial" panose="020B0604020202020204" pitchFamily="34" charset="0"/>
+              <a:buChar char="•"/>
+            </a:pPr>
+            <a:r>
+              <a:rPr lang="en-US" sz="2200" b="0" i="0" dirty="0">
+                <a:solidFill>
+                  <a:srgbClr val="000000"/>
+                </a:solidFill>
+                <a:effectLst/>
+                <a:latin typeface="inter-regular"/>
+              </a:rPr>
+              <a:t>When you need parameterize objects according to an action perform.</a:t>
+            </a:r>
+          </a:p>
+          <a:p>
+            <a:pPr algn="just">
+              <a:buFont typeface="Arial" panose="020B0604020202020204" pitchFamily="34" charset="0"/>
+              <a:buChar char="•"/>
+            </a:pPr>
+            <a:r>
+              <a:rPr lang="en-US" sz="2200" b="0" i="0" dirty="0">
+                <a:solidFill>
+                  <a:srgbClr val="000000"/>
+                </a:solidFill>
+                <a:effectLst/>
+                <a:latin typeface="inter-regular"/>
+              </a:rPr>
+              <a:t>When you need to create and execute requests at different times.</a:t>
+            </a:r>
+          </a:p>
+          <a:p>
+            <a:pPr algn="just">
+              <a:buFont typeface="Arial" panose="020B0604020202020204" pitchFamily="34" charset="0"/>
+              <a:buChar char="•"/>
+            </a:pPr>
+            <a:r>
+              <a:rPr lang="en-US" sz="2200" b="0" i="0" dirty="0">
+                <a:solidFill>
+                  <a:srgbClr val="000000"/>
+                </a:solidFill>
+                <a:effectLst/>
+                <a:latin typeface="inter-regular"/>
+              </a:rPr>
+              <a:t>When you need to support rollback, logging or transaction functionality.</a:t>
+            </a:r>
+          </a:p>
+          <a:p>
+            <a:pPr marL="0" indent="0" algn="just">
+              <a:buFont typeface="Arial" panose="020B0604020202020204" pitchFamily="34" charset="0"/>
+              <a:buNone/>
+            </a:pPr>
+            <a:r>
+              <a:rPr lang="en-US" sz="2200" b="1" u="sng" dirty="0">
+                <a:solidFill>
+                  <a:schemeClr val="tx1">
+                    <a:lumMod val="95000"/>
+                    <a:lumOff val="5000"/>
+                  </a:schemeClr>
+                </a:solidFill>
+                <a:latin typeface="Google Sans"/>
+              </a:rPr>
+              <a:t>Real-Time Example</a:t>
+            </a:r>
+            <a:r>
+              <a:rPr lang="en-US" sz="2200" dirty="0">
+                <a:solidFill>
+                  <a:schemeClr val="tx1">
+                    <a:lumMod val="95000"/>
+                    <a:lumOff val="5000"/>
+                  </a:schemeClr>
+                </a:solidFill>
+                <a:latin typeface="Google Sans"/>
+              </a:rPr>
+              <a:t>:-</a:t>
+            </a:r>
+          </a:p>
+          <a:p>
+            <a:r>
+              <a:rPr lang="en-US" sz="2200" b="0" i="0" dirty="0">
+                <a:solidFill>
+                  <a:schemeClr val="tx1">
+                    <a:lumMod val="95000"/>
+                    <a:lumOff val="5000"/>
+                  </a:schemeClr>
+                </a:solidFill>
+                <a:effectLst/>
+                <a:latin typeface="Google Sans"/>
+              </a:rPr>
+              <a:t>Opening </a:t>
+            </a:r>
+            <a:r>
+              <a:rPr lang="en-US" sz="2200" b="0" i="0">
+                <a:solidFill>
+                  <a:schemeClr val="tx1">
+                    <a:lumMod val="95000"/>
+                    <a:lumOff val="5000"/>
+                  </a:schemeClr>
+                </a:solidFill>
+                <a:effectLst/>
+                <a:latin typeface="Google Sans"/>
+              </a:rPr>
+              <a:t>and closing a file.</a:t>
+            </a:r>
+            <a:endParaRPr lang="en-IN" sz="2200" dirty="0">
+              <a:solidFill>
+                <a:schemeClr val="tx1">
+                  <a:lumMod val="95000"/>
+                  <a:lumOff val="5000"/>
+                </a:schemeClr>
+              </a:solidFill>
+            </a:endParaRPr>
+          </a:p>
+        </p:txBody>
+      </p:sp>
+    </p:spTree>
+    <p:extLst>
+      <p:ext uri="{BB962C8B-B14F-4D97-AF65-F5344CB8AC3E}">
+        <p14:creationId xmlns:p14="http://schemas.microsoft.com/office/powerpoint/2010/main" val="3248968357"/>
       </p:ext>
     </p:extLst>
   </p:cSld>

--- a/DesignPatterns.pptx
+++ b/DesignPatterns.pptx
@@ -25,6 +25,7 @@
     <p:sldId id="274" r:id="rId19"/>
     <p:sldId id="275" r:id="rId20"/>
     <p:sldId id="276" r:id="rId21"/>
+    <p:sldId id="277" r:id="rId22"/>
   </p:sldIdLst>
   <p:sldSz cx="12192000" cy="6858000"/>
   <p:notesSz cx="6858000" cy="9144000"/>
@@ -134,7 +135,7 @@
 <file path=ppt/revisionInfo.xml><?xml version="1.0" encoding="utf-8"?>
 <p1510:revInfo xmlns:a="http://schemas.openxmlformats.org/drawingml/2006/main" xmlns:r="http://schemas.openxmlformats.org/officeDocument/2006/relationships" xmlns:p1510="http://schemas.microsoft.com/office/powerpoint/2015/10/main">
   <p1510:revLst>
-    <p1510:client id="{2B8E2204-9F68-4922-875F-CECA66539EED}" v="17" dt="2023-09-12T12:55:40.564"/>
+    <p1510:client id="{2B8E2204-9F68-4922-875F-CECA66539EED}" v="18" dt="2023-09-12T15:38:43.606"/>
   </p1510:revLst>
 </p1510:revInfo>
 </file>
@@ -463,7 +464,7 @@
   <pc:docChgLst>
     <pc:chgData name="Manaswini Ray" userId="451f23f8-43b4-4daa-9511-0c9fb98bad1c" providerId="ADAL" clId="{2B8E2204-9F68-4922-875F-CECA66539EED}"/>
     <pc:docChg chg="undo custSel addSld delSld modSld sldOrd">
-      <pc:chgData name="Manaswini Ray" userId="451f23f8-43b4-4daa-9511-0c9fb98bad1c" providerId="ADAL" clId="{2B8E2204-9F68-4922-875F-CECA66539EED}" dt="2023-09-12T12:58:08.248" v="498" actId="20577"/>
+      <pc:chgData name="Manaswini Ray" userId="451f23f8-43b4-4daa-9511-0c9fb98bad1c" providerId="ADAL" clId="{2B8E2204-9F68-4922-875F-CECA66539EED}" dt="2023-09-12T15:40:05.314" v="563" actId="20577"/>
       <pc:docMkLst>
         <pc:docMk/>
       </pc:docMkLst>
@@ -701,6 +702,29 @@
             <pc:docMk/>
             <pc:sldMk cId="3248968357" sldId="276"/>
             <ac:spMk id="3" creationId="{CBE139B2-E54A-CAE9-FC23-8021BF6C7F45}"/>
+          </ac:spMkLst>
+        </pc:spChg>
+      </pc:sldChg>
+      <pc:sldChg chg="addSp modSp new mod">
+        <pc:chgData name="Manaswini Ray" userId="451f23f8-43b4-4daa-9511-0c9fb98bad1c" providerId="ADAL" clId="{2B8E2204-9F68-4922-875F-CECA66539EED}" dt="2023-09-12T15:40:05.314" v="563" actId="20577"/>
+        <pc:sldMkLst>
+          <pc:docMk/>
+          <pc:sldMk cId="2762770838" sldId="277"/>
+        </pc:sldMkLst>
+        <pc:spChg chg="add mod">
+          <ac:chgData name="Manaswini Ray" userId="451f23f8-43b4-4daa-9511-0c9fb98bad1c" providerId="ADAL" clId="{2B8E2204-9F68-4922-875F-CECA66539EED}" dt="2023-09-12T15:38:47.121" v="508" actId="20577"/>
+          <ac:spMkLst>
+            <pc:docMk/>
+            <pc:sldMk cId="2762770838" sldId="277"/>
+            <ac:spMk id="2" creationId="{66AC841E-33F4-A248-8861-D73077D39F4A}"/>
+          </ac:spMkLst>
+        </pc:spChg>
+        <pc:spChg chg="add mod">
+          <ac:chgData name="Manaswini Ray" userId="451f23f8-43b4-4daa-9511-0c9fb98bad1c" providerId="ADAL" clId="{2B8E2204-9F68-4922-875F-CECA66539EED}" dt="2023-09-12T15:40:05.314" v="563" actId="20577"/>
+          <ac:spMkLst>
+            <pc:docMk/>
+            <pc:sldMk cId="2762770838" sldId="277"/>
+            <ac:spMk id="3" creationId="{B4A6DD9B-9D06-DFC3-E961-F9455E83B155}"/>
           </ac:spMkLst>
         </pc:spChg>
       </pc:sldChg>
@@ -9260,6 +9284,547 @@
     <p:extLst>
       <p:ext uri="{BB962C8B-B14F-4D97-AF65-F5344CB8AC3E}">
         <p14:creationId xmlns:p14="http://schemas.microsoft.com/office/powerpoint/2010/main" val="3248968357"/>
+      </p:ext>
+    </p:extLst>
+  </p:cSld>
+  <p:clrMapOvr>
+    <a:masterClrMapping/>
+  </p:clrMapOvr>
+</p:sld>
+</file>
+
+<file path=ppt/slides/slide21.xml><?xml version="1.0" encoding="utf-8"?>
+<p:sld xmlns:a="http://schemas.openxmlformats.org/drawingml/2006/main" xmlns:r="http://schemas.openxmlformats.org/officeDocument/2006/relationships" xmlns:p="http://schemas.openxmlformats.org/presentationml/2006/main">
+  <p:cSld>
+    <p:spTree>
+      <p:nvGrpSpPr>
+        <p:cNvPr id="1" name=""/>
+        <p:cNvGrpSpPr/>
+        <p:nvPr/>
+      </p:nvGrpSpPr>
+      <p:grpSpPr>
+        <a:xfrm>
+          <a:off x="0" y="0"/>
+          <a:ext cx="0" cy="0"/>
+          <a:chOff x="0" y="0"/>
+          <a:chExt cx="0" cy="0"/>
+        </a:xfrm>
+      </p:grpSpPr>
+      <p:sp>
+        <p:nvSpPr>
+          <p:cNvPr id="2" name="Title 1">
+            <a:extLst>
+              <a:ext uri="{FF2B5EF4-FFF2-40B4-BE49-F238E27FC236}">
+                <a16:creationId xmlns:a16="http://schemas.microsoft.com/office/drawing/2014/main" id="{66AC841E-33F4-A248-8861-D73077D39F4A}"/>
+              </a:ext>
+            </a:extLst>
+          </p:cNvPr>
+          <p:cNvSpPr txBox="1">
+            <a:spLocks/>
+          </p:cNvSpPr>
+          <p:nvPr/>
+        </p:nvSpPr>
+        <p:spPr>
+          <a:xfrm>
+            <a:off x="496957" y="417445"/>
+            <a:ext cx="10515600" cy="1325563"/>
+          </a:xfrm>
+          <a:prstGeom prst="rect">
+            <a:avLst/>
+          </a:prstGeom>
+        </p:spPr>
+        <p:txBody>
+          <a:bodyPr/>
+          <a:lstStyle>
+            <a:lvl1pPr algn="l" defTabSz="914400" rtl="0" eaLnBrk="1" latinLnBrk="0" hangingPunct="1">
+              <a:lnSpc>
+                <a:spcPct val="90000"/>
+              </a:lnSpc>
+              <a:spcBef>
+                <a:spcPct val="0"/>
+              </a:spcBef>
+              <a:buNone/>
+              <a:defRPr sz="4400" kern="1200">
+                <a:solidFill>
+                  <a:schemeClr val="tx1"/>
+                </a:solidFill>
+                <a:latin typeface="+mj-lt"/>
+                <a:ea typeface="+mj-ea"/>
+                <a:cs typeface="+mj-cs"/>
+              </a:defRPr>
+            </a:lvl1pPr>
+          </a:lstStyle>
+          <a:p>
+            <a:r>
+              <a:rPr lang="en-US" b="1" u="sng" dirty="0"/>
+              <a:t>Observer Design Pattern</a:t>
+            </a:r>
+            <a:endParaRPr lang="en-IN" b="1" u="sng" dirty="0"/>
+          </a:p>
+        </p:txBody>
+      </p:sp>
+      <p:sp>
+        <p:nvSpPr>
+          <p:cNvPr id="3" name="Content Placeholder 2">
+            <a:extLst>
+              <a:ext uri="{FF2B5EF4-FFF2-40B4-BE49-F238E27FC236}">
+                <a16:creationId xmlns:a16="http://schemas.microsoft.com/office/drawing/2014/main" id="{B4A6DD9B-9D06-DFC3-E961-F9455E83B155}"/>
+              </a:ext>
+            </a:extLst>
+          </p:cNvPr>
+          <p:cNvSpPr txBox="1">
+            <a:spLocks/>
+          </p:cNvSpPr>
+          <p:nvPr/>
+        </p:nvSpPr>
+        <p:spPr>
+          <a:xfrm>
+            <a:off x="455543" y="1073427"/>
+            <a:ext cx="11280913" cy="5367128"/>
+          </a:xfrm>
+          <a:prstGeom prst="rect">
+            <a:avLst/>
+          </a:prstGeom>
+        </p:spPr>
+        <p:txBody>
+          <a:bodyPr>
+            <a:normAutofit/>
+          </a:bodyPr>
+          <a:lstStyle>
+            <a:lvl1pPr marL="228600" indent="-228600" algn="l" defTabSz="914400" rtl="0" eaLnBrk="1" latinLnBrk="0" hangingPunct="1">
+              <a:lnSpc>
+                <a:spcPct val="90000"/>
+              </a:lnSpc>
+              <a:spcBef>
+                <a:spcPts val="1000"/>
+              </a:spcBef>
+              <a:buFont typeface="Arial" panose="020B0604020202020204" pitchFamily="34" charset="0"/>
+              <a:buChar char="•"/>
+              <a:defRPr sz="2800" kern="1200">
+                <a:solidFill>
+                  <a:schemeClr val="tx1"/>
+                </a:solidFill>
+                <a:latin typeface="+mn-lt"/>
+                <a:ea typeface="+mn-ea"/>
+                <a:cs typeface="+mn-cs"/>
+              </a:defRPr>
+            </a:lvl1pPr>
+            <a:lvl2pPr marL="685800" indent="-228600" algn="l" defTabSz="914400" rtl="0" eaLnBrk="1" latinLnBrk="0" hangingPunct="1">
+              <a:lnSpc>
+                <a:spcPct val="90000"/>
+              </a:lnSpc>
+              <a:spcBef>
+                <a:spcPts val="500"/>
+              </a:spcBef>
+              <a:buFont typeface="Arial" panose="020B0604020202020204" pitchFamily="34" charset="0"/>
+              <a:buChar char="•"/>
+              <a:defRPr sz="2400" kern="1200">
+                <a:solidFill>
+                  <a:schemeClr val="tx1"/>
+                </a:solidFill>
+                <a:latin typeface="+mn-lt"/>
+                <a:ea typeface="+mn-ea"/>
+                <a:cs typeface="+mn-cs"/>
+              </a:defRPr>
+            </a:lvl2pPr>
+            <a:lvl3pPr marL="1143000" indent="-228600" algn="l" defTabSz="914400" rtl="0" eaLnBrk="1" latinLnBrk="0" hangingPunct="1">
+              <a:lnSpc>
+                <a:spcPct val="90000"/>
+              </a:lnSpc>
+              <a:spcBef>
+                <a:spcPts val="500"/>
+              </a:spcBef>
+              <a:buFont typeface="Arial" panose="020B0604020202020204" pitchFamily="34" charset="0"/>
+              <a:buChar char="•"/>
+              <a:defRPr sz="2000" kern="1200">
+                <a:solidFill>
+                  <a:schemeClr val="tx1"/>
+                </a:solidFill>
+                <a:latin typeface="+mn-lt"/>
+                <a:ea typeface="+mn-ea"/>
+                <a:cs typeface="+mn-cs"/>
+              </a:defRPr>
+            </a:lvl3pPr>
+            <a:lvl4pPr marL="1600200" indent="-228600" algn="l" defTabSz="914400" rtl="0" eaLnBrk="1" latinLnBrk="0" hangingPunct="1">
+              <a:lnSpc>
+                <a:spcPct val="90000"/>
+              </a:lnSpc>
+              <a:spcBef>
+                <a:spcPts val="500"/>
+              </a:spcBef>
+              <a:buFont typeface="Arial" panose="020B0604020202020204" pitchFamily="34" charset="0"/>
+              <a:buChar char="•"/>
+              <a:defRPr sz="1800" kern="1200">
+                <a:solidFill>
+                  <a:schemeClr val="tx1"/>
+                </a:solidFill>
+                <a:latin typeface="+mn-lt"/>
+                <a:ea typeface="+mn-ea"/>
+                <a:cs typeface="+mn-cs"/>
+              </a:defRPr>
+            </a:lvl4pPr>
+            <a:lvl5pPr marL="2057400" indent="-228600" algn="l" defTabSz="914400" rtl="0" eaLnBrk="1" latinLnBrk="0" hangingPunct="1">
+              <a:lnSpc>
+                <a:spcPct val="90000"/>
+              </a:lnSpc>
+              <a:spcBef>
+                <a:spcPts val="500"/>
+              </a:spcBef>
+              <a:buFont typeface="Arial" panose="020B0604020202020204" pitchFamily="34" charset="0"/>
+              <a:buChar char="•"/>
+              <a:defRPr sz="1800" kern="1200">
+                <a:solidFill>
+                  <a:schemeClr val="tx1"/>
+                </a:solidFill>
+                <a:latin typeface="+mn-lt"/>
+                <a:ea typeface="+mn-ea"/>
+                <a:cs typeface="+mn-cs"/>
+              </a:defRPr>
+            </a:lvl5pPr>
+            <a:lvl6pPr marL="2514600" indent="-228600" algn="l" defTabSz="914400" rtl="0" eaLnBrk="1" latinLnBrk="0" hangingPunct="1">
+              <a:lnSpc>
+                <a:spcPct val="90000"/>
+              </a:lnSpc>
+              <a:spcBef>
+                <a:spcPts val="500"/>
+              </a:spcBef>
+              <a:buFont typeface="Arial" panose="020B0604020202020204" pitchFamily="34" charset="0"/>
+              <a:buChar char="•"/>
+              <a:defRPr sz="1800" kern="1200">
+                <a:solidFill>
+                  <a:schemeClr val="tx1"/>
+                </a:solidFill>
+                <a:latin typeface="+mn-lt"/>
+                <a:ea typeface="+mn-ea"/>
+                <a:cs typeface="+mn-cs"/>
+              </a:defRPr>
+            </a:lvl6pPr>
+            <a:lvl7pPr marL="2971800" indent="-228600" algn="l" defTabSz="914400" rtl="0" eaLnBrk="1" latinLnBrk="0" hangingPunct="1">
+              <a:lnSpc>
+                <a:spcPct val="90000"/>
+              </a:lnSpc>
+              <a:spcBef>
+                <a:spcPts val="500"/>
+              </a:spcBef>
+              <a:buFont typeface="Arial" panose="020B0604020202020204" pitchFamily="34" charset="0"/>
+              <a:buChar char="•"/>
+              <a:defRPr sz="1800" kern="1200">
+                <a:solidFill>
+                  <a:schemeClr val="tx1"/>
+                </a:solidFill>
+                <a:latin typeface="+mn-lt"/>
+                <a:ea typeface="+mn-ea"/>
+                <a:cs typeface="+mn-cs"/>
+              </a:defRPr>
+            </a:lvl7pPr>
+            <a:lvl8pPr marL="3429000" indent="-228600" algn="l" defTabSz="914400" rtl="0" eaLnBrk="1" latinLnBrk="0" hangingPunct="1">
+              <a:lnSpc>
+                <a:spcPct val="90000"/>
+              </a:lnSpc>
+              <a:spcBef>
+                <a:spcPts val="500"/>
+              </a:spcBef>
+              <a:buFont typeface="Arial" panose="020B0604020202020204" pitchFamily="34" charset="0"/>
+              <a:buChar char="•"/>
+              <a:defRPr sz="1800" kern="1200">
+                <a:solidFill>
+                  <a:schemeClr val="tx1"/>
+                </a:solidFill>
+                <a:latin typeface="+mn-lt"/>
+                <a:ea typeface="+mn-ea"/>
+                <a:cs typeface="+mn-cs"/>
+              </a:defRPr>
+            </a:lvl8pPr>
+            <a:lvl9pPr marL="3886200" indent="-228600" algn="l" defTabSz="914400" rtl="0" eaLnBrk="1" latinLnBrk="0" hangingPunct="1">
+              <a:lnSpc>
+                <a:spcPct val="90000"/>
+              </a:lnSpc>
+              <a:spcBef>
+                <a:spcPts val="500"/>
+              </a:spcBef>
+              <a:buFont typeface="Arial" panose="020B0604020202020204" pitchFamily="34" charset="0"/>
+              <a:buChar char="•"/>
+              <a:defRPr sz="1800" kern="1200">
+                <a:solidFill>
+                  <a:schemeClr val="tx1"/>
+                </a:solidFill>
+                <a:latin typeface="+mn-lt"/>
+                <a:ea typeface="+mn-ea"/>
+                <a:cs typeface="+mn-cs"/>
+              </a:defRPr>
+            </a:lvl9pPr>
+          </a:lstStyle>
+          <a:p>
+            <a:endParaRPr lang="en-US" sz="1600" b="0" i="0" dirty="0">
+              <a:solidFill>
+                <a:srgbClr val="333333"/>
+              </a:solidFill>
+              <a:effectLst/>
+              <a:latin typeface="inter-regular"/>
+            </a:endParaRPr>
+          </a:p>
+          <a:p>
+            <a:r>
+              <a:rPr lang="en-US" sz="2400" dirty="0">
+                <a:solidFill>
+                  <a:srgbClr val="333333"/>
+                </a:solidFill>
+                <a:latin typeface="inter-regular"/>
+              </a:rPr>
+              <a:t>In this</a:t>
+            </a:r>
+            <a:r>
+              <a:rPr lang="en-US" sz="2400" b="1" i="0" dirty="0">
+                <a:solidFill>
+                  <a:srgbClr val="333333"/>
+                </a:solidFill>
+                <a:effectLst/>
+                <a:latin typeface="inter-bold"/>
+              </a:rPr>
+              <a:t> </a:t>
+            </a:r>
+            <a:r>
+              <a:rPr lang="en-US" sz="2200" b="1" i="0" dirty="0">
+                <a:solidFill>
+                  <a:schemeClr val="tx1">
+                    <a:lumMod val="95000"/>
+                    <a:lumOff val="5000"/>
+                  </a:schemeClr>
+                </a:solidFill>
+                <a:effectLst/>
+                <a:latin typeface="inter-regular"/>
+              </a:rPr>
+              <a:t>"</a:t>
+            </a:r>
+            <a:r>
+              <a:rPr lang="en-US" sz="2200" b="1" i="0" dirty="0">
+                <a:solidFill>
+                  <a:srgbClr val="333333"/>
+                </a:solidFill>
+                <a:effectLst/>
+                <a:latin typeface="inter-regular"/>
+              </a:rPr>
+              <a:t>just define a one-to-one dependency so that when one object changes state, all its dependents are notified and updated automatically</a:t>
+            </a:r>
+            <a:r>
+              <a:rPr lang="en-US" sz="2200" b="1" i="0" dirty="0">
+                <a:solidFill>
+                  <a:schemeClr val="tx1">
+                    <a:lumMod val="95000"/>
+                    <a:lumOff val="5000"/>
+                  </a:schemeClr>
+                </a:solidFill>
+                <a:effectLst/>
+                <a:latin typeface="inter-regular"/>
+              </a:rPr>
+              <a:t>".</a:t>
+            </a:r>
+          </a:p>
+          <a:p>
+            <a:pPr marL="0" indent="0">
+              <a:buNone/>
+            </a:pPr>
+            <a:r>
+              <a:rPr lang="en-US" sz="2200" b="1" u="sng" dirty="0">
+                <a:solidFill>
+                  <a:srgbClr val="333333"/>
+                </a:solidFill>
+                <a:latin typeface="inter-regular"/>
+              </a:rPr>
+              <a:t>Advantages</a:t>
+            </a:r>
+            <a:r>
+              <a:rPr lang="en-US" sz="2200" b="1" dirty="0">
+                <a:solidFill>
+                  <a:srgbClr val="333333"/>
+                </a:solidFill>
+                <a:latin typeface="inter-regular"/>
+              </a:rPr>
+              <a:t>:-</a:t>
+            </a:r>
+          </a:p>
+          <a:p>
+            <a:pPr algn="just">
+              <a:buFont typeface="Arial" panose="020B0604020202020204" pitchFamily="34" charset="0"/>
+              <a:buChar char="•"/>
+            </a:pPr>
+            <a:r>
+              <a:rPr lang="en-US" sz="2200" b="0" i="0" dirty="0">
+                <a:solidFill>
+                  <a:srgbClr val="000000"/>
+                </a:solidFill>
+                <a:effectLst/>
+                <a:latin typeface="inter-regular"/>
+              </a:rPr>
+              <a:t>It describes the coupling between the objects and the observer.</a:t>
+            </a:r>
+          </a:p>
+          <a:p>
+            <a:pPr algn="just">
+              <a:buFont typeface="Arial" panose="020B0604020202020204" pitchFamily="34" charset="0"/>
+              <a:buChar char="•"/>
+            </a:pPr>
+            <a:r>
+              <a:rPr lang="en-US" sz="2200" b="0" i="0" dirty="0">
+                <a:solidFill>
+                  <a:srgbClr val="000000"/>
+                </a:solidFill>
+                <a:effectLst/>
+                <a:latin typeface="inter-regular"/>
+              </a:rPr>
+              <a:t>It provides the support for broadcast-type communication.</a:t>
+            </a:r>
+          </a:p>
+          <a:p>
+            <a:pPr marL="0" indent="0">
+              <a:buNone/>
+            </a:pPr>
+            <a:br>
+              <a:rPr lang="en-US" sz="1600" dirty="0"/>
+            </a:br>
+            <a:r>
+              <a:rPr lang="en-US" sz="2200" b="1" u="sng" dirty="0">
+                <a:solidFill>
+                  <a:srgbClr val="000000"/>
+                </a:solidFill>
+                <a:latin typeface="inter-regular"/>
+              </a:rPr>
+              <a:t>Usage</a:t>
+            </a:r>
+            <a:r>
+              <a:rPr lang="en-US" sz="2200" b="1" dirty="0">
+                <a:solidFill>
+                  <a:srgbClr val="000000"/>
+                </a:solidFill>
+                <a:latin typeface="inter-regular"/>
+              </a:rPr>
+              <a:t>:-</a:t>
+            </a:r>
+          </a:p>
+          <a:p>
+            <a:pPr algn="just">
+              <a:buFont typeface="Arial" panose="020B0604020202020204" pitchFamily="34" charset="0"/>
+              <a:buChar char="•"/>
+            </a:pPr>
+            <a:r>
+              <a:rPr lang="en-US" sz="2200" b="0" i="0" dirty="0">
+                <a:solidFill>
+                  <a:srgbClr val="000000"/>
+                </a:solidFill>
+                <a:effectLst/>
+                <a:latin typeface="inter-regular"/>
+              </a:rPr>
+              <a:t>When the change of a state in one object must be reflected in another object without keeping the objects tight coupled.</a:t>
+            </a:r>
+          </a:p>
+          <a:p>
+            <a:pPr algn="just">
+              <a:buFont typeface="Arial" panose="020B0604020202020204" pitchFamily="34" charset="0"/>
+              <a:buChar char="•"/>
+            </a:pPr>
+            <a:r>
+              <a:rPr lang="en-US" sz="2200" b="0" i="0" dirty="0">
+                <a:solidFill>
+                  <a:srgbClr val="000000"/>
+                </a:solidFill>
+                <a:effectLst/>
+                <a:latin typeface="inter-regular"/>
+              </a:rPr>
+              <a:t>When the framework we writes and needs to be enhanced in future with new observers with minimal </a:t>
+            </a:r>
+            <a:r>
+              <a:rPr lang="en-US" sz="2200" b="0" i="0" dirty="0" err="1">
+                <a:solidFill>
+                  <a:srgbClr val="000000"/>
+                </a:solidFill>
+                <a:effectLst/>
+                <a:latin typeface="inter-regular"/>
+              </a:rPr>
+              <a:t>chamges</a:t>
+            </a:r>
+            <a:r>
+              <a:rPr lang="en-US" sz="2200" b="0" i="0" dirty="0">
+                <a:solidFill>
+                  <a:srgbClr val="000000"/>
+                </a:solidFill>
+                <a:effectLst/>
+                <a:latin typeface="inter-regular"/>
+              </a:rPr>
+              <a:t>.</a:t>
+            </a:r>
+          </a:p>
+          <a:p>
+            <a:pPr marL="0" indent="0" algn="just">
+              <a:buFont typeface="Arial" panose="020B0604020202020204" pitchFamily="34" charset="0"/>
+              <a:buNone/>
+            </a:pPr>
+            <a:r>
+              <a:rPr lang="en-US" sz="2200" b="1" u="sng" dirty="0">
+                <a:solidFill>
+                  <a:schemeClr val="tx1">
+                    <a:lumMod val="95000"/>
+                    <a:lumOff val="5000"/>
+                  </a:schemeClr>
+                </a:solidFill>
+                <a:latin typeface="Google Sans"/>
+              </a:rPr>
+              <a:t>Real-Time Example</a:t>
+            </a:r>
+            <a:r>
+              <a:rPr lang="en-US" sz="2200" dirty="0">
+                <a:solidFill>
+                  <a:schemeClr val="tx1">
+                    <a:lumMod val="95000"/>
+                    <a:lumOff val="5000"/>
+                  </a:schemeClr>
+                </a:solidFill>
+                <a:latin typeface="Google Sans"/>
+              </a:rPr>
+              <a:t>:-</a:t>
+            </a:r>
+          </a:p>
+          <a:p>
+            <a:r>
+              <a:rPr lang="en-US" sz="2200" b="0" i="0" dirty="0">
+                <a:solidFill>
+                  <a:schemeClr val="tx1">
+                    <a:lumMod val="95000"/>
+                    <a:lumOff val="5000"/>
+                  </a:schemeClr>
+                </a:solidFill>
+                <a:effectLst/>
+                <a:latin typeface="Google Sans"/>
+              </a:rPr>
+              <a:t>Sending Notifications to </a:t>
+            </a:r>
+            <a:r>
+              <a:rPr lang="en-US" sz="2200" b="0" i="0">
+                <a:solidFill>
+                  <a:schemeClr val="tx1">
+                    <a:lumMod val="95000"/>
+                    <a:lumOff val="5000"/>
+                  </a:schemeClr>
+                </a:solidFill>
+                <a:effectLst/>
+                <a:latin typeface="Google Sans"/>
+              </a:rPr>
+              <a:t>all employees.</a:t>
+            </a:r>
+            <a:endParaRPr lang="en-IN" sz="2200" dirty="0">
+              <a:solidFill>
+                <a:schemeClr val="tx1">
+                  <a:lumMod val="95000"/>
+                  <a:lumOff val="5000"/>
+                </a:schemeClr>
+              </a:solidFill>
+            </a:endParaRPr>
+          </a:p>
+        </p:txBody>
+      </p:sp>
+    </p:spTree>
+    <p:extLst>
+      <p:ext uri="{BB962C8B-B14F-4D97-AF65-F5344CB8AC3E}">
+        <p14:creationId xmlns:p14="http://schemas.microsoft.com/office/powerpoint/2010/main" val="2762770838"/>
       </p:ext>
     </p:extLst>
   </p:cSld>

--- a/DesignPatterns.pptx
+++ b/DesignPatterns.pptx
@@ -26,6 +26,8 @@
     <p:sldId id="275" r:id="rId20"/>
     <p:sldId id="276" r:id="rId21"/>
     <p:sldId id="277" r:id="rId22"/>
+    <p:sldId id="278" r:id="rId23"/>
+    <p:sldId id="279" r:id="rId24"/>
   </p:sldIdLst>
   <p:sldSz cx="12192000" cy="6858000"/>
   <p:notesSz cx="6858000" cy="9144000"/>
@@ -135,7 +137,7 @@
 <file path=ppt/revisionInfo.xml><?xml version="1.0" encoding="utf-8"?>
 <p1510:revInfo xmlns:a="http://schemas.openxmlformats.org/drawingml/2006/main" xmlns:r="http://schemas.openxmlformats.org/officeDocument/2006/relationships" xmlns:p1510="http://schemas.microsoft.com/office/powerpoint/2015/10/main">
   <p1510:revLst>
-    <p1510:client id="{2B8E2204-9F68-4922-875F-CECA66539EED}" v="18" dt="2023-09-12T15:38:43.606"/>
+    <p1510:client id="{2B8E2204-9F68-4922-875F-CECA66539EED}" v="20" dt="2023-09-14T08:38:31.760"/>
   </p1510:revLst>
 </p1510:revInfo>
 </file>
@@ -464,7 +466,7 @@
   <pc:docChgLst>
     <pc:chgData name="Manaswini Ray" userId="451f23f8-43b4-4daa-9511-0c9fb98bad1c" providerId="ADAL" clId="{2B8E2204-9F68-4922-875F-CECA66539EED}"/>
     <pc:docChg chg="undo custSel addSld delSld modSld sldOrd">
-      <pc:chgData name="Manaswini Ray" userId="451f23f8-43b4-4daa-9511-0c9fb98bad1c" providerId="ADAL" clId="{2B8E2204-9F68-4922-875F-CECA66539EED}" dt="2023-09-12T15:40:05.314" v="563" actId="20577"/>
+      <pc:chgData name="Manaswini Ray" userId="451f23f8-43b4-4daa-9511-0c9fb98bad1c" providerId="ADAL" clId="{2B8E2204-9F68-4922-875F-CECA66539EED}" dt="2023-09-14T08:43:47.675" v="639" actId="20577"/>
       <pc:docMkLst>
         <pc:docMk/>
       </pc:docMkLst>
@@ -660,13 +662,13 @@
         </pc:spChg>
       </pc:sldChg>
       <pc:sldChg chg="addSp modSp new mod">
-        <pc:chgData name="Manaswini Ray" userId="451f23f8-43b4-4daa-9511-0c9fb98bad1c" providerId="ADAL" clId="{2B8E2204-9F68-4922-875F-CECA66539EED}" dt="2023-09-12T12:55:27.312" v="451" actId="20577"/>
+        <pc:chgData name="Manaswini Ray" userId="451f23f8-43b4-4daa-9511-0c9fb98bad1c" providerId="ADAL" clId="{2B8E2204-9F68-4922-875F-CECA66539EED}" dt="2023-09-14T08:38:25.342" v="584" actId="20577"/>
         <pc:sldMkLst>
           <pc:docMk/>
           <pc:sldMk cId="3144306577" sldId="275"/>
         </pc:sldMkLst>
         <pc:spChg chg="add mod">
-          <ac:chgData name="Manaswini Ray" userId="451f23f8-43b4-4daa-9511-0c9fb98bad1c" providerId="ADAL" clId="{2B8E2204-9F68-4922-875F-CECA66539EED}" dt="2023-09-12T12:50:33.389" v="353" actId="20577"/>
+          <ac:chgData name="Manaswini Ray" userId="451f23f8-43b4-4daa-9511-0c9fb98bad1c" providerId="ADAL" clId="{2B8E2204-9F68-4922-875F-CECA66539EED}" dt="2023-09-14T08:38:25.342" v="584" actId="20577"/>
           <ac:spMkLst>
             <pc:docMk/>
             <pc:sldMk cId="3144306577" sldId="275"/>
@@ -725,6 +727,52 @@
             <pc:docMk/>
             <pc:sldMk cId="2762770838" sldId="277"/>
             <ac:spMk id="3" creationId="{B4A6DD9B-9D06-DFC3-E961-F9455E83B155}"/>
+          </ac:spMkLst>
+        </pc:spChg>
+      </pc:sldChg>
+      <pc:sldChg chg="addSp modSp new mod">
+        <pc:chgData name="Manaswini Ray" userId="451f23f8-43b4-4daa-9511-0c9fb98bad1c" providerId="ADAL" clId="{2B8E2204-9F68-4922-875F-CECA66539EED}" dt="2023-09-14T08:43:47.675" v="639" actId="20577"/>
+        <pc:sldMkLst>
+          <pc:docMk/>
+          <pc:sldMk cId="93905236" sldId="278"/>
+        </pc:sldMkLst>
+        <pc:spChg chg="add mod">
+          <ac:chgData name="Manaswini Ray" userId="451f23f8-43b4-4daa-9511-0c9fb98bad1c" providerId="ADAL" clId="{2B8E2204-9F68-4922-875F-CECA66539EED}" dt="2023-09-14T08:38:18.152" v="577" actId="20577"/>
+          <ac:spMkLst>
+            <pc:docMk/>
+            <pc:sldMk cId="93905236" sldId="278"/>
+            <ac:spMk id="2" creationId="{E2B98887-7FBF-6941-48A2-28C5796B954D}"/>
+          </ac:spMkLst>
+        </pc:spChg>
+        <pc:spChg chg="add mod">
+          <ac:chgData name="Manaswini Ray" userId="451f23f8-43b4-4daa-9511-0c9fb98bad1c" providerId="ADAL" clId="{2B8E2204-9F68-4922-875F-CECA66539EED}" dt="2023-09-14T08:43:47.675" v="639" actId="20577"/>
+          <ac:spMkLst>
+            <pc:docMk/>
+            <pc:sldMk cId="93905236" sldId="278"/>
+            <ac:spMk id="3" creationId="{B0B9CD60-DD91-5945-1FF7-5CB2B12B43F8}"/>
+          </ac:spMkLst>
+        </pc:spChg>
+      </pc:sldChg>
+      <pc:sldChg chg="addSp modSp new mod">
+        <pc:chgData name="Manaswini Ray" userId="451f23f8-43b4-4daa-9511-0c9fb98bad1c" providerId="ADAL" clId="{2B8E2204-9F68-4922-875F-CECA66539EED}" dt="2023-09-14T08:41:12.507" v="618" actId="1076"/>
+        <pc:sldMkLst>
+          <pc:docMk/>
+          <pc:sldMk cId="4216032966" sldId="279"/>
+        </pc:sldMkLst>
+        <pc:spChg chg="add mod">
+          <ac:chgData name="Manaswini Ray" userId="451f23f8-43b4-4daa-9511-0c9fb98bad1c" providerId="ADAL" clId="{2B8E2204-9F68-4922-875F-CECA66539EED}" dt="2023-09-14T08:41:12.507" v="618" actId="1076"/>
+          <ac:spMkLst>
+            <pc:docMk/>
+            <pc:sldMk cId="4216032966" sldId="279"/>
+            <ac:spMk id="2" creationId="{A5A26202-3528-E44F-3068-6FDCC409D624}"/>
+          </ac:spMkLst>
+        </pc:spChg>
+        <pc:spChg chg="add mod">
+          <ac:chgData name="Manaswini Ray" userId="451f23f8-43b4-4daa-9511-0c9fb98bad1c" providerId="ADAL" clId="{2B8E2204-9F68-4922-875F-CECA66539EED}" dt="2023-09-14T08:41:08.546" v="617" actId="12"/>
+          <ac:spMkLst>
+            <pc:docMk/>
+            <pc:sldMk cId="4216032966" sldId="279"/>
+            <ac:spMk id="3" creationId="{35BEB050-2553-DE6F-B076-AFF72A20197C}"/>
           </ac:spMkLst>
         </pc:spChg>
       </pc:sldChg>
@@ -882,7 +930,7 @@
           <a:p>
             <a:fld id="{A1AA28CD-13E1-4DEA-B553-BCBE77DAC64A}" type="datetimeFigureOut">
               <a:rPr lang="en-IN" smtClean="0"/>
-              <a:t>12-09-2023</a:t>
+              <a:t>14-09-2023</a:t>
             </a:fld>
             <a:endParaRPr lang="en-IN"/>
           </a:p>
@@ -1082,7 +1130,7 @@
           <a:p>
             <a:fld id="{A1AA28CD-13E1-4DEA-B553-BCBE77DAC64A}" type="datetimeFigureOut">
               <a:rPr lang="en-IN" smtClean="0"/>
-              <a:t>12-09-2023</a:t>
+              <a:t>14-09-2023</a:t>
             </a:fld>
             <a:endParaRPr lang="en-IN"/>
           </a:p>
@@ -1292,7 +1340,7 @@
           <a:p>
             <a:fld id="{A1AA28CD-13E1-4DEA-B553-BCBE77DAC64A}" type="datetimeFigureOut">
               <a:rPr lang="en-IN" smtClean="0"/>
-              <a:t>12-09-2023</a:t>
+              <a:t>14-09-2023</a:t>
             </a:fld>
             <a:endParaRPr lang="en-IN"/>
           </a:p>
@@ -1492,7 +1540,7 @@
           <a:p>
             <a:fld id="{A1AA28CD-13E1-4DEA-B553-BCBE77DAC64A}" type="datetimeFigureOut">
               <a:rPr lang="en-IN" smtClean="0"/>
-              <a:t>12-09-2023</a:t>
+              <a:t>14-09-2023</a:t>
             </a:fld>
             <a:endParaRPr lang="en-IN"/>
           </a:p>
@@ -1768,7 +1816,7 @@
           <a:p>
             <a:fld id="{A1AA28CD-13E1-4DEA-B553-BCBE77DAC64A}" type="datetimeFigureOut">
               <a:rPr lang="en-IN" smtClean="0"/>
-              <a:t>12-09-2023</a:t>
+              <a:t>14-09-2023</a:t>
             </a:fld>
             <a:endParaRPr lang="en-IN"/>
           </a:p>
@@ -2036,7 +2084,7 @@
           <a:p>
             <a:fld id="{A1AA28CD-13E1-4DEA-B553-BCBE77DAC64A}" type="datetimeFigureOut">
               <a:rPr lang="en-IN" smtClean="0"/>
-              <a:t>12-09-2023</a:t>
+              <a:t>14-09-2023</a:t>
             </a:fld>
             <a:endParaRPr lang="en-IN"/>
           </a:p>
@@ -2451,7 +2499,7 @@
           <a:p>
             <a:fld id="{A1AA28CD-13E1-4DEA-B553-BCBE77DAC64A}" type="datetimeFigureOut">
               <a:rPr lang="en-IN" smtClean="0"/>
-              <a:t>12-09-2023</a:t>
+              <a:t>14-09-2023</a:t>
             </a:fld>
             <a:endParaRPr lang="en-IN"/>
           </a:p>
@@ -2593,7 +2641,7 @@
           <a:p>
             <a:fld id="{A1AA28CD-13E1-4DEA-B553-BCBE77DAC64A}" type="datetimeFigureOut">
               <a:rPr lang="en-IN" smtClean="0"/>
-              <a:t>12-09-2023</a:t>
+              <a:t>14-09-2023</a:t>
             </a:fld>
             <a:endParaRPr lang="en-IN"/>
           </a:p>
@@ -2706,7 +2754,7 @@
           <a:p>
             <a:fld id="{A1AA28CD-13E1-4DEA-B553-BCBE77DAC64A}" type="datetimeFigureOut">
               <a:rPr lang="en-IN" smtClean="0"/>
-              <a:t>12-09-2023</a:t>
+              <a:t>14-09-2023</a:t>
             </a:fld>
             <a:endParaRPr lang="en-IN"/>
           </a:p>
@@ -3019,7 +3067,7 @@
           <a:p>
             <a:fld id="{A1AA28CD-13E1-4DEA-B553-BCBE77DAC64A}" type="datetimeFigureOut">
               <a:rPr lang="en-IN" smtClean="0"/>
-              <a:t>12-09-2023</a:t>
+              <a:t>14-09-2023</a:t>
             </a:fld>
             <a:endParaRPr lang="en-IN"/>
           </a:p>
@@ -3308,7 +3356,7 @@
           <a:p>
             <a:fld id="{A1AA28CD-13E1-4DEA-B553-BCBE77DAC64A}" type="datetimeFigureOut">
               <a:rPr lang="en-IN" smtClean="0"/>
-              <a:t>12-09-2023</a:t>
+              <a:t>14-09-2023</a:t>
             </a:fld>
             <a:endParaRPr lang="en-IN"/>
           </a:p>
@@ -3551,7 +3599,7 @@
           <a:p>
             <a:fld id="{A1AA28CD-13E1-4DEA-B553-BCBE77DAC64A}" type="datetimeFigureOut">
               <a:rPr lang="en-IN" smtClean="0"/>
-              <a:t>12-09-2023</a:t>
+              <a:t>14-09-2023</a:t>
             </a:fld>
             <a:endParaRPr lang="en-IN"/>
           </a:p>
@@ -8264,7 +8312,7 @@
           <a:p>
             <a:r>
               <a:rPr lang="en-US" b="1" u="sng" dirty="0"/>
-              <a:t>Template Design Pattern</a:t>
+              <a:t>Template Method Design Pattern</a:t>
             </a:r>
             <a:endParaRPr lang="en-IN" b="1" u="sng" dirty="0"/>
           </a:p>
@@ -9825,6 +9873,1056 @@
     <p:extLst>
       <p:ext uri="{BB962C8B-B14F-4D97-AF65-F5344CB8AC3E}">
         <p14:creationId xmlns:p14="http://schemas.microsoft.com/office/powerpoint/2010/main" val="2762770838"/>
+      </p:ext>
+    </p:extLst>
+  </p:cSld>
+  <p:clrMapOvr>
+    <a:masterClrMapping/>
+  </p:clrMapOvr>
+</p:sld>
+</file>
+
+<file path=ppt/slides/slide22.xml><?xml version="1.0" encoding="utf-8"?>
+<p:sld xmlns:a="http://schemas.openxmlformats.org/drawingml/2006/main" xmlns:r="http://schemas.openxmlformats.org/officeDocument/2006/relationships" xmlns:p="http://schemas.openxmlformats.org/presentationml/2006/main">
+  <p:cSld>
+    <p:spTree>
+      <p:nvGrpSpPr>
+        <p:cNvPr id="1" name=""/>
+        <p:cNvGrpSpPr/>
+        <p:nvPr/>
+      </p:nvGrpSpPr>
+      <p:grpSpPr>
+        <a:xfrm>
+          <a:off x="0" y="0"/>
+          <a:ext cx="0" cy="0"/>
+          <a:chOff x="0" y="0"/>
+          <a:chExt cx="0" cy="0"/>
+        </a:xfrm>
+      </p:grpSpPr>
+      <p:sp>
+        <p:nvSpPr>
+          <p:cNvPr id="2" name="Title 1">
+            <a:extLst>
+              <a:ext uri="{FF2B5EF4-FFF2-40B4-BE49-F238E27FC236}">
+                <a16:creationId xmlns:a16="http://schemas.microsoft.com/office/drawing/2014/main" id="{E2B98887-7FBF-6941-48A2-28C5796B954D}"/>
+              </a:ext>
+            </a:extLst>
+          </p:cNvPr>
+          <p:cNvSpPr txBox="1">
+            <a:spLocks/>
+          </p:cNvSpPr>
+          <p:nvPr/>
+        </p:nvSpPr>
+        <p:spPr>
+          <a:xfrm>
+            <a:off x="496957" y="417445"/>
+            <a:ext cx="10515600" cy="1325563"/>
+          </a:xfrm>
+          <a:prstGeom prst="rect">
+            <a:avLst/>
+          </a:prstGeom>
+        </p:spPr>
+        <p:txBody>
+          <a:bodyPr/>
+          <a:lstStyle>
+            <a:lvl1pPr algn="l" defTabSz="914400" rtl="0" eaLnBrk="1" latinLnBrk="0" hangingPunct="1">
+              <a:lnSpc>
+                <a:spcPct val="90000"/>
+              </a:lnSpc>
+              <a:spcBef>
+                <a:spcPct val="0"/>
+              </a:spcBef>
+              <a:buNone/>
+              <a:defRPr sz="4400" kern="1200">
+                <a:solidFill>
+                  <a:schemeClr val="tx1"/>
+                </a:solidFill>
+                <a:latin typeface="+mj-lt"/>
+                <a:ea typeface="+mj-ea"/>
+                <a:cs typeface="+mj-cs"/>
+              </a:defRPr>
+            </a:lvl1pPr>
+          </a:lstStyle>
+          <a:p>
+            <a:r>
+              <a:rPr lang="en-US" b="1" u="sng" dirty="0"/>
+              <a:t>Strategy Design Pattern</a:t>
+            </a:r>
+            <a:endParaRPr lang="en-IN" b="1" u="sng" dirty="0"/>
+          </a:p>
+        </p:txBody>
+      </p:sp>
+      <p:sp>
+        <p:nvSpPr>
+          <p:cNvPr id="3" name="Content Placeholder 2">
+            <a:extLst>
+              <a:ext uri="{FF2B5EF4-FFF2-40B4-BE49-F238E27FC236}">
+                <a16:creationId xmlns:a16="http://schemas.microsoft.com/office/drawing/2014/main" id="{B0B9CD60-DD91-5945-1FF7-5CB2B12B43F8}"/>
+              </a:ext>
+            </a:extLst>
+          </p:cNvPr>
+          <p:cNvSpPr txBox="1">
+            <a:spLocks/>
+          </p:cNvSpPr>
+          <p:nvPr/>
+        </p:nvSpPr>
+        <p:spPr>
+          <a:xfrm>
+            <a:off x="455543" y="1073427"/>
+            <a:ext cx="11280913" cy="5367128"/>
+          </a:xfrm>
+          <a:prstGeom prst="rect">
+            <a:avLst/>
+          </a:prstGeom>
+        </p:spPr>
+        <p:txBody>
+          <a:bodyPr>
+            <a:normAutofit/>
+          </a:bodyPr>
+          <a:lstStyle>
+            <a:lvl1pPr marL="228600" indent="-228600" algn="l" defTabSz="914400" rtl="0" eaLnBrk="1" latinLnBrk="0" hangingPunct="1">
+              <a:lnSpc>
+                <a:spcPct val="90000"/>
+              </a:lnSpc>
+              <a:spcBef>
+                <a:spcPts val="1000"/>
+              </a:spcBef>
+              <a:buFont typeface="Arial" panose="020B0604020202020204" pitchFamily="34" charset="0"/>
+              <a:buChar char="•"/>
+              <a:defRPr sz="2800" kern="1200">
+                <a:solidFill>
+                  <a:schemeClr val="tx1"/>
+                </a:solidFill>
+                <a:latin typeface="+mn-lt"/>
+                <a:ea typeface="+mn-ea"/>
+                <a:cs typeface="+mn-cs"/>
+              </a:defRPr>
+            </a:lvl1pPr>
+            <a:lvl2pPr marL="685800" indent="-228600" algn="l" defTabSz="914400" rtl="0" eaLnBrk="1" latinLnBrk="0" hangingPunct="1">
+              <a:lnSpc>
+                <a:spcPct val="90000"/>
+              </a:lnSpc>
+              <a:spcBef>
+                <a:spcPts val="500"/>
+              </a:spcBef>
+              <a:buFont typeface="Arial" panose="020B0604020202020204" pitchFamily="34" charset="0"/>
+              <a:buChar char="•"/>
+              <a:defRPr sz="2400" kern="1200">
+                <a:solidFill>
+                  <a:schemeClr val="tx1"/>
+                </a:solidFill>
+                <a:latin typeface="+mn-lt"/>
+                <a:ea typeface="+mn-ea"/>
+                <a:cs typeface="+mn-cs"/>
+              </a:defRPr>
+            </a:lvl2pPr>
+            <a:lvl3pPr marL="1143000" indent="-228600" algn="l" defTabSz="914400" rtl="0" eaLnBrk="1" latinLnBrk="0" hangingPunct="1">
+              <a:lnSpc>
+                <a:spcPct val="90000"/>
+              </a:lnSpc>
+              <a:spcBef>
+                <a:spcPts val="500"/>
+              </a:spcBef>
+              <a:buFont typeface="Arial" panose="020B0604020202020204" pitchFamily="34" charset="0"/>
+              <a:buChar char="•"/>
+              <a:defRPr sz="2000" kern="1200">
+                <a:solidFill>
+                  <a:schemeClr val="tx1"/>
+                </a:solidFill>
+                <a:latin typeface="+mn-lt"/>
+                <a:ea typeface="+mn-ea"/>
+                <a:cs typeface="+mn-cs"/>
+              </a:defRPr>
+            </a:lvl3pPr>
+            <a:lvl4pPr marL="1600200" indent="-228600" algn="l" defTabSz="914400" rtl="0" eaLnBrk="1" latinLnBrk="0" hangingPunct="1">
+              <a:lnSpc>
+                <a:spcPct val="90000"/>
+              </a:lnSpc>
+              <a:spcBef>
+                <a:spcPts val="500"/>
+              </a:spcBef>
+              <a:buFont typeface="Arial" panose="020B0604020202020204" pitchFamily="34" charset="0"/>
+              <a:buChar char="•"/>
+              <a:defRPr sz="1800" kern="1200">
+                <a:solidFill>
+                  <a:schemeClr val="tx1"/>
+                </a:solidFill>
+                <a:latin typeface="+mn-lt"/>
+                <a:ea typeface="+mn-ea"/>
+                <a:cs typeface="+mn-cs"/>
+              </a:defRPr>
+            </a:lvl4pPr>
+            <a:lvl5pPr marL="2057400" indent="-228600" algn="l" defTabSz="914400" rtl="0" eaLnBrk="1" latinLnBrk="0" hangingPunct="1">
+              <a:lnSpc>
+                <a:spcPct val="90000"/>
+              </a:lnSpc>
+              <a:spcBef>
+                <a:spcPts val="500"/>
+              </a:spcBef>
+              <a:buFont typeface="Arial" panose="020B0604020202020204" pitchFamily="34" charset="0"/>
+              <a:buChar char="•"/>
+              <a:defRPr sz="1800" kern="1200">
+                <a:solidFill>
+                  <a:schemeClr val="tx1"/>
+                </a:solidFill>
+                <a:latin typeface="+mn-lt"/>
+                <a:ea typeface="+mn-ea"/>
+                <a:cs typeface="+mn-cs"/>
+              </a:defRPr>
+            </a:lvl5pPr>
+            <a:lvl6pPr marL="2514600" indent="-228600" algn="l" defTabSz="914400" rtl="0" eaLnBrk="1" latinLnBrk="0" hangingPunct="1">
+              <a:lnSpc>
+                <a:spcPct val="90000"/>
+              </a:lnSpc>
+              <a:spcBef>
+                <a:spcPts val="500"/>
+              </a:spcBef>
+              <a:buFont typeface="Arial" panose="020B0604020202020204" pitchFamily="34" charset="0"/>
+              <a:buChar char="•"/>
+              <a:defRPr sz="1800" kern="1200">
+                <a:solidFill>
+                  <a:schemeClr val="tx1"/>
+                </a:solidFill>
+                <a:latin typeface="+mn-lt"/>
+                <a:ea typeface="+mn-ea"/>
+                <a:cs typeface="+mn-cs"/>
+              </a:defRPr>
+            </a:lvl6pPr>
+            <a:lvl7pPr marL="2971800" indent="-228600" algn="l" defTabSz="914400" rtl="0" eaLnBrk="1" latinLnBrk="0" hangingPunct="1">
+              <a:lnSpc>
+                <a:spcPct val="90000"/>
+              </a:lnSpc>
+              <a:spcBef>
+                <a:spcPts val="500"/>
+              </a:spcBef>
+              <a:buFont typeface="Arial" panose="020B0604020202020204" pitchFamily="34" charset="0"/>
+              <a:buChar char="•"/>
+              <a:defRPr sz="1800" kern="1200">
+                <a:solidFill>
+                  <a:schemeClr val="tx1"/>
+                </a:solidFill>
+                <a:latin typeface="+mn-lt"/>
+                <a:ea typeface="+mn-ea"/>
+                <a:cs typeface="+mn-cs"/>
+              </a:defRPr>
+            </a:lvl7pPr>
+            <a:lvl8pPr marL="3429000" indent="-228600" algn="l" defTabSz="914400" rtl="0" eaLnBrk="1" latinLnBrk="0" hangingPunct="1">
+              <a:lnSpc>
+                <a:spcPct val="90000"/>
+              </a:lnSpc>
+              <a:spcBef>
+                <a:spcPts val="500"/>
+              </a:spcBef>
+              <a:buFont typeface="Arial" panose="020B0604020202020204" pitchFamily="34" charset="0"/>
+              <a:buChar char="•"/>
+              <a:defRPr sz="1800" kern="1200">
+                <a:solidFill>
+                  <a:schemeClr val="tx1"/>
+                </a:solidFill>
+                <a:latin typeface="+mn-lt"/>
+                <a:ea typeface="+mn-ea"/>
+                <a:cs typeface="+mn-cs"/>
+              </a:defRPr>
+            </a:lvl8pPr>
+            <a:lvl9pPr marL="3886200" indent="-228600" algn="l" defTabSz="914400" rtl="0" eaLnBrk="1" latinLnBrk="0" hangingPunct="1">
+              <a:lnSpc>
+                <a:spcPct val="90000"/>
+              </a:lnSpc>
+              <a:spcBef>
+                <a:spcPts val="500"/>
+              </a:spcBef>
+              <a:buFont typeface="Arial" panose="020B0604020202020204" pitchFamily="34" charset="0"/>
+              <a:buChar char="•"/>
+              <a:defRPr sz="1800" kern="1200">
+                <a:solidFill>
+                  <a:schemeClr val="tx1"/>
+                </a:solidFill>
+                <a:latin typeface="+mn-lt"/>
+                <a:ea typeface="+mn-ea"/>
+                <a:cs typeface="+mn-cs"/>
+              </a:defRPr>
+            </a:lvl9pPr>
+          </a:lstStyle>
+          <a:p>
+            <a:endParaRPr lang="en-US" sz="600" b="0" i="0" dirty="0">
+              <a:solidFill>
+                <a:srgbClr val="333333"/>
+              </a:solidFill>
+              <a:effectLst/>
+              <a:latin typeface="inter-regular"/>
+            </a:endParaRPr>
+          </a:p>
+          <a:p>
+            <a:r>
+              <a:rPr lang="en-US" sz="2400" dirty="0">
+                <a:solidFill>
+                  <a:srgbClr val="333333"/>
+                </a:solidFill>
+                <a:latin typeface="inter-regular"/>
+              </a:rPr>
+              <a:t>In this</a:t>
+            </a:r>
+            <a:r>
+              <a:rPr lang="en-US" sz="2400" b="1" i="0" dirty="0">
+                <a:solidFill>
+                  <a:srgbClr val="333333"/>
+                </a:solidFill>
+                <a:effectLst/>
+                <a:latin typeface="inter-bold"/>
+              </a:rPr>
+              <a:t> </a:t>
+            </a:r>
+            <a:r>
+              <a:rPr lang="en-US" sz="2200" b="1" i="0" dirty="0">
+                <a:solidFill>
+                  <a:srgbClr val="333333"/>
+                </a:solidFill>
+                <a:effectLst/>
+                <a:latin typeface="inter-regular"/>
+              </a:rPr>
+              <a:t>"defines a family of functionality, encapsulate each one, and make them interchangeable".</a:t>
+            </a:r>
+            <a:endParaRPr lang="en-US" sz="2200" b="1" i="0" dirty="0">
+              <a:solidFill>
+                <a:schemeClr val="tx1">
+                  <a:lumMod val="95000"/>
+                  <a:lumOff val="5000"/>
+                </a:schemeClr>
+              </a:solidFill>
+              <a:effectLst/>
+              <a:latin typeface="inter-regular"/>
+            </a:endParaRPr>
+          </a:p>
+          <a:p>
+            <a:pPr marL="0" indent="0">
+              <a:buNone/>
+            </a:pPr>
+            <a:r>
+              <a:rPr lang="en-US" sz="2200" b="1" u="sng" dirty="0">
+                <a:solidFill>
+                  <a:srgbClr val="333333"/>
+                </a:solidFill>
+                <a:latin typeface="inter-regular"/>
+              </a:rPr>
+              <a:t>Advantages</a:t>
+            </a:r>
+            <a:r>
+              <a:rPr lang="en-US" sz="2200" b="1" dirty="0">
+                <a:solidFill>
+                  <a:srgbClr val="333333"/>
+                </a:solidFill>
+                <a:latin typeface="inter-regular"/>
+              </a:rPr>
+              <a:t>:-</a:t>
+            </a:r>
+          </a:p>
+          <a:p>
+            <a:pPr algn="just">
+              <a:buFont typeface="Arial" panose="020B0604020202020204" pitchFamily="34" charset="0"/>
+              <a:buChar char="•"/>
+            </a:pPr>
+            <a:r>
+              <a:rPr lang="en-US" sz="2000" b="0" i="0" dirty="0">
+                <a:solidFill>
+                  <a:srgbClr val="000000"/>
+                </a:solidFill>
+                <a:effectLst/>
+                <a:latin typeface="inter-regular"/>
+              </a:rPr>
+              <a:t>It provides a substitute to subclassing.</a:t>
+            </a:r>
+          </a:p>
+          <a:p>
+            <a:pPr algn="just">
+              <a:buFont typeface="Arial" panose="020B0604020202020204" pitchFamily="34" charset="0"/>
+              <a:buChar char="•"/>
+            </a:pPr>
+            <a:r>
+              <a:rPr lang="en-US" sz="2000" b="0" i="0" dirty="0">
+                <a:solidFill>
+                  <a:srgbClr val="000000"/>
+                </a:solidFill>
+                <a:effectLst/>
+                <a:latin typeface="inter-regular"/>
+              </a:rPr>
+              <a:t>It defines each behavior within its own class, eliminating the need for conditional statements.</a:t>
+            </a:r>
+          </a:p>
+          <a:p>
+            <a:pPr algn="just">
+              <a:buFont typeface="Arial" panose="020B0604020202020204" pitchFamily="34" charset="0"/>
+              <a:buChar char="•"/>
+            </a:pPr>
+            <a:r>
+              <a:rPr lang="en-US" sz="2000" b="0" i="0" dirty="0">
+                <a:solidFill>
+                  <a:srgbClr val="000000"/>
+                </a:solidFill>
+                <a:effectLst/>
+                <a:latin typeface="inter-regular"/>
+              </a:rPr>
+              <a:t>It makes it easier to extend and incorporate new behavior without changing the application.</a:t>
+            </a:r>
+          </a:p>
+          <a:p>
+            <a:pPr marL="0" indent="0">
+              <a:buNone/>
+            </a:pPr>
+            <a:br>
+              <a:rPr lang="en-US" sz="1600" dirty="0"/>
+            </a:br>
+            <a:r>
+              <a:rPr lang="en-US" sz="2200" b="1" u="sng" dirty="0">
+                <a:solidFill>
+                  <a:srgbClr val="000000"/>
+                </a:solidFill>
+                <a:latin typeface="inter-regular"/>
+              </a:rPr>
+              <a:t>Usage</a:t>
+            </a:r>
+            <a:r>
+              <a:rPr lang="en-US" sz="2200" b="1" dirty="0">
+                <a:solidFill>
+                  <a:srgbClr val="000000"/>
+                </a:solidFill>
+                <a:latin typeface="inter-regular"/>
+              </a:rPr>
+              <a:t>:-</a:t>
+            </a:r>
+          </a:p>
+          <a:p>
+            <a:pPr algn="just">
+              <a:buFont typeface="Arial" panose="020B0604020202020204" pitchFamily="34" charset="0"/>
+              <a:buChar char="•"/>
+            </a:pPr>
+            <a:r>
+              <a:rPr lang="en-US" sz="2000" b="0" i="0" dirty="0">
+                <a:solidFill>
+                  <a:srgbClr val="000000"/>
+                </a:solidFill>
+                <a:effectLst/>
+                <a:latin typeface="inter-regular"/>
+              </a:rPr>
+              <a:t>When the multiple classes differ only in their </a:t>
+            </a:r>
+            <a:r>
+              <a:rPr lang="en-US" sz="2000" b="0" i="0">
+                <a:solidFill>
+                  <a:srgbClr val="000000"/>
+                </a:solidFill>
+                <a:effectLst/>
+                <a:latin typeface="inter-regular"/>
+              </a:rPr>
+              <a:t>behaviors e</a:t>
+            </a:r>
+            <a:r>
+              <a:rPr lang="en-US" sz="2000" dirty="0">
+                <a:solidFill>
+                  <a:srgbClr val="000000"/>
+                </a:solidFill>
+                <a:latin typeface="inter-regular"/>
+              </a:rPr>
+              <a:t>.</a:t>
+            </a:r>
+            <a:r>
+              <a:rPr lang="en-US" sz="2000" b="0" i="0">
+                <a:solidFill>
+                  <a:srgbClr val="000000"/>
+                </a:solidFill>
+                <a:effectLst/>
+                <a:latin typeface="inter-regular"/>
+              </a:rPr>
+              <a:t>g</a:t>
+            </a:r>
+            <a:r>
+              <a:rPr lang="en-US" sz="2000" b="0" i="0" dirty="0">
+                <a:solidFill>
+                  <a:srgbClr val="000000"/>
+                </a:solidFill>
+                <a:effectLst/>
+                <a:latin typeface="inter-regular"/>
+              </a:rPr>
+              <a:t>. Servlet API.</a:t>
+            </a:r>
+          </a:p>
+          <a:p>
+            <a:pPr algn="just">
+              <a:buFont typeface="Arial" panose="020B0604020202020204" pitchFamily="34" charset="0"/>
+              <a:buChar char="•"/>
+            </a:pPr>
+            <a:r>
+              <a:rPr lang="en-US" sz="2000" b="0" i="0" dirty="0">
+                <a:solidFill>
+                  <a:srgbClr val="000000"/>
+                </a:solidFill>
+                <a:effectLst/>
+                <a:latin typeface="inter-regular"/>
+              </a:rPr>
+              <a:t>It is used when you need different variations of an algorithm.</a:t>
+            </a:r>
+          </a:p>
+          <a:p>
+            <a:pPr marL="0" indent="0" algn="just">
+              <a:buFont typeface="Arial" panose="020B0604020202020204" pitchFamily="34" charset="0"/>
+              <a:buNone/>
+            </a:pPr>
+            <a:r>
+              <a:rPr lang="en-US" sz="2200" b="1" u="sng" dirty="0">
+                <a:solidFill>
+                  <a:schemeClr val="tx1">
+                    <a:lumMod val="95000"/>
+                    <a:lumOff val="5000"/>
+                  </a:schemeClr>
+                </a:solidFill>
+                <a:latin typeface="Google Sans"/>
+              </a:rPr>
+              <a:t>Real-Time Example</a:t>
+            </a:r>
+            <a:r>
+              <a:rPr lang="en-US" sz="2200" dirty="0">
+                <a:solidFill>
+                  <a:schemeClr val="tx1">
+                    <a:lumMod val="95000"/>
+                    <a:lumOff val="5000"/>
+                  </a:schemeClr>
+                </a:solidFill>
+                <a:latin typeface="Google Sans"/>
+              </a:rPr>
+              <a:t>:-</a:t>
+            </a:r>
+          </a:p>
+          <a:p>
+            <a:r>
+              <a:rPr lang="en-US" sz="2200" b="0" i="0" dirty="0">
+                <a:solidFill>
+                  <a:schemeClr val="tx1">
+                    <a:lumMod val="95000"/>
+                    <a:lumOff val="5000"/>
+                  </a:schemeClr>
+                </a:solidFill>
+                <a:effectLst/>
+              </a:rPr>
+              <a:t>A good real world example of a strategy pattern would be a credit card purchase. When you buy something with a credit card, the type of credit card doesn't matter.</a:t>
+            </a:r>
+            <a:endParaRPr lang="en-IN" sz="2200" dirty="0">
+              <a:solidFill>
+                <a:schemeClr val="tx1">
+                  <a:lumMod val="95000"/>
+                  <a:lumOff val="5000"/>
+                </a:schemeClr>
+              </a:solidFill>
+            </a:endParaRPr>
+          </a:p>
+        </p:txBody>
+      </p:sp>
+    </p:spTree>
+    <p:extLst>
+      <p:ext uri="{BB962C8B-B14F-4D97-AF65-F5344CB8AC3E}">
+        <p14:creationId xmlns:p14="http://schemas.microsoft.com/office/powerpoint/2010/main" val="93905236"/>
+      </p:ext>
+    </p:extLst>
+  </p:cSld>
+  <p:clrMapOvr>
+    <a:masterClrMapping/>
+  </p:clrMapOvr>
+</p:sld>
+</file>
+
+<file path=ppt/slides/slide23.xml><?xml version="1.0" encoding="utf-8"?>
+<p:sld xmlns:a="http://schemas.openxmlformats.org/drawingml/2006/main" xmlns:r="http://schemas.openxmlformats.org/officeDocument/2006/relationships" xmlns:p="http://schemas.openxmlformats.org/presentationml/2006/main">
+  <p:cSld>
+    <p:spTree>
+      <p:nvGrpSpPr>
+        <p:cNvPr id="1" name=""/>
+        <p:cNvGrpSpPr/>
+        <p:nvPr/>
+      </p:nvGrpSpPr>
+      <p:grpSpPr>
+        <a:xfrm>
+          <a:off x="0" y="0"/>
+          <a:ext cx="0" cy="0"/>
+          <a:chOff x="0" y="0"/>
+          <a:chExt cx="0" cy="0"/>
+        </a:xfrm>
+      </p:grpSpPr>
+      <p:sp>
+        <p:nvSpPr>
+          <p:cNvPr id="2" name="Title 1">
+            <a:extLst>
+              <a:ext uri="{FF2B5EF4-FFF2-40B4-BE49-F238E27FC236}">
+                <a16:creationId xmlns:a16="http://schemas.microsoft.com/office/drawing/2014/main" id="{A5A26202-3528-E44F-3068-6FDCC409D624}"/>
+              </a:ext>
+            </a:extLst>
+          </p:cNvPr>
+          <p:cNvSpPr txBox="1">
+            <a:spLocks/>
+          </p:cNvSpPr>
+          <p:nvPr/>
+        </p:nvSpPr>
+        <p:spPr>
+          <a:xfrm>
+            <a:off x="455543" y="268358"/>
+            <a:ext cx="10515600" cy="1325563"/>
+          </a:xfrm>
+          <a:prstGeom prst="rect">
+            <a:avLst/>
+          </a:prstGeom>
+        </p:spPr>
+        <p:txBody>
+          <a:bodyPr/>
+          <a:lstStyle>
+            <a:lvl1pPr algn="l" defTabSz="914400" rtl="0" eaLnBrk="1" latinLnBrk="0" hangingPunct="1">
+              <a:lnSpc>
+                <a:spcPct val="90000"/>
+              </a:lnSpc>
+              <a:spcBef>
+                <a:spcPct val="0"/>
+              </a:spcBef>
+              <a:buNone/>
+              <a:defRPr sz="4400" kern="1200">
+                <a:solidFill>
+                  <a:schemeClr val="tx1"/>
+                </a:solidFill>
+                <a:latin typeface="+mj-lt"/>
+                <a:ea typeface="+mj-ea"/>
+                <a:cs typeface="+mj-cs"/>
+              </a:defRPr>
+            </a:lvl1pPr>
+          </a:lstStyle>
+          <a:p>
+            <a:r>
+              <a:rPr lang="en-US" b="1" u="sng" dirty="0"/>
+              <a:t>Memento Design Pattern</a:t>
+            </a:r>
+            <a:endParaRPr lang="en-IN" b="1" u="sng" dirty="0"/>
+          </a:p>
+        </p:txBody>
+      </p:sp>
+      <p:sp>
+        <p:nvSpPr>
+          <p:cNvPr id="3" name="Content Placeholder 2">
+            <a:extLst>
+              <a:ext uri="{FF2B5EF4-FFF2-40B4-BE49-F238E27FC236}">
+                <a16:creationId xmlns:a16="http://schemas.microsoft.com/office/drawing/2014/main" id="{35BEB050-2553-DE6F-B076-AFF72A20197C}"/>
+              </a:ext>
+            </a:extLst>
+          </p:cNvPr>
+          <p:cNvSpPr txBox="1">
+            <a:spLocks/>
+          </p:cNvSpPr>
+          <p:nvPr/>
+        </p:nvSpPr>
+        <p:spPr>
+          <a:xfrm>
+            <a:off x="455543" y="1073427"/>
+            <a:ext cx="11280913" cy="5367128"/>
+          </a:xfrm>
+          <a:prstGeom prst="rect">
+            <a:avLst/>
+          </a:prstGeom>
+        </p:spPr>
+        <p:txBody>
+          <a:bodyPr>
+            <a:normAutofit lnSpcReduction="10000"/>
+          </a:bodyPr>
+          <a:lstStyle>
+            <a:lvl1pPr marL="228600" indent="-228600" algn="l" defTabSz="914400" rtl="0" eaLnBrk="1" latinLnBrk="0" hangingPunct="1">
+              <a:lnSpc>
+                <a:spcPct val="90000"/>
+              </a:lnSpc>
+              <a:spcBef>
+                <a:spcPts val="1000"/>
+              </a:spcBef>
+              <a:buFont typeface="Arial" panose="020B0604020202020204" pitchFamily="34" charset="0"/>
+              <a:buChar char="•"/>
+              <a:defRPr sz="2800" kern="1200">
+                <a:solidFill>
+                  <a:schemeClr val="tx1"/>
+                </a:solidFill>
+                <a:latin typeface="+mn-lt"/>
+                <a:ea typeface="+mn-ea"/>
+                <a:cs typeface="+mn-cs"/>
+              </a:defRPr>
+            </a:lvl1pPr>
+            <a:lvl2pPr marL="685800" indent="-228600" algn="l" defTabSz="914400" rtl="0" eaLnBrk="1" latinLnBrk="0" hangingPunct="1">
+              <a:lnSpc>
+                <a:spcPct val="90000"/>
+              </a:lnSpc>
+              <a:spcBef>
+                <a:spcPts val="500"/>
+              </a:spcBef>
+              <a:buFont typeface="Arial" panose="020B0604020202020204" pitchFamily="34" charset="0"/>
+              <a:buChar char="•"/>
+              <a:defRPr sz="2400" kern="1200">
+                <a:solidFill>
+                  <a:schemeClr val="tx1"/>
+                </a:solidFill>
+                <a:latin typeface="+mn-lt"/>
+                <a:ea typeface="+mn-ea"/>
+                <a:cs typeface="+mn-cs"/>
+              </a:defRPr>
+            </a:lvl2pPr>
+            <a:lvl3pPr marL="1143000" indent="-228600" algn="l" defTabSz="914400" rtl="0" eaLnBrk="1" latinLnBrk="0" hangingPunct="1">
+              <a:lnSpc>
+                <a:spcPct val="90000"/>
+              </a:lnSpc>
+              <a:spcBef>
+                <a:spcPts val="500"/>
+              </a:spcBef>
+              <a:buFont typeface="Arial" panose="020B0604020202020204" pitchFamily="34" charset="0"/>
+              <a:buChar char="•"/>
+              <a:defRPr sz="2000" kern="1200">
+                <a:solidFill>
+                  <a:schemeClr val="tx1"/>
+                </a:solidFill>
+                <a:latin typeface="+mn-lt"/>
+                <a:ea typeface="+mn-ea"/>
+                <a:cs typeface="+mn-cs"/>
+              </a:defRPr>
+            </a:lvl3pPr>
+            <a:lvl4pPr marL="1600200" indent="-228600" algn="l" defTabSz="914400" rtl="0" eaLnBrk="1" latinLnBrk="0" hangingPunct="1">
+              <a:lnSpc>
+                <a:spcPct val="90000"/>
+              </a:lnSpc>
+              <a:spcBef>
+                <a:spcPts val="500"/>
+              </a:spcBef>
+              <a:buFont typeface="Arial" panose="020B0604020202020204" pitchFamily="34" charset="0"/>
+              <a:buChar char="•"/>
+              <a:defRPr sz="1800" kern="1200">
+                <a:solidFill>
+                  <a:schemeClr val="tx1"/>
+                </a:solidFill>
+                <a:latin typeface="+mn-lt"/>
+                <a:ea typeface="+mn-ea"/>
+                <a:cs typeface="+mn-cs"/>
+              </a:defRPr>
+            </a:lvl4pPr>
+            <a:lvl5pPr marL="2057400" indent="-228600" algn="l" defTabSz="914400" rtl="0" eaLnBrk="1" latinLnBrk="0" hangingPunct="1">
+              <a:lnSpc>
+                <a:spcPct val="90000"/>
+              </a:lnSpc>
+              <a:spcBef>
+                <a:spcPts val="500"/>
+              </a:spcBef>
+              <a:buFont typeface="Arial" panose="020B0604020202020204" pitchFamily="34" charset="0"/>
+              <a:buChar char="•"/>
+              <a:defRPr sz="1800" kern="1200">
+                <a:solidFill>
+                  <a:schemeClr val="tx1"/>
+                </a:solidFill>
+                <a:latin typeface="+mn-lt"/>
+                <a:ea typeface="+mn-ea"/>
+                <a:cs typeface="+mn-cs"/>
+              </a:defRPr>
+            </a:lvl5pPr>
+            <a:lvl6pPr marL="2514600" indent="-228600" algn="l" defTabSz="914400" rtl="0" eaLnBrk="1" latinLnBrk="0" hangingPunct="1">
+              <a:lnSpc>
+                <a:spcPct val="90000"/>
+              </a:lnSpc>
+              <a:spcBef>
+                <a:spcPts val="500"/>
+              </a:spcBef>
+              <a:buFont typeface="Arial" panose="020B0604020202020204" pitchFamily="34" charset="0"/>
+              <a:buChar char="•"/>
+              <a:defRPr sz="1800" kern="1200">
+                <a:solidFill>
+                  <a:schemeClr val="tx1"/>
+                </a:solidFill>
+                <a:latin typeface="+mn-lt"/>
+                <a:ea typeface="+mn-ea"/>
+                <a:cs typeface="+mn-cs"/>
+              </a:defRPr>
+            </a:lvl6pPr>
+            <a:lvl7pPr marL="2971800" indent="-228600" algn="l" defTabSz="914400" rtl="0" eaLnBrk="1" latinLnBrk="0" hangingPunct="1">
+              <a:lnSpc>
+                <a:spcPct val="90000"/>
+              </a:lnSpc>
+              <a:spcBef>
+                <a:spcPts val="500"/>
+              </a:spcBef>
+              <a:buFont typeface="Arial" panose="020B0604020202020204" pitchFamily="34" charset="0"/>
+              <a:buChar char="•"/>
+              <a:defRPr sz="1800" kern="1200">
+                <a:solidFill>
+                  <a:schemeClr val="tx1"/>
+                </a:solidFill>
+                <a:latin typeface="+mn-lt"/>
+                <a:ea typeface="+mn-ea"/>
+                <a:cs typeface="+mn-cs"/>
+              </a:defRPr>
+            </a:lvl7pPr>
+            <a:lvl8pPr marL="3429000" indent="-228600" algn="l" defTabSz="914400" rtl="0" eaLnBrk="1" latinLnBrk="0" hangingPunct="1">
+              <a:lnSpc>
+                <a:spcPct val="90000"/>
+              </a:lnSpc>
+              <a:spcBef>
+                <a:spcPts val="500"/>
+              </a:spcBef>
+              <a:buFont typeface="Arial" panose="020B0604020202020204" pitchFamily="34" charset="0"/>
+              <a:buChar char="•"/>
+              <a:defRPr sz="1800" kern="1200">
+                <a:solidFill>
+                  <a:schemeClr val="tx1"/>
+                </a:solidFill>
+                <a:latin typeface="+mn-lt"/>
+                <a:ea typeface="+mn-ea"/>
+                <a:cs typeface="+mn-cs"/>
+              </a:defRPr>
+            </a:lvl8pPr>
+            <a:lvl9pPr marL="3886200" indent="-228600" algn="l" defTabSz="914400" rtl="0" eaLnBrk="1" latinLnBrk="0" hangingPunct="1">
+              <a:lnSpc>
+                <a:spcPct val="90000"/>
+              </a:lnSpc>
+              <a:spcBef>
+                <a:spcPts val="500"/>
+              </a:spcBef>
+              <a:buFont typeface="Arial" panose="020B0604020202020204" pitchFamily="34" charset="0"/>
+              <a:buChar char="•"/>
+              <a:defRPr sz="1800" kern="1200">
+                <a:solidFill>
+                  <a:schemeClr val="tx1"/>
+                </a:solidFill>
+                <a:latin typeface="+mn-lt"/>
+                <a:ea typeface="+mn-ea"/>
+                <a:cs typeface="+mn-cs"/>
+              </a:defRPr>
+            </a:lvl9pPr>
+          </a:lstStyle>
+          <a:p>
+            <a:r>
+              <a:rPr lang="en-US" sz="2400" dirty="0">
+                <a:solidFill>
+                  <a:srgbClr val="333333"/>
+                </a:solidFill>
+                <a:latin typeface="inter-regular"/>
+              </a:rPr>
+              <a:t>In this</a:t>
+            </a:r>
+            <a:r>
+              <a:rPr lang="en-US" sz="2400" b="1" i="0" dirty="0">
+                <a:solidFill>
+                  <a:srgbClr val="333333"/>
+                </a:solidFill>
+                <a:effectLst/>
+                <a:latin typeface="inter-bold"/>
+              </a:rPr>
+              <a:t> </a:t>
+            </a:r>
+            <a:r>
+              <a:rPr lang="en-US" sz="2200" b="1" i="0" dirty="0">
+                <a:solidFill>
+                  <a:srgbClr val="333333"/>
+                </a:solidFill>
+                <a:effectLst/>
+                <a:latin typeface="inter-regular"/>
+              </a:rPr>
+              <a:t>"to restore the state of an object to its previous state". </a:t>
+            </a:r>
+            <a:r>
+              <a:rPr lang="en-US" sz="2200" b="0" i="0" dirty="0">
+                <a:solidFill>
+                  <a:srgbClr val="333333"/>
+                </a:solidFill>
+                <a:effectLst/>
+                <a:latin typeface="inter-regular"/>
+              </a:rPr>
+              <a:t>But it must do this without violating Encapsulation. Such case is useful in case of error or failure.</a:t>
+            </a:r>
+            <a:endParaRPr lang="en-US" sz="2200" b="1" i="0" dirty="0">
+              <a:solidFill>
+                <a:schemeClr val="tx1">
+                  <a:lumMod val="95000"/>
+                  <a:lumOff val="5000"/>
+                </a:schemeClr>
+              </a:solidFill>
+              <a:effectLst/>
+              <a:latin typeface="inter-regular"/>
+            </a:endParaRPr>
+          </a:p>
+          <a:p>
+            <a:pPr marL="0" indent="0">
+              <a:buNone/>
+            </a:pPr>
+            <a:r>
+              <a:rPr lang="en-US" sz="2200" b="1" u="sng" dirty="0">
+                <a:solidFill>
+                  <a:srgbClr val="333333"/>
+                </a:solidFill>
+                <a:latin typeface="inter-regular"/>
+              </a:rPr>
+              <a:t>Advantages</a:t>
+            </a:r>
+            <a:r>
+              <a:rPr lang="en-US" sz="2200" b="1" dirty="0">
+                <a:solidFill>
+                  <a:srgbClr val="333333"/>
+                </a:solidFill>
+                <a:latin typeface="inter-regular"/>
+              </a:rPr>
+              <a:t>:-</a:t>
+            </a:r>
+          </a:p>
+          <a:p>
+            <a:pPr algn="just">
+              <a:buFont typeface="Arial" panose="020B0604020202020204" pitchFamily="34" charset="0"/>
+              <a:buChar char="•"/>
+            </a:pPr>
+            <a:r>
+              <a:rPr lang="en-US" sz="2200" b="0" i="0" dirty="0">
+                <a:solidFill>
+                  <a:srgbClr val="000000"/>
+                </a:solidFill>
+                <a:effectLst/>
+                <a:latin typeface="inter-regular"/>
+              </a:rPr>
+              <a:t>It preserves encapsulation boundaries.</a:t>
+            </a:r>
+          </a:p>
+          <a:p>
+            <a:pPr algn="just">
+              <a:buFont typeface="Arial" panose="020B0604020202020204" pitchFamily="34" charset="0"/>
+              <a:buChar char="•"/>
+            </a:pPr>
+            <a:r>
+              <a:rPr lang="en-US" sz="2200" b="0" i="0" dirty="0">
+                <a:solidFill>
+                  <a:srgbClr val="000000"/>
+                </a:solidFill>
+                <a:effectLst/>
+                <a:latin typeface="inter-regular"/>
+              </a:rPr>
+              <a:t>It simplifies the originator.</a:t>
+            </a:r>
+          </a:p>
+          <a:p>
+            <a:pPr marL="0" indent="0">
+              <a:buNone/>
+            </a:pPr>
+            <a:br>
+              <a:rPr lang="en-US" sz="1600" dirty="0"/>
+            </a:br>
+            <a:r>
+              <a:rPr lang="en-US" sz="2200" b="1" u="sng" dirty="0">
+                <a:solidFill>
+                  <a:srgbClr val="000000"/>
+                </a:solidFill>
+                <a:latin typeface="inter-regular"/>
+              </a:rPr>
+              <a:t>Usage</a:t>
+            </a:r>
+            <a:r>
+              <a:rPr lang="en-US" sz="2200" b="1" dirty="0">
+                <a:solidFill>
+                  <a:srgbClr val="000000"/>
+                </a:solidFill>
+                <a:latin typeface="inter-regular"/>
+              </a:rPr>
+              <a:t>:-</a:t>
+            </a:r>
+          </a:p>
+          <a:p>
+            <a:pPr algn="just">
+              <a:buFont typeface="Arial" panose="020B0604020202020204" pitchFamily="34" charset="0"/>
+              <a:buChar char="•"/>
+            </a:pPr>
+            <a:r>
+              <a:rPr lang="en-US" sz="2200" b="0" i="0" dirty="0">
+                <a:solidFill>
+                  <a:srgbClr val="000000"/>
+                </a:solidFill>
+                <a:effectLst/>
+                <a:latin typeface="inter-regular"/>
+              </a:rPr>
+              <a:t>It is used in Undo and Redo operations in most software.</a:t>
+            </a:r>
+          </a:p>
+          <a:p>
+            <a:pPr algn="just">
+              <a:buFont typeface="Arial" panose="020B0604020202020204" pitchFamily="34" charset="0"/>
+              <a:buChar char="•"/>
+            </a:pPr>
+            <a:r>
+              <a:rPr lang="en-US" sz="2200" b="0" i="0" dirty="0">
+                <a:solidFill>
+                  <a:srgbClr val="000000"/>
+                </a:solidFill>
+                <a:effectLst/>
+                <a:latin typeface="inter-regular"/>
+              </a:rPr>
+              <a:t>It is also used in database transactions.</a:t>
+            </a:r>
+          </a:p>
+          <a:p>
+            <a:pPr marL="0" indent="0" algn="just">
+              <a:buNone/>
+            </a:pPr>
+            <a:endParaRPr lang="en-US" sz="1900" b="0" i="0" dirty="0">
+              <a:solidFill>
+                <a:srgbClr val="000000"/>
+              </a:solidFill>
+              <a:effectLst/>
+              <a:latin typeface="inter-regular"/>
+            </a:endParaRPr>
+          </a:p>
+          <a:p>
+            <a:pPr marL="0" indent="0" algn="just">
+              <a:buFont typeface="Arial" panose="020B0604020202020204" pitchFamily="34" charset="0"/>
+              <a:buNone/>
+            </a:pPr>
+            <a:r>
+              <a:rPr lang="en-US" sz="2200" b="1" u="sng" dirty="0">
+                <a:solidFill>
+                  <a:schemeClr val="tx1">
+                    <a:lumMod val="95000"/>
+                    <a:lumOff val="5000"/>
+                  </a:schemeClr>
+                </a:solidFill>
+                <a:latin typeface="Google Sans"/>
+              </a:rPr>
+              <a:t>Real-Time Example</a:t>
+            </a:r>
+            <a:r>
+              <a:rPr lang="en-US" sz="2200" dirty="0">
+                <a:solidFill>
+                  <a:schemeClr val="tx1">
+                    <a:lumMod val="95000"/>
+                    <a:lumOff val="5000"/>
+                  </a:schemeClr>
+                </a:solidFill>
+                <a:latin typeface="Google Sans"/>
+              </a:rPr>
+              <a:t>:-</a:t>
+            </a:r>
+          </a:p>
+          <a:p>
+            <a:r>
+              <a:rPr lang="en-US" sz="2000" b="0" i="0" dirty="0">
+                <a:solidFill>
+                  <a:schemeClr val="tx1">
+                    <a:lumMod val="95000"/>
+                    <a:lumOff val="5000"/>
+                  </a:schemeClr>
+                </a:solidFill>
+                <a:effectLst/>
+              </a:rPr>
+              <a:t>Text editors like Microsoft Word or Notepad use the Memento pattern to implement undo and redo functionality. Each time a user makes a change, a memento (snapshot) of the document's state is created and stored in a history. Users can then undo or redo their actions by restoring the document to a previous state.</a:t>
+            </a:r>
+            <a:endParaRPr lang="en-IN" sz="2000" dirty="0">
+              <a:solidFill>
+                <a:schemeClr val="tx1">
+                  <a:lumMod val="95000"/>
+                  <a:lumOff val="5000"/>
+                </a:schemeClr>
+              </a:solidFill>
+            </a:endParaRPr>
+          </a:p>
+        </p:txBody>
+      </p:sp>
+    </p:spTree>
+    <p:extLst>
+      <p:ext uri="{BB962C8B-B14F-4D97-AF65-F5344CB8AC3E}">
+        <p14:creationId xmlns:p14="http://schemas.microsoft.com/office/powerpoint/2010/main" val="4216032966"/>
       </p:ext>
     </p:extLst>
   </p:cSld>

--- a/DesignPatterns.pptx
+++ b/DesignPatterns.pptx
@@ -28,6 +28,8 @@
     <p:sldId id="277" r:id="rId22"/>
     <p:sldId id="278" r:id="rId23"/>
     <p:sldId id="279" r:id="rId24"/>
+    <p:sldId id="280" r:id="rId25"/>
+    <p:sldId id="281" r:id="rId26"/>
   </p:sldIdLst>
   <p:sldSz cx="12192000" cy="6858000"/>
   <p:notesSz cx="6858000" cy="9144000"/>
@@ -137,7 +139,7 @@
 <file path=ppt/revisionInfo.xml><?xml version="1.0" encoding="utf-8"?>
 <p1510:revInfo xmlns:a="http://schemas.openxmlformats.org/drawingml/2006/main" xmlns:r="http://schemas.openxmlformats.org/officeDocument/2006/relationships" xmlns:p1510="http://schemas.microsoft.com/office/powerpoint/2015/10/main">
   <p1510:revLst>
-    <p1510:client id="{2B8E2204-9F68-4922-875F-CECA66539EED}" v="20" dt="2023-09-14T08:38:31.760"/>
+    <p1510:client id="{2B8E2204-9F68-4922-875F-CECA66539EED}" v="22" dt="2023-09-15T13:36:24.935"/>
   </p1510:revLst>
 </p1510:revInfo>
 </file>
@@ -466,7 +468,7 @@
   <pc:docChgLst>
     <pc:chgData name="Manaswini Ray" userId="451f23f8-43b4-4daa-9511-0c9fb98bad1c" providerId="ADAL" clId="{2B8E2204-9F68-4922-875F-CECA66539EED}"/>
     <pc:docChg chg="undo custSel addSld delSld modSld sldOrd">
-      <pc:chgData name="Manaswini Ray" userId="451f23f8-43b4-4daa-9511-0c9fb98bad1c" providerId="ADAL" clId="{2B8E2204-9F68-4922-875F-CECA66539EED}" dt="2023-09-14T08:43:47.675" v="639" actId="20577"/>
+      <pc:chgData name="Manaswini Ray" userId="451f23f8-43b4-4daa-9511-0c9fb98bad1c" providerId="ADAL" clId="{2B8E2204-9F68-4922-875F-CECA66539EED}" dt="2023-09-15T13:37:27.521" v="712" actId="20577"/>
       <pc:docMkLst>
         <pc:docMk/>
       </pc:docMkLst>
@@ -776,6 +778,52 @@
           </ac:spMkLst>
         </pc:spChg>
       </pc:sldChg>
+      <pc:sldChg chg="addSp modSp new mod">
+        <pc:chgData name="Manaswini Ray" userId="451f23f8-43b4-4daa-9511-0c9fb98bad1c" providerId="ADAL" clId="{2B8E2204-9F68-4922-875F-CECA66539EED}" dt="2023-09-15T13:36:01.917" v="679" actId="20577"/>
+        <pc:sldMkLst>
+          <pc:docMk/>
+          <pc:sldMk cId="636266154" sldId="280"/>
+        </pc:sldMkLst>
+        <pc:spChg chg="add mod">
+          <ac:chgData name="Manaswini Ray" userId="451f23f8-43b4-4daa-9511-0c9fb98bad1c" providerId="ADAL" clId="{2B8E2204-9F68-4922-875F-CECA66539EED}" dt="2023-09-15T13:34:37.270" v="651" actId="20577"/>
+          <ac:spMkLst>
+            <pc:docMk/>
+            <pc:sldMk cId="636266154" sldId="280"/>
+            <ac:spMk id="2" creationId="{3224A6B8-3B1A-9A68-DA17-AF574982C01F}"/>
+          </ac:spMkLst>
+        </pc:spChg>
+        <pc:spChg chg="add mod">
+          <ac:chgData name="Manaswini Ray" userId="451f23f8-43b4-4daa-9511-0c9fb98bad1c" providerId="ADAL" clId="{2B8E2204-9F68-4922-875F-CECA66539EED}" dt="2023-09-15T13:36:01.917" v="679" actId="20577"/>
+          <ac:spMkLst>
+            <pc:docMk/>
+            <pc:sldMk cId="636266154" sldId="280"/>
+            <ac:spMk id="3" creationId="{62EF7CD0-F099-681E-2B99-8A048C77B4B8}"/>
+          </ac:spMkLst>
+        </pc:spChg>
+      </pc:sldChg>
+      <pc:sldChg chg="addSp modSp new mod">
+        <pc:chgData name="Manaswini Ray" userId="451f23f8-43b4-4daa-9511-0c9fb98bad1c" providerId="ADAL" clId="{2B8E2204-9F68-4922-875F-CECA66539EED}" dt="2023-09-15T13:37:27.521" v="712" actId="20577"/>
+        <pc:sldMkLst>
+          <pc:docMk/>
+          <pc:sldMk cId="3983001647" sldId="281"/>
+        </pc:sldMkLst>
+        <pc:spChg chg="add mod">
+          <ac:chgData name="Manaswini Ray" userId="451f23f8-43b4-4daa-9511-0c9fb98bad1c" providerId="ADAL" clId="{2B8E2204-9F68-4922-875F-CECA66539EED}" dt="2023-09-15T13:36:29.501" v="689" actId="20577"/>
+          <ac:spMkLst>
+            <pc:docMk/>
+            <pc:sldMk cId="3983001647" sldId="281"/>
+            <ac:spMk id="2" creationId="{AC588AF8-BF73-1540-8A00-83CEA52FDC84}"/>
+          </ac:spMkLst>
+        </pc:spChg>
+        <pc:spChg chg="add mod">
+          <ac:chgData name="Manaswini Ray" userId="451f23f8-43b4-4daa-9511-0c9fb98bad1c" providerId="ADAL" clId="{2B8E2204-9F68-4922-875F-CECA66539EED}" dt="2023-09-15T13:37:27.521" v="712" actId="20577"/>
+          <ac:spMkLst>
+            <pc:docMk/>
+            <pc:sldMk cId="3983001647" sldId="281"/>
+            <ac:spMk id="3" creationId="{0EBC096C-D7C5-A89A-E836-FDC26CD205A1}"/>
+          </ac:spMkLst>
+        </pc:spChg>
+      </pc:sldChg>
     </pc:docChg>
   </pc:docChgLst>
 </pc:chgInfo>
@@ -930,7 +978,7 @@
           <a:p>
             <a:fld id="{A1AA28CD-13E1-4DEA-B553-BCBE77DAC64A}" type="datetimeFigureOut">
               <a:rPr lang="en-IN" smtClean="0"/>
-              <a:t>14-09-2023</a:t>
+              <a:t>15-09-2023</a:t>
             </a:fld>
             <a:endParaRPr lang="en-IN"/>
           </a:p>
@@ -1130,7 +1178,7 @@
           <a:p>
             <a:fld id="{A1AA28CD-13E1-4DEA-B553-BCBE77DAC64A}" type="datetimeFigureOut">
               <a:rPr lang="en-IN" smtClean="0"/>
-              <a:t>14-09-2023</a:t>
+              <a:t>15-09-2023</a:t>
             </a:fld>
             <a:endParaRPr lang="en-IN"/>
           </a:p>
@@ -1340,7 +1388,7 @@
           <a:p>
             <a:fld id="{A1AA28CD-13E1-4DEA-B553-BCBE77DAC64A}" type="datetimeFigureOut">
               <a:rPr lang="en-IN" smtClean="0"/>
-              <a:t>14-09-2023</a:t>
+              <a:t>15-09-2023</a:t>
             </a:fld>
             <a:endParaRPr lang="en-IN"/>
           </a:p>
@@ -1540,7 +1588,7 @@
           <a:p>
             <a:fld id="{A1AA28CD-13E1-4DEA-B553-BCBE77DAC64A}" type="datetimeFigureOut">
               <a:rPr lang="en-IN" smtClean="0"/>
-              <a:t>14-09-2023</a:t>
+              <a:t>15-09-2023</a:t>
             </a:fld>
             <a:endParaRPr lang="en-IN"/>
           </a:p>
@@ -1816,7 +1864,7 @@
           <a:p>
             <a:fld id="{A1AA28CD-13E1-4DEA-B553-BCBE77DAC64A}" type="datetimeFigureOut">
               <a:rPr lang="en-IN" smtClean="0"/>
-              <a:t>14-09-2023</a:t>
+              <a:t>15-09-2023</a:t>
             </a:fld>
             <a:endParaRPr lang="en-IN"/>
           </a:p>
@@ -2084,7 +2132,7 @@
           <a:p>
             <a:fld id="{A1AA28CD-13E1-4DEA-B553-BCBE77DAC64A}" type="datetimeFigureOut">
               <a:rPr lang="en-IN" smtClean="0"/>
-              <a:t>14-09-2023</a:t>
+              <a:t>15-09-2023</a:t>
             </a:fld>
             <a:endParaRPr lang="en-IN"/>
           </a:p>
@@ -2499,7 +2547,7 @@
           <a:p>
             <a:fld id="{A1AA28CD-13E1-4DEA-B553-BCBE77DAC64A}" type="datetimeFigureOut">
               <a:rPr lang="en-IN" smtClean="0"/>
-              <a:t>14-09-2023</a:t>
+              <a:t>15-09-2023</a:t>
             </a:fld>
             <a:endParaRPr lang="en-IN"/>
           </a:p>
@@ -2641,7 +2689,7 @@
           <a:p>
             <a:fld id="{A1AA28CD-13E1-4DEA-B553-BCBE77DAC64A}" type="datetimeFigureOut">
               <a:rPr lang="en-IN" smtClean="0"/>
-              <a:t>14-09-2023</a:t>
+              <a:t>15-09-2023</a:t>
             </a:fld>
             <a:endParaRPr lang="en-IN"/>
           </a:p>
@@ -2754,7 +2802,7 @@
           <a:p>
             <a:fld id="{A1AA28CD-13E1-4DEA-B553-BCBE77DAC64A}" type="datetimeFigureOut">
               <a:rPr lang="en-IN" smtClean="0"/>
-              <a:t>14-09-2023</a:t>
+              <a:t>15-09-2023</a:t>
             </a:fld>
             <a:endParaRPr lang="en-IN"/>
           </a:p>
@@ -3067,7 +3115,7 @@
           <a:p>
             <a:fld id="{A1AA28CD-13E1-4DEA-B553-BCBE77DAC64A}" type="datetimeFigureOut">
               <a:rPr lang="en-IN" smtClean="0"/>
-              <a:t>14-09-2023</a:t>
+              <a:t>15-09-2023</a:t>
             </a:fld>
             <a:endParaRPr lang="en-IN"/>
           </a:p>
@@ -3356,7 +3404,7 @@
           <a:p>
             <a:fld id="{A1AA28CD-13E1-4DEA-B553-BCBE77DAC64A}" type="datetimeFigureOut">
               <a:rPr lang="en-IN" smtClean="0"/>
-              <a:t>14-09-2023</a:t>
+              <a:t>15-09-2023</a:t>
             </a:fld>
             <a:endParaRPr lang="en-IN"/>
           </a:p>
@@ -3599,7 +3647,7 @@
           <a:p>
             <a:fld id="{A1AA28CD-13E1-4DEA-B553-BCBE77DAC64A}" type="datetimeFigureOut">
               <a:rPr lang="en-IN" smtClean="0"/>
-              <a:t>14-09-2023</a:t>
+              <a:t>15-09-2023</a:t>
             </a:fld>
             <a:endParaRPr lang="en-IN"/>
           </a:p>
@@ -10923,6 +10971,1000 @@
     <p:extLst>
       <p:ext uri="{BB962C8B-B14F-4D97-AF65-F5344CB8AC3E}">
         <p14:creationId xmlns:p14="http://schemas.microsoft.com/office/powerpoint/2010/main" val="4216032966"/>
+      </p:ext>
+    </p:extLst>
+  </p:cSld>
+  <p:clrMapOvr>
+    <a:masterClrMapping/>
+  </p:clrMapOvr>
+</p:sld>
+</file>
+
+<file path=ppt/slides/slide24.xml><?xml version="1.0" encoding="utf-8"?>
+<p:sld xmlns:a="http://schemas.openxmlformats.org/drawingml/2006/main" xmlns:r="http://schemas.openxmlformats.org/officeDocument/2006/relationships" xmlns:p="http://schemas.openxmlformats.org/presentationml/2006/main">
+  <p:cSld>
+    <p:spTree>
+      <p:nvGrpSpPr>
+        <p:cNvPr id="1" name=""/>
+        <p:cNvGrpSpPr/>
+        <p:nvPr/>
+      </p:nvGrpSpPr>
+      <p:grpSpPr>
+        <a:xfrm>
+          <a:off x="0" y="0"/>
+          <a:ext cx="0" cy="0"/>
+          <a:chOff x="0" y="0"/>
+          <a:chExt cx="0" cy="0"/>
+        </a:xfrm>
+      </p:grpSpPr>
+      <p:sp>
+        <p:nvSpPr>
+          <p:cNvPr id="2" name="Title 1">
+            <a:extLst>
+              <a:ext uri="{FF2B5EF4-FFF2-40B4-BE49-F238E27FC236}">
+                <a16:creationId xmlns:a16="http://schemas.microsoft.com/office/drawing/2014/main" id="{3224A6B8-3B1A-9A68-DA17-AF574982C01F}"/>
+              </a:ext>
+            </a:extLst>
+          </p:cNvPr>
+          <p:cNvSpPr txBox="1">
+            <a:spLocks/>
+          </p:cNvSpPr>
+          <p:nvPr/>
+        </p:nvSpPr>
+        <p:spPr>
+          <a:xfrm>
+            <a:off x="455543" y="268358"/>
+            <a:ext cx="10515600" cy="1325563"/>
+          </a:xfrm>
+          <a:prstGeom prst="rect">
+            <a:avLst/>
+          </a:prstGeom>
+        </p:spPr>
+        <p:txBody>
+          <a:bodyPr/>
+          <a:lstStyle>
+            <a:lvl1pPr algn="l" defTabSz="914400" rtl="0" eaLnBrk="1" latinLnBrk="0" hangingPunct="1">
+              <a:lnSpc>
+                <a:spcPct val="90000"/>
+              </a:lnSpc>
+              <a:spcBef>
+                <a:spcPct val="0"/>
+              </a:spcBef>
+              <a:buNone/>
+              <a:defRPr sz="4400" kern="1200">
+                <a:solidFill>
+                  <a:schemeClr val="tx1"/>
+                </a:solidFill>
+                <a:latin typeface="+mj-lt"/>
+                <a:ea typeface="+mj-ea"/>
+                <a:cs typeface="+mj-cs"/>
+              </a:defRPr>
+            </a:lvl1pPr>
+          </a:lstStyle>
+          <a:p>
+            <a:r>
+              <a:rPr lang="en-US" b="1" u="sng" dirty="0"/>
+              <a:t>Mediator Design Pattern</a:t>
+            </a:r>
+            <a:endParaRPr lang="en-IN" b="1" u="sng" dirty="0"/>
+          </a:p>
+        </p:txBody>
+      </p:sp>
+      <p:sp>
+        <p:nvSpPr>
+          <p:cNvPr id="3" name="Content Placeholder 2">
+            <a:extLst>
+              <a:ext uri="{FF2B5EF4-FFF2-40B4-BE49-F238E27FC236}">
+                <a16:creationId xmlns:a16="http://schemas.microsoft.com/office/drawing/2014/main" id="{62EF7CD0-F099-681E-2B99-8A048C77B4B8}"/>
+              </a:ext>
+            </a:extLst>
+          </p:cNvPr>
+          <p:cNvSpPr txBox="1">
+            <a:spLocks/>
+          </p:cNvSpPr>
+          <p:nvPr/>
+        </p:nvSpPr>
+        <p:spPr>
+          <a:xfrm>
+            <a:off x="455543" y="1073427"/>
+            <a:ext cx="11280913" cy="5367128"/>
+          </a:xfrm>
+          <a:prstGeom prst="rect">
+            <a:avLst/>
+          </a:prstGeom>
+        </p:spPr>
+        <p:txBody>
+          <a:bodyPr>
+            <a:normAutofit/>
+          </a:bodyPr>
+          <a:lstStyle>
+            <a:lvl1pPr marL="228600" indent="-228600" algn="l" defTabSz="914400" rtl="0" eaLnBrk="1" latinLnBrk="0" hangingPunct="1">
+              <a:lnSpc>
+                <a:spcPct val="90000"/>
+              </a:lnSpc>
+              <a:spcBef>
+                <a:spcPts val="1000"/>
+              </a:spcBef>
+              <a:buFont typeface="Arial" panose="020B0604020202020204" pitchFamily="34" charset="0"/>
+              <a:buChar char="•"/>
+              <a:defRPr sz="2800" kern="1200">
+                <a:solidFill>
+                  <a:schemeClr val="tx1"/>
+                </a:solidFill>
+                <a:latin typeface="+mn-lt"/>
+                <a:ea typeface="+mn-ea"/>
+                <a:cs typeface="+mn-cs"/>
+              </a:defRPr>
+            </a:lvl1pPr>
+            <a:lvl2pPr marL="685800" indent="-228600" algn="l" defTabSz="914400" rtl="0" eaLnBrk="1" latinLnBrk="0" hangingPunct="1">
+              <a:lnSpc>
+                <a:spcPct val="90000"/>
+              </a:lnSpc>
+              <a:spcBef>
+                <a:spcPts val="500"/>
+              </a:spcBef>
+              <a:buFont typeface="Arial" panose="020B0604020202020204" pitchFamily="34" charset="0"/>
+              <a:buChar char="•"/>
+              <a:defRPr sz="2400" kern="1200">
+                <a:solidFill>
+                  <a:schemeClr val="tx1"/>
+                </a:solidFill>
+                <a:latin typeface="+mn-lt"/>
+                <a:ea typeface="+mn-ea"/>
+                <a:cs typeface="+mn-cs"/>
+              </a:defRPr>
+            </a:lvl2pPr>
+            <a:lvl3pPr marL="1143000" indent="-228600" algn="l" defTabSz="914400" rtl="0" eaLnBrk="1" latinLnBrk="0" hangingPunct="1">
+              <a:lnSpc>
+                <a:spcPct val="90000"/>
+              </a:lnSpc>
+              <a:spcBef>
+                <a:spcPts val="500"/>
+              </a:spcBef>
+              <a:buFont typeface="Arial" panose="020B0604020202020204" pitchFamily="34" charset="0"/>
+              <a:buChar char="•"/>
+              <a:defRPr sz="2000" kern="1200">
+                <a:solidFill>
+                  <a:schemeClr val="tx1"/>
+                </a:solidFill>
+                <a:latin typeface="+mn-lt"/>
+                <a:ea typeface="+mn-ea"/>
+                <a:cs typeface="+mn-cs"/>
+              </a:defRPr>
+            </a:lvl3pPr>
+            <a:lvl4pPr marL="1600200" indent="-228600" algn="l" defTabSz="914400" rtl="0" eaLnBrk="1" latinLnBrk="0" hangingPunct="1">
+              <a:lnSpc>
+                <a:spcPct val="90000"/>
+              </a:lnSpc>
+              <a:spcBef>
+                <a:spcPts val="500"/>
+              </a:spcBef>
+              <a:buFont typeface="Arial" panose="020B0604020202020204" pitchFamily="34" charset="0"/>
+              <a:buChar char="•"/>
+              <a:defRPr sz="1800" kern="1200">
+                <a:solidFill>
+                  <a:schemeClr val="tx1"/>
+                </a:solidFill>
+                <a:latin typeface="+mn-lt"/>
+                <a:ea typeface="+mn-ea"/>
+                <a:cs typeface="+mn-cs"/>
+              </a:defRPr>
+            </a:lvl4pPr>
+            <a:lvl5pPr marL="2057400" indent="-228600" algn="l" defTabSz="914400" rtl="0" eaLnBrk="1" latinLnBrk="0" hangingPunct="1">
+              <a:lnSpc>
+                <a:spcPct val="90000"/>
+              </a:lnSpc>
+              <a:spcBef>
+                <a:spcPts val="500"/>
+              </a:spcBef>
+              <a:buFont typeface="Arial" panose="020B0604020202020204" pitchFamily="34" charset="0"/>
+              <a:buChar char="•"/>
+              <a:defRPr sz="1800" kern="1200">
+                <a:solidFill>
+                  <a:schemeClr val="tx1"/>
+                </a:solidFill>
+                <a:latin typeface="+mn-lt"/>
+                <a:ea typeface="+mn-ea"/>
+                <a:cs typeface="+mn-cs"/>
+              </a:defRPr>
+            </a:lvl5pPr>
+            <a:lvl6pPr marL="2514600" indent="-228600" algn="l" defTabSz="914400" rtl="0" eaLnBrk="1" latinLnBrk="0" hangingPunct="1">
+              <a:lnSpc>
+                <a:spcPct val="90000"/>
+              </a:lnSpc>
+              <a:spcBef>
+                <a:spcPts val="500"/>
+              </a:spcBef>
+              <a:buFont typeface="Arial" panose="020B0604020202020204" pitchFamily="34" charset="0"/>
+              <a:buChar char="•"/>
+              <a:defRPr sz="1800" kern="1200">
+                <a:solidFill>
+                  <a:schemeClr val="tx1"/>
+                </a:solidFill>
+                <a:latin typeface="+mn-lt"/>
+                <a:ea typeface="+mn-ea"/>
+                <a:cs typeface="+mn-cs"/>
+              </a:defRPr>
+            </a:lvl6pPr>
+            <a:lvl7pPr marL="2971800" indent="-228600" algn="l" defTabSz="914400" rtl="0" eaLnBrk="1" latinLnBrk="0" hangingPunct="1">
+              <a:lnSpc>
+                <a:spcPct val="90000"/>
+              </a:lnSpc>
+              <a:spcBef>
+                <a:spcPts val="500"/>
+              </a:spcBef>
+              <a:buFont typeface="Arial" panose="020B0604020202020204" pitchFamily="34" charset="0"/>
+              <a:buChar char="•"/>
+              <a:defRPr sz="1800" kern="1200">
+                <a:solidFill>
+                  <a:schemeClr val="tx1"/>
+                </a:solidFill>
+                <a:latin typeface="+mn-lt"/>
+                <a:ea typeface="+mn-ea"/>
+                <a:cs typeface="+mn-cs"/>
+              </a:defRPr>
+            </a:lvl7pPr>
+            <a:lvl8pPr marL="3429000" indent="-228600" algn="l" defTabSz="914400" rtl="0" eaLnBrk="1" latinLnBrk="0" hangingPunct="1">
+              <a:lnSpc>
+                <a:spcPct val="90000"/>
+              </a:lnSpc>
+              <a:spcBef>
+                <a:spcPts val="500"/>
+              </a:spcBef>
+              <a:buFont typeface="Arial" panose="020B0604020202020204" pitchFamily="34" charset="0"/>
+              <a:buChar char="•"/>
+              <a:defRPr sz="1800" kern="1200">
+                <a:solidFill>
+                  <a:schemeClr val="tx1"/>
+                </a:solidFill>
+                <a:latin typeface="+mn-lt"/>
+                <a:ea typeface="+mn-ea"/>
+                <a:cs typeface="+mn-cs"/>
+              </a:defRPr>
+            </a:lvl8pPr>
+            <a:lvl9pPr marL="3886200" indent="-228600" algn="l" defTabSz="914400" rtl="0" eaLnBrk="1" latinLnBrk="0" hangingPunct="1">
+              <a:lnSpc>
+                <a:spcPct val="90000"/>
+              </a:lnSpc>
+              <a:spcBef>
+                <a:spcPts val="500"/>
+              </a:spcBef>
+              <a:buFont typeface="Arial" panose="020B0604020202020204" pitchFamily="34" charset="0"/>
+              <a:buChar char="•"/>
+              <a:defRPr sz="1800" kern="1200">
+                <a:solidFill>
+                  <a:schemeClr val="tx1"/>
+                </a:solidFill>
+                <a:latin typeface="+mn-lt"/>
+                <a:ea typeface="+mn-ea"/>
+                <a:cs typeface="+mn-cs"/>
+              </a:defRPr>
+            </a:lvl9pPr>
+          </a:lstStyle>
+          <a:p>
+            <a:r>
+              <a:rPr lang="en-US" sz="2400" dirty="0">
+                <a:solidFill>
+                  <a:srgbClr val="333333"/>
+                </a:solidFill>
+                <a:latin typeface="inter-regular"/>
+              </a:rPr>
+              <a:t>In this</a:t>
+            </a:r>
+            <a:r>
+              <a:rPr lang="en-US" sz="2400" b="1" i="0" dirty="0">
+                <a:solidFill>
+                  <a:srgbClr val="333333"/>
+                </a:solidFill>
+                <a:effectLst/>
+                <a:latin typeface="inter-bold"/>
+              </a:rPr>
+              <a:t> </a:t>
+            </a:r>
+            <a:r>
+              <a:rPr lang="en-US" sz="2200" b="1" i="0" dirty="0">
+                <a:solidFill>
+                  <a:srgbClr val="333333"/>
+                </a:solidFill>
+                <a:effectLst/>
+                <a:latin typeface="inter-regular"/>
+              </a:rPr>
+              <a:t>"to define an object that encapsulates how a set of objects interact".</a:t>
+            </a:r>
+          </a:p>
+          <a:p>
+            <a:pPr marL="0" indent="0">
+              <a:buNone/>
+            </a:pPr>
+            <a:r>
+              <a:rPr lang="en-US" sz="2200" b="1" u="sng" dirty="0">
+                <a:solidFill>
+                  <a:srgbClr val="333333"/>
+                </a:solidFill>
+                <a:latin typeface="inter-regular"/>
+              </a:rPr>
+              <a:t>Advantages</a:t>
+            </a:r>
+            <a:r>
+              <a:rPr lang="en-US" sz="2200" b="1" dirty="0">
+                <a:solidFill>
+                  <a:srgbClr val="333333"/>
+                </a:solidFill>
+                <a:latin typeface="inter-regular"/>
+              </a:rPr>
+              <a:t>:-</a:t>
+            </a:r>
+          </a:p>
+          <a:p>
+            <a:pPr algn="just">
+              <a:buFont typeface="Arial" panose="020B0604020202020204" pitchFamily="34" charset="0"/>
+              <a:buChar char="•"/>
+            </a:pPr>
+            <a:r>
+              <a:rPr lang="en-US" sz="2000" b="0" i="0" dirty="0">
+                <a:solidFill>
+                  <a:srgbClr val="000000"/>
+                </a:solidFill>
+                <a:effectLst/>
+                <a:latin typeface="inter-regular"/>
+              </a:rPr>
+              <a:t>It decouples the number of classes.</a:t>
+            </a:r>
+          </a:p>
+          <a:p>
+            <a:pPr algn="just">
+              <a:buFont typeface="Arial" panose="020B0604020202020204" pitchFamily="34" charset="0"/>
+              <a:buChar char="•"/>
+            </a:pPr>
+            <a:r>
+              <a:rPr lang="en-US" sz="2000" b="0" i="0" dirty="0">
+                <a:solidFill>
+                  <a:srgbClr val="000000"/>
+                </a:solidFill>
+                <a:effectLst/>
+                <a:latin typeface="inter-regular"/>
+              </a:rPr>
+              <a:t>It simplifies object protocols.</a:t>
+            </a:r>
+          </a:p>
+          <a:p>
+            <a:pPr algn="just">
+              <a:buFont typeface="Arial" panose="020B0604020202020204" pitchFamily="34" charset="0"/>
+              <a:buChar char="•"/>
+            </a:pPr>
+            <a:r>
+              <a:rPr lang="en-US" sz="2000" b="0" i="0" dirty="0">
+                <a:solidFill>
+                  <a:srgbClr val="000000"/>
+                </a:solidFill>
+                <a:effectLst/>
+                <a:latin typeface="inter-regular"/>
+              </a:rPr>
+              <a:t>It centralizes the control.</a:t>
+            </a:r>
+          </a:p>
+          <a:p>
+            <a:pPr algn="just">
+              <a:buFont typeface="Arial" panose="020B0604020202020204" pitchFamily="34" charset="0"/>
+              <a:buChar char="•"/>
+            </a:pPr>
+            <a:r>
+              <a:rPr lang="en-US" sz="2000" b="0" i="0" dirty="0">
+                <a:solidFill>
+                  <a:srgbClr val="000000"/>
+                </a:solidFill>
+                <a:effectLst/>
+                <a:latin typeface="inter-regular"/>
+              </a:rPr>
+              <a:t>The individual components become simpler and much easier to deal with because they don't need to pass messages to one another.</a:t>
+            </a:r>
+          </a:p>
+          <a:p>
+            <a:pPr marL="0" indent="0">
+              <a:buNone/>
+            </a:pPr>
+            <a:r>
+              <a:rPr lang="en-US" sz="2200" b="1" u="sng" dirty="0">
+                <a:solidFill>
+                  <a:srgbClr val="000000"/>
+                </a:solidFill>
+                <a:latin typeface="inter-regular"/>
+              </a:rPr>
+              <a:t>Usage</a:t>
+            </a:r>
+            <a:r>
+              <a:rPr lang="en-US" sz="2200" b="1" dirty="0">
+                <a:solidFill>
+                  <a:srgbClr val="000000"/>
+                </a:solidFill>
+                <a:latin typeface="inter-regular"/>
+              </a:rPr>
+              <a:t>:-</a:t>
+            </a:r>
+          </a:p>
+          <a:p>
+            <a:pPr algn="just">
+              <a:buFont typeface="Arial" panose="020B0604020202020204" pitchFamily="34" charset="0"/>
+              <a:buChar char="•"/>
+            </a:pPr>
+            <a:r>
+              <a:rPr lang="en-US" sz="2200" b="0" i="0" dirty="0">
+                <a:solidFill>
+                  <a:srgbClr val="000000"/>
+                </a:solidFill>
+                <a:effectLst/>
+                <a:latin typeface="inter-regular"/>
+              </a:rPr>
+              <a:t>It is commonly used in message-based systems likewise chat applications.</a:t>
+            </a:r>
+          </a:p>
+          <a:p>
+            <a:pPr algn="just">
+              <a:buFont typeface="Arial" panose="020B0604020202020204" pitchFamily="34" charset="0"/>
+              <a:buChar char="•"/>
+            </a:pPr>
+            <a:r>
+              <a:rPr lang="en-US" sz="2200" b="0" i="0" dirty="0">
+                <a:solidFill>
+                  <a:srgbClr val="000000"/>
+                </a:solidFill>
+                <a:effectLst/>
+                <a:latin typeface="inter-regular"/>
+              </a:rPr>
+              <a:t>When the set of objects communicate in complex but in well-defined ways.</a:t>
+            </a:r>
+          </a:p>
+          <a:p>
+            <a:pPr marL="0" indent="0" algn="just">
+              <a:buNone/>
+            </a:pPr>
+            <a:endParaRPr lang="en-US" sz="1900" b="0" i="0" dirty="0">
+              <a:solidFill>
+                <a:srgbClr val="000000"/>
+              </a:solidFill>
+              <a:effectLst/>
+              <a:latin typeface="inter-regular"/>
+            </a:endParaRPr>
+          </a:p>
+          <a:p>
+            <a:pPr marL="0" indent="0" algn="just">
+              <a:buFont typeface="Arial" panose="020B0604020202020204" pitchFamily="34" charset="0"/>
+              <a:buNone/>
+            </a:pPr>
+            <a:r>
+              <a:rPr lang="en-US" sz="2200" b="1" u="sng" dirty="0">
+                <a:solidFill>
+                  <a:schemeClr val="tx1">
+                    <a:lumMod val="95000"/>
+                    <a:lumOff val="5000"/>
+                  </a:schemeClr>
+                </a:solidFill>
+                <a:latin typeface="Google Sans"/>
+              </a:rPr>
+              <a:t>Real-Time Example</a:t>
+            </a:r>
+            <a:r>
+              <a:rPr lang="en-US" sz="2200" dirty="0">
+                <a:solidFill>
+                  <a:schemeClr val="tx1">
+                    <a:lumMod val="95000"/>
+                    <a:lumOff val="5000"/>
+                  </a:schemeClr>
+                </a:solidFill>
+                <a:latin typeface="Google Sans"/>
+              </a:rPr>
+              <a:t>:-</a:t>
+            </a:r>
+          </a:p>
+          <a:p>
+            <a:r>
+              <a:rPr lang="en-US" sz="2000" b="0" i="0" dirty="0">
+                <a:solidFill>
+                  <a:schemeClr val="tx1">
+                    <a:lumMod val="95000"/>
+                    <a:lumOff val="5000"/>
+                  </a:schemeClr>
+                </a:solidFill>
+                <a:effectLst/>
+              </a:rPr>
+              <a:t>Event Manager.</a:t>
+            </a:r>
+            <a:endParaRPr lang="en-IN" sz="2000" dirty="0">
+              <a:solidFill>
+                <a:schemeClr val="tx1">
+                  <a:lumMod val="95000"/>
+                  <a:lumOff val="5000"/>
+                </a:schemeClr>
+              </a:solidFill>
+            </a:endParaRPr>
+          </a:p>
+        </p:txBody>
+      </p:sp>
+    </p:spTree>
+    <p:extLst>
+      <p:ext uri="{BB962C8B-B14F-4D97-AF65-F5344CB8AC3E}">
+        <p14:creationId xmlns:p14="http://schemas.microsoft.com/office/powerpoint/2010/main" val="636266154"/>
+      </p:ext>
+    </p:extLst>
+  </p:cSld>
+  <p:clrMapOvr>
+    <a:masterClrMapping/>
+  </p:clrMapOvr>
+</p:sld>
+</file>
+
+<file path=ppt/slides/slide25.xml><?xml version="1.0" encoding="utf-8"?>
+<p:sld xmlns:a="http://schemas.openxmlformats.org/drawingml/2006/main" xmlns:r="http://schemas.openxmlformats.org/officeDocument/2006/relationships" xmlns:p="http://schemas.openxmlformats.org/presentationml/2006/main">
+  <p:cSld>
+    <p:spTree>
+      <p:nvGrpSpPr>
+        <p:cNvPr id="1" name=""/>
+        <p:cNvGrpSpPr/>
+        <p:nvPr/>
+      </p:nvGrpSpPr>
+      <p:grpSpPr>
+        <a:xfrm>
+          <a:off x="0" y="0"/>
+          <a:ext cx="0" cy="0"/>
+          <a:chOff x="0" y="0"/>
+          <a:chExt cx="0" cy="0"/>
+        </a:xfrm>
+      </p:grpSpPr>
+      <p:sp>
+        <p:nvSpPr>
+          <p:cNvPr id="2" name="Title 1">
+            <a:extLst>
+              <a:ext uri="{FF2B5EF4-FFF2-40B4-BE49-F238E27FC236}">
+                <a16:creationId xmlns:a16="http://schemas.microsoft.com/office/drawing/2014/main" id="{AC588AF8-BF73-1540-8A00-83CEA52FDC84}"/>
+              </a:ext>
+            </a:extLst>
+          </p:cNvPr>
+          <p:cNvSpPr txBox="1">
+            <a:spLocks/>
+          </p:cNvSpPr>
+          <p:nvPr/>
+        </p:nvSpPr>
+        <p:spPr>
+          <a:xfrm>
+            <a:off x="455543" y="268358"/>
+            <a:ext cx="10515600" cy="1325563"/>
+          </a:xfrm>
+          <a:prstGeom prst="rect">
+            <a:avLst/>
+          </a:prstGeom>
+        </p:spPr>
+        <p:txBody>
+          <a:bodyPr/>
+          <a:lstStyle>
+            <a:lvl1pPr algn="l" defTabSz="914400" rtl="0" eaLnBrk="1" latinLnBrk="0" hangingPunct="1">
+              <a:lnSpc>
+                <a:spcPct val="90000"/>
+              </a:lnSpc>
+              <a:spcBef>
+                <a:spcPct val="0"/>
+              </a:spcBef>
+              <a:buNone/>
+              <a:defRPr sz="4400" kern="1200">
+                <a:solidFill>
+                  <a:schemeClr val="tx1"/>
+                </a:solidFill>
+                <a:latin typeface="+mj-lt"/>
+                <a:ea typeface="+mj-ea"/>
+                <a:cs typeface="+mj-cs"/>
+              </a:defRPr>
+            </a:lvl1pPr>
+          </a:lstStyle>
+          <a:p>
+            <a:r>
+              <a:rPr lang="en-US" b="1" u="sng" dirty="0"/>
+              <a:t>Iterator Design Pattern</a:t>
+            </a:r>
+            <a:endParaRPr lang="en-IN" b="1" u="sng" dirty="0"/>
+          </a:p>
+        </p:txBody>
+      </p:sp>
+      <p:sp>
+        <p:nvSpPr>
+          <p:cNvPr id="3" name="Content Placeholder 2">
+            <a:extLst>
+              <a:ext uri="{FF2B5EF4-FFF2-40B4-BE49-F238E27FC236}">
+                <a16:creationId xmlns:a16="http://schemas.microsoft.com/office/drawing/2014/main" id="{0EBC096C-D7C5-A89A-E836-FDC26CD205A1}"/>
+              </a:ext>
+            </a:extLst>
+          </p:cNvPr>
+          <p:cNvSpPr txBox="1">
+            <a:spLocks/>
+          </p:cNvSpPr>
+          <p:nvPr/>
+        </p:nvSpPr>
+        <p:spPr>
+          <a:xfrm>
+            <a:off x="455543" y="1073427"/>
+            <a:ext cx="11280913" cy="5367128"/>
+          </a:xfrm>
+          <a:prstGeom prst="rect">
+            <a:avLst/>
+          </a:prstGeom>
+        </p:spPr>
+        <p:txBody>
+          <a:bodyPr>
+            <a:normAutofit/>
+          </a:bodyPr>
+          <a:lstStyle>
+            <a:lvl1pPr marL="228600" indent="-228600" algn="l" defTabSz="914400" rtl="0" eaLnBrk="1" latinLnBrk="0" hangingPunct="1">
+              <a:lnSpc>
+                <a:spcPct val="90000"/>
+              </a:lnSpc>
+              <a:spcBef>
+                <a:spcPts val="1000"/>
+              </a:spcBef>
+              <a:buFont typeface="Arial" panose="020B0604020202020204" pitchFamily="34" charset="0"/>
+              <a:buChar char="•"/>
+              <a:defRPr sz="2800" kern="1200">
+                <a:solidFill>
+                  <a:schemeClr val="tx1"/>
+                </a:solidFill>
+                <a:latin typeface="+mn-lt"/>
+                <a:ea typeface="+mn-ea"/>
+                <a:cs typeface="+mn-cs"/>
+              </a:defRPr>
+            </a:lvl1pPr>
+            <a:lvl2pPr marL="685800" indent="-228600" algn="l" defTabSz="914400" rtl="0" eaLnBrk="1" latinLnBrk="0" hangingPunct="1">
+              <a:lnSpc>
+                <a:spcPct val="90000"/>
+              </a:lnSpc>
+              <a:spcBef>
+                <a:spcPts val="500"/>
+              </a:spcBef>
+              <a:buFont typeface="Arial" panose="020B0604020202020204" pitchFamily="34" charset="0"/>
+              <a:buChar char="•"/>
+              <a:defRPr sz="2400" kern="1200">
+                <a:solidFill>
+                  <a:schemeClr val="tx1"/>
+                </a:solidFill>
+                <a:latin typeface="+mn-lt"/>
+                <a:ea typeface="+mn-ea"/>
+                <a:cs typeface="+mn-cs"/>
+              </a:defRPr>
+            </a:lvl2pPr>
+            <a:lvl3pPr marL="1143000" indent="-228600" algn="l" defTabSz="914400" rtl="0" eaLnBrk="1" latinLnBrk="0" hangingPunct="1">
+              <a:lnSpc>
+                <a:spcPct val="90000"/>
+              </a:lnSpc>
+              <a:spcBef>
+                <a:spcPts val="500"/>
+              </a:spcBef>
+              <a:buFont typeface="Arial" panose="020B0604020202020204" pitchFamily="34" charset="0"/>
+              <a:buChar char="•"/>
+              <a:defRPr sz="2000" kern="1200">
+                <a:solidFill>
+                  <a:schemeClr val="tx1"/>
+                </a:solidFill>
+                <a:latin typeface="+mn-lt"/>
+                <a:ea typeface="+mn-ea"/>
+                <a:cs typeface="+mn-cs"/>
+              </a:defRPr>
+            </a:lvl3pPr>
+            <a:lvl4pPr marL="1600200" indent="-228600" algn="l" defTabSz="914400" rtl="0" eaLnBrk="1" latinLnBrk="0" hangingPunct="1">
+              <a:lnSpc>
+                <a:spcPct val="90000"/>
+              </a:lnSpc>
+              <a:spcBef>
+                <a:spcPts val="500"/>
+              </a:spcBef>
+              <a:buFont typeface="Arial" panose="020B0604020202020204" pitchFamily="34" charset="0"/>
+              <a:buChar char="•"/>
+              <a:defRPr sz="1800" kern="1200">
+                <a:solidFill>
+                  <a:schemeClr val="tx1"/>
+                </a:solidFill>
+                <a:latin typeface="+mn-lt"/>
+                <a:ea typeface="+mn-ea"/>
+                <a:cs typeface="+mn-cs"/>
+              </a:defRPr>
+            </a:lvl4pPr>
+            <a:lvl5pPr marL="2057400" indent="-228600" algn="l" defTabSz="914400" rtl="0" eaLnBrk="1" latinLnBrk="0" hangingPunct="1">
+              <a:lnSpc>
+                <a:spcPct val="90000"/>
+              </a:lnSpc>
+              <a:spcBef>
+                <a:spcPts val="500"/>
+              </a:spcBef>
+              <a:buFont typeface="Arial" panose="020B0604020202020204" pitchFamily="34" charset="0"/>
+              <a:buChar char="•"/>
+              <a:defRPr sz="1800" kern="1200">
+                <a:solidFill>
+                  <a:schemeClr val="tx1"/>
+                </a:solidFill>
+                <a:latin typeface="+mn-lt"/>
+                <a:ea typeface="+mn-ea"/>
+                <a:cs typeface="+mn-cs"/>
+              </a:defRPr>
+            </a:lvl5pPr>
+            <a:lvl6pPr marL="2514600" indent="-228600" algn="l" defTabSz="914400" rtl="0" eaLnBrk="1" latinLnBrk="0" hangingPunct="1">
+              <a:lnSpc>
+                <a:spcPct val="90000"/>
+              </a:lnSpc>
+              <a:spcBef>
+                <a:spcPts val="500"/>
+              </a:spcBef>
+              <a:buFont typeface="Arial" panose="020B0604020202020204" pitchFamily="34" charset="0"/>
+              <a:buChar char="•"/>
+              <a:defRPr sz="1800" kern="1200">
+                <a:solidFill>
+                  <a:schemeClr val="tx1"/>
+                </a:solidFill>
+                <a:latin typeface="+mn-lt"/>
+                <a:ea typeface="+mn-ea"/>
+                <a:cs typeface="+mn-cs"/>
+              </a:defRPr>
+            </a:lvl6pPr>
+            <a:lvl7pPr marL="2971800" indent="-228600" algn="l" defTabSz="914400" rtl="0" eaLnBrk="1" latinLnBrk="0" hangingPunct="1">
+              <a:lnSpc>
+                <a:spcPct val="90000"/>
+              </a:lnSpc>
+              <a:spcBef>
+                <a:spcPts val="500"/>
+              </a:spcBef>
+              <a:buFont typeface="Arial" panose="020B0604020202020204" pitchFamily="34" charset="0"/>
+              <a:buChar char="•"/>
+              <a:defRPr sz="1800" kern="1200">
+                <a:solidFill>
+                  <a:schemeClr val="tx1"/>
+                </a:solidFill>
+                <a:latin typeface="+mn-lt"/>
+                <a:ea typeface="+mn-ea"/>
+                <a:cs typeface="+mn-cs"/>
+              </a:defRPr>
+            </a:lvl7pPr>
+            <a:lvl8pPr marL="3429000" indent="-228600" algn="l" defTabSz="914400" rtl="0" eaLnBrk="1" latinLnBrk="0" hangingPunct="1">
+              <a:lnSpc>
+                <a:spcPct val="90000"/>
+              </a:lnSpc>
+              <a:spcBef>
+                <a:spcPts val="500"/>
+              </a:spcBef>
+              <a:buFont typeface="Arial" panose="020B0604020202020204" pitchFamily="34" charset="0"/>
+              <a:buChar char="•"/>
+              <a:defRPr sz="1800" kern="1200">
+                <a:solidFill>
+                  <a:schemeClr val="tx1"/>
+                </a:solidFill>
+                <a:latin typeface="+mn-lt"/>
+                <a:ea typeface="+mn-ea"/>
+                <a:cs typeface="+mn-cs"/>
+              </a:defRPr>
+            </a:lvl8pPr>
+            <a:lvl9pPr marL="3886200" indent="-228600" algn="l" defTabSz="914400" rtl="0" eaLnBrk="1" latinLnBrk="0" hangingPunct="1">
+              <a:lnSpc>
+                <a:spcPct val="90000"/>
+              </a:lnSpc>
+              <a:spcBef>
+                <a:spcPts val="500"/>
+              </a:spcBef>
+              <a:buFont typeface="Arial" panose="020B0604020202020204" pitchFamily="34" charset="0"/>
+              <a:buChar char="•"/>
+              <a:defRPr sz="1800" kern="1200">
+                <a:solidFill>
+                  <a:schemeClr val="tx1"/>
+                </a:solidFill>
+                <a:latin typeface="+mn-lt"/>
+                <a:ea typeface="+mn-ea"/>
+                <a:cs typeface="+mn-cs"/>
+              </a:defRPr>
+            </a:lvl9pPr>
+          </a:lstStyle>
+          <a:p>
+            <a:r>
+              <a:rPr lang="en-US" sz="2400" dirty="0">
+                <a:solidFill>
+                  <a:srgbClr val="333333"/>
+                </a:solidFill>
+                <a:latin typeface="inter-regular"/>
+              </a:rPr>
+              <a:t>In this</a:t>
+            </a:r>
+            <a:r>
+              <a:rPr lang="en-US" sz="2400" b="1" i="0" dirty="0">
+                <a:solidFill>
+                  <a:srgbClr val="333333"/>
+                </a:solidFill>
+                <a:effectLst/>
+                <a:latin typeface="inter-bold"/>
+              </a:rPr>
+              <a:t> </a:t>
+            </a:r>
+            <a:r>
+              <a:rPr lang="en-US" sz="2200" b="1" i="0" dirty="0">
+                <a:solidFill>
+                  <a:srgbClr val="333333"/>
+                </a:solidFill>
+                <a:effectLst/>
+                <a:latin typeface="inter-bold"/>
+              </a:rPr>
+              <a:t>"to access the elements of an aggregate object sequentially without exposing its underlying implementation".</a:t>
+            </a:r>
+          </a:p>
+          <a:p>
+            <a:pPr marL="0" indent="0">
+              <a:buNone/>
+            </a:pPr>
+            <a:r>
+              <a:rPr lang="en-US" sz="2200" b="1" u="sng" dirty="0">
+                <a:solidFill>
+                  <a:srgbClr val="333333"/>
+                </a:solidFill>
+                <a:latin typeface="inter-regular"/>
+              </a:rPr>
+              <a:t>Advantages</a:t>
+            </a:r>
+            <a:r>
+              <a:rPr lang="en-US" sz="2200" b="1" dirty="0">
+                <a:solidFill>
+                  <a:srgbClr val="333333"/>
+                </a:solidFill>
+                <a:latin typeface="inter-regular"/>
+              </a:rPr>
+              <a:t>:-</a:t>
+            </a:r>
+          </a:p>
+          <a:p>
+            <a:pPr algn="just">
+              <a:buFont typeface="Arial" panose="020B0604020202020204" pitchFamily="34" charset="0"/>
+              <a:buChar char="•"/>
+            </a:pPr>
+            <a:r>
+              <a:rPr lang="en-US" sz="2200" b="0" i="0" dirty="0">
+                <a:solidFill>
+                  <a:srgbClr val="000000"/>
+                </a:solidFill>
+                <a:effectLst/>
+                <a:latin typeface="inter-regular"/>
+              </a:rPr>
+              <a:t>It supports variations in the traversal of a collection.</a:t>
+            </a:r>
+          </a:p>
+          <a:p>
+            <a:pPr algn="just">
+              <a:buFont typeface="Arial" panose="020B0604020202020204" pitchFamily="34" charset="0"/>
+              <a:buChar char="•"/>
+            </a:pPr>
+            <a:r>
+              <a:rPr lang="en-US" sz="2200" b="0" i="0" dirty="0">
+                <a:solidFill>
+                  <a:srgbClr val="000000"/>
+                </a:solidFill>
+                <a:effectLst/>
+                <a:latin typeface="inter-regular"/>
+              </a:rPr>
+              <a:t>It simplifies the interface to the collection.</a:t>
+            </a:r>
+          </a:p>
+          <a:p>
+            <a:pPr marL="0" indent="0">
+              <a:buNone/>
+            </a:pPr>
+            <a:r>
+              <a:rPr lang="en-US" sz="2200" b="1" u="sng" dirty="0">
+                <a:solidFill>
+                  <a:srgbClr val="000000"/>
+                </a:solidFill>
+                <a:latin typeface="inter-regular"/>
+              </a:rPr>
+              <a:t>Usage</a:t>
+            </a:r>
+            <a:r>
+              <a:rPr lang="en-US" sz="2200" b="1" dirty="0">
+                <a:solidFill>
+                  <a:srgbClr val="000000"/>
+                </a:solidFill>
+                <a:latin typeface="inter-regular"/>
+              </a:rPr>
+              <a:t>:-</a:t>
+            </a:r>
+          </a:p>
+          <a:p>
+            <a:pPr algn="just">
+              <a:buFont typeface="Arial" panose="020B0604020202020204" pitchFamily="34" charset="0"/>
+              <a:buChar char="•"/>
+            </a:pPr>
+            <a:r>
+              <a:rPr lang="en-US" sz="2200" b="0" i="0" dirty="0">
+                <a:solidFill>
+                  <a:srgbClr val="000000"/>
+                </a:solidFill>
+                <a:effectLst/>
+                <a:latin typeface="inter-regular"/>
+              </a:rPr>
+              <a:t>When you want to access a collection of objects without exposing its internal representation.</a:t>
+            </a:r>
+          </a:p>
+          <a:p>
+            <a:pPr algn="just">
+              <a:buFont typeface="Arial" panose="020B0604020202020204" pitchFamily="34" charset="0"/>
+              <a:buChar char="•"/>
+            </a:pPr>
+            <a:r>
+              <a:rPr lang="en-US" sz="2200" b="0" i="0" dirty="0">
+                <a:solidFill>
+                  <a:srgbClr val="000000"/>
+                </a:solidFill>
+                <a:effectLst/>
+                <a:latin typeface="inter-regular"/>
+              </a:rPr>
+              <a:t>When there are multiple traversals of objects need to be supported in the collection.</a:t>
+            </a:r>
+          </a:p>
+          <a:p>
+            <a:pPr marL="0" indent="0" algn="just">
+              <a:buNone/>
+            </a:pPr>
+            <a:endParaRPr lang="en-US" sz="1900" b="0" i="0" dirty="0">
+              <a:solidFill>
+                <a:srgbClr val="000000"/>
+              </a:solidFill>
+              <a:effectLst/>
+              <a:latin typeface="inter-regular"/>
+            </a:endParaRPr>
+          </a:p>
+          <a:p>
+            <a:pPr marL="0" indent="0" algn="just">
+              <a:buFont typeface="Arial" panose="020B0604020202020204" pitchFamily="34" charset="0"/>
+              <a:buNone/>
+            </a:pPr>
+            <a:r>
+              <a:rPr lang="en-US" sz="2200" b="1" u="sng" dirty="0">
+                <a:solidFill>
+                  <a:schemeClr val="tx1">
+                    <a:lumMod val="95000"/>
+                    <a:lumOff val="5000"/>
+                  </a:schemeClr>
+                </a:solidFill>
+                <a:latin typeface="Google Sans"/>
+              </a:rPr>
+              <a:t>Real-Time Example</a:t>
+            </a:r>
+            <a:r>
+              <a:rPr lang="en-US" sz="2200" dirty="0">
+                <a:solidFill>
+                  <a:schemeClr val="tx1">
+                    <a:lumMod val="95000"/>
+                    <a:lumOff val="5000"/>
+                  </a:schemeClr>
+                </a:solidFill>
+                <a:latin typeface="Google Sans"/>
+              </a:rPr>
+              <a:t>:-</a:t>
+            </a:r>
+          </a:p>
+          <a:p>
+            <a:r>
+              <a:rPr lang="en-US" sz="2000" b="0" i="0" dirty="0">
+                <a:solidFill>
+                  <a:schemeClr val="tx1">
+                    <a:lumMod val="95000"/>
+                    <a:lumOff val="5000"/>
+                  </a:schemeClr>
+                </a:solidFill>
+                <a:effectLst/>
+              </a:rPr>
+              <a:t>Student Data.</a:t>
+            </a:r>
+            <a:endParaRPr lang="en-IN" sz="2000" dirty="0">
+              <a:solidFill>
+                <a:schemeClr val="tx1">
+                  <a:lumMod val="95000"/>
+                  <a:lumOff val="5000"/>
+                </a:schemeClr>
+              </a:solidFill>
+            </a:endParaRPr>
+          </a:p>
+        </p:txBody>
+      </p:sp>
+    </p:spTree>
+    <p:extLst>
+      <p:ext uri="{BB962C8B-B14F-4D97-AF65-F5344CB8AC3E}">
+        <p14:creationId xmlns:p14="http://schemas.microsoft.com/office/powerpoint/2010/main" val="3983001647"/>
       </p:ext>
     </p:extLst>
   </p:cSld>
